--- a/LightningRound/IAP_2013_Lightning.pptx
+++ b/LightningRound/IAP_2013_Lightning.pptx
@@ -5,32 +5,30 @@
     <p:sldMasterId id="2147483648" r:id="rId1"/>
   </p:sldMasterIdLst>
   <p:notesMasterIdLst>
-    <p:notesMasterId r:id="rId25"/>
+    <p:notesMasterId r:id="rId23"/>
   </p:notesMasterIdLst>
   <p:sldIdLst>
-    <p:sldId id="283" r:id="rId2"/>
-    <p:sldId id="282" r:id="rId3"/>
-    <p:sldId id="281" r:id="rId4"/>
-    <p:sldId id="258" r:id="rId5"/>
-    <p:sldId id="274" r:id="rId6"/>
-    <p:sldId id="259" r:id="rId7"/>
-    <p:sldId id="264" r:id="rId8"/>
-    <p:sldId id="265" r:id="rId9"/>
-    <p:sldId id="263" r:id="rId10"/>
-    <p:sldId id="266" r:id="rId11"/>
-    <p:sldId id="271" r:id="rId12"/>
-    <p:sldId id="272" r:id="rId13"/>
-    <p:sldId id="276" r:id="rId14"/>
-    <p:sldId id="267" r:id="rId15"/>
-    <p:sldId id="269" r:id="rId16"/>
-    <p:sldId id="270" r:id="rId17"/>
-    <p:sldId id="273" r:id="rId18"/>
-    <p:sldId id="277" r:id="rId19"/>
-    <p:sldId id="278" r:id="rId20"/>
-    <p:sldId id="279" r:id="rId21"/>
-    <p:sldId id="280" r:id="rId22"/>
-    <p:sldId id="275" r:id="rId23"/>
-    <p:sldId id="268" r:id="rId24"/>
+    <p:sldId id="281" r:id="rId2"/>
+    <p:sldId id="258" r:id="rId3"/>
+    <p:sldId id="274" r:id="rId4"/>
+    <p:sldId id="259" r:id="rId5"/>
+    <p:sldId id="264" r:id="rId6"/>
+    <p:sldId id="265" r:id="rId7"/>
+    <p:sldId id="263" r:id="rId8"/>
+    <p:sldId id="266" r:id="rId9"/>
+    <p:sldId id="271" r:id="rId10"/>
+    <p:sldId id="272" r:id="rId11"/>
+    <p:sldId id="276" r:id="rId12"/>
+    <p:sldId id="267" r:id="rId13"/>
+    <p:sldId id="269" r:id="rId14"/>
+    <p:sldId id="270" r:id="rId15"/>
+    <p:sldId id="273" r:id="rId16"/>
+    <p:sldId id="277" r:id="rId17"/>
+    <p:sldId id="278" r:id="rId18"/>
+    <p:sldId id="279" r:id="rId19"/>
+    <p:sldId id="280" r:id="rId20"/>
+    <p:sldId id="275" r:id="rId21"/>
+    <p:sldId id="268" r:id="rId22"/>
   </p:sldIdLst>
   <p:sldSz cx="9144000" cy="6858000" type="screen4x3"/>
   <p:notesSz cx="6858000" cy="9144000"/>
@@ -215,7 +213,7 @@
             <a:fld id="{C14BE052-452E-4C24-B5AA-8CD1D77A6A8A}" type="datetimeFigureOut">
               <a:rPr lang="en-US" smtClean="0"/>
               <a:pPr/>
-              <a:t>1/15/2013</a:t>
+              <a:t>1/25/2013</a:t>
             </a:fld>
             <a:endParaRPr lang="en-US"/>
           </a:p>
@@ -384,7 +382,7 @@
     </p:spTree>
     <p:extLst>
       <p:ext uri="{BB962C8B-B14F-4D97-AF65-F5344CB8AC3E}">
-        <p14:creationId xmlns:p14="http://schemas.microsoft.com/office/powerpoint/2010/main" xmlns="" val="701601495"/>
+        <p14:creationId xmlns="" xmlns:p14="http://schemas.microsoft.com/office/powerpoint/2010/main" val="701601495"/>
       </p:ext>
     </p:extLst>
   </p:cSld>
@@ -666,7 +664,7 @@
             <a:fld id="{C22B1FE6-760F-4A80-B7A7-00ECCE759527}" type="datetimeFigureOut">
               <a:rPr lang="en-US" smtClean="0"/>
               <a:pPr/>
-              <a:t>1/15/2013</a:t>
+              <a:t>1/25/2013</a:t>
             </a:fld>
             <a:endParaRPr lang="en-US"/>
           </a:p>
@@ -833,7 +831,7 @@
             <a:fld id="{C22B1FE6-760F-4A80-B7A7-00ECCE759527}" type="datetimeFigureOut">
               <a:rPr lang="en-US" smtClean="0"/>
               <a:pPr/>
-              <a:t>1/15/2013</a:t>
+              <a:t>1/25/2013</a:t>
             </a:fld>
             <a:endParaRPr lang="en-US"/>
           </a:p>
@@ -1010,7 +1008,7 @@
             <a:fld id="{C22B1FE6-760F-4A80-B7A7-00ECCE759527}" type="datetimeFigureOut">
               <a:rPr lang="en-US" smtClean="0"/>
               <a:pPr/>
-              <a:t>1/15/2013</a:t>
+              <a:t>1/25/2013</a:t>
             </a:fld>
             <a:endParaRPr lang="en-US"/>
           </a:p>
@@ -1177,7 +1175,7 @@
             <a:fld id="{C22B1FE6-760F-4A80-B7A7-00ECCE759527}" type="datetimeFigureOut">
               <a:rPr lang="en-US" smtClean="0"/>
               <a:pPr/>
-              <a:t>1/15/2013</a:t>
+              <a:t>1/25/2013</a:t>
             </a:fld>
             <a:endParaRPr lang="en-US"/>
           </a:p>
@@ -1446,7 +1444,7 @@
             <a:fld id="{C22B1FE6-760F-4A80-B7A7-00ECCE759527}" type="datetimeFigureOut">
               <a:rPr lang="en-US" smtClean="0"/>
               <a:pPr/>
-              <a:t>1/15/2013</a:t>
+              <a:t>1/25/2013</a:t>
             </a:fld>
             <a:endParaRPr lang="en-US"/>
           </a:p>
@@ -1731,7 +1729,7 @@
             <a:fld id="{C22B1FE6-760F-4A80-B7A7-00ECCE759527}" type="datetimeFigureOut">
               <a:rPr lang="en-US" smtClean="0"/>
               <a:pPr/>
-              <a:t>1/15/2013</a:t>
+              <a:t>1/25/2013</a:t>
             </a:fld>
             <a:endParaRPr lang="en-US"/>
           </a:p>
@@ -2150,7 +2148,7 @@
             <a:fld id="{C22B1FE6-760F-4A80-B7A7-00ECCE759527}" type="datetimeFigureOut">
               <a:rPr lang="en-US" smtClean="0"/>
               <a:pPr/>
-              <a:t>1/15/2013</a:t>
+              <a:t>1/25/2013</a:t>
             </a:fld>
             <a:endParaRPr lang="en-US"/>
           </a:p>
@@ -2265,7 +2263,7 @@
             <a:fld id="{C22B1FE6-760F-4A80-B7A7-00ECCE759527}" type="datetimeFigureOut">
               <a:rPr lang="en-US" smtClean="0"/>
               <a:pPr/>
-              <a:t>1/15/2013</a:t>
+              <a:t>1/25/2013</a:t>
             </a:fld>
             <a:endParaRPr lang="en-US"/>
           </a:p>
@@ -2357,7 +2355,7 @@
             <a:fld id="{C22B1FE6-760F-4A80-B7A7-00ECCE759527}" type="datetimeFigureOut">
               <a:rPr lang="en-US" smtClean="0"/>
               <a:pPr/>
-              <a:t>1/15/2013</a:t>
+              <a:t>1/25/2013</a:t>
             </a:fld>
             <a:endParaRPr lang="en-US"/>
           </a:p>
@@ -2631,7 +2629,7 @@
             <a:fld id="{C22B1FE6-760F-4A80-B7A7-00ECCE759527}" type="datetimeFigureOut">
               <a:rPr lang="en-US" smtClean="0"/>
               <a:pPr/>
-              <a:t>1/15/2013</a:t>
+              <a:t>1/25/2013</a:t>
             </a:fld>
             <a:endParaRPr lang="en-US"/>
           </a:p>
@@ -2881,7 +2879,7 @@
             <a:fld id="{C22B1FE6-760F-4A80-B7A7-00ECCE759527}" type="datetimeFigureOut">
               <a:rPr lang="en-US" smtClean="0"/>
               <a:pPr/>
-              <a:t>1/15/2013</a:t>
+              <a:t>1/25/2013</a:t>
             </a:fld>
             <a:endParaRPr lang="en-US"/>
           </a:p>
@@ -3091,7 +3089,7 @@
             <a:fld id="{C22B1FE6-760F-4A80-B7A7-00ECCE759527}" type="datetimeFigureOut">
               <a:rPr lang="en-US" smtClean="0"/>
               <a:pPr/>
-              <a:t>1/15/2013</a:t>
+              <a:t>1/25/2013</a:t>
             </a:fld>
             <a:endParaRPr lang="en-US"/>
           </a:p>
@@ -3337,7 +3335,7 @@
           <a:blip r:embed="rId14" cstate="print">
             <a:extLst>
               <a:ext uri="{BEBA8EAE-BF5A-486C-A8C5-ECC9F3942E4B}">
-                <a14:imgProps xmlns:a14="http://schemas.microsoft.com/office/drawing/2010/main" xmlns="">
+                <a14:imgProps xmlns="" xmlns:a14="http://schemas.microsoft.com/office/drawing/2010/main">
                   <a14:imgLayer r:embed="rId15">
                     <a14:imgEffect>
                       <a14:saturation sat="200000"/>
@@ -3660,10 +3658,15 @@
             <a:spLocks noGrp="1"/>
           </p:cNvSpPr>
           <p:nvPr>
-            <p:ph type="title"/>
-          </p:nvPr>
-        </p:nvSpPr>
-        <p:spPr/>
+            <p:ph type="ctrTitle"/>
+          </p:nvPr>
+        </p:nvSpPr>
+        <p:spPr>
+          <a:xfrm>
+            <a:off x="609600" y="1447800"/>
+            <a:ext cx="7772400" cy="1470025"/>
+          </a:xfrm>
+        </p:spPr>
         <p:txBody>
           <a:bodyPr>
             <a:normAutofit fontScale="90000"/>
@@ -3672,14 +3675,21 @@
           <a:p>
             <a:r>
               <a:rPr lang="en-US" dirty="0" smtClean="0"/>
-              <a:t>Julia Tutorial</a:t>
+              <a:t>Julia Lightning Round</a:t>
             </a:r>
             <a:br>
               <a:rPr lang="en-US" dirty="0" smtClean="0"/>
             </a:br>
             <a:r>
               <a:rPr lang="en-US" dirty="0" smtClean="0"/>
-              <a:t>Setup Possibilities</a:t>
+              <a:t>MIT IAP Tutorial</a:t>
+            </a:r>
+            <a:br>
+              <a:rPr lang="en-US" dirty="0" smtClean="0"/>
+            </a:br>
+            <a:r>
+              <a:rPr lang="en-US" dirty="0" smtClean="0"/>
+              <a:t>January 15, 2013</a:t>
             </a:r>
             <a:endParaRPr lang="en-US" dirty="0"/>
           </a:p>
@@ -3687,85 +3697,142 @@
       </p:sp>
       <p:sp>
         <p:nvSpPr>
-          <p:cNvPr id="3" name="Content Placeholder 2"/>
-          <p:cNvSpPr>
-            <a:spLocks noGrp="1"/>
-          </p:cNvSpPr>
-          <p:nvPr>
-            <p:ph idx="1"/>
-          </p:nvPr>
-        </p:nvSpPr>
-        <p:spPr/>
-        <p:txBody>
-          <a:bodyPr/>
-          <a:lstStyle/>
-          <a:p>
-            <a:r>
-              <a:rPr lang="en-US" dirty="0" smtClean="0"/>
-              <a:t>Add a second monitor to your laptop</a:t>
-            </a:r>
-          </a:p>
-          <a:p>
-            <a:pPr lvl="1"/>
-            <a:r>
-              <a:rPr lang="en-US" dirty="0" smtClean="0"/>
-              <a:t>Need VGA Cable (unless you have dvi)</a:t>
-            </a:r>
-          </a:p>
-          <a:p>
-            <a:r>
-              <a:rPr lang="en-US" dirty="0" smtClean="0"/>
-              <a:t>Login to </a:t>
+          <p:cNvPr id="4" name="TextBox 3"/>
+          <p:cNvSpPr txBox="1"/>
+          <p:nvPr/>
+        </p:nvSpPr>
+        <p:spPr>
+          <a:xfrm>
+            <a:off x="2514600" y="3655874"/>
+            <a:ext cx="1471685" cy="1754326"/>
+          </a:xfrm>
+          <a:prstGeom prst="rect">
+            <a:avLst/>
+          </a:prstGeom>
+          <a:noFill/>
+        </p:spPr>
+        <p:txBody>
+          <a:bodyPr wrap="none" rtlCol="0">
+            <a:spAutoFit/>
+          </a:bodyPr>
+          <a:lstStyle/>
+          <a:p>
+            <a:r>
+              <a:rPr lang="en-US" dirty="0" smtClean="0"/>
+              <a:t>Doug Bates</a:t>
+            </a:r>
+          </a:p>
+          <a:p>
+            <a:r>
+              <a:rPr lang="en-US" dirty="0" smtClean="0"/>
+              <a:t>Jeff </a:t>
             </a:r>
             <a:r>
               <a:rPr lang="en-US" dirty="0" err="1" smtClean="0"/>
-              <a:t>athena</a:t>
-            </a:r>
-            <a:r>
-              <a:rPr lang="en-US" dirty="0" smtClean="0"/>
-              <a:t>, then julia.mit.edu on workstations or your machine (</a:t>
-            </a:r>
+              <a:t>Bezanson</a:t>
+            </a:r>
+            <a:endParaRPr lang="en-US" dirty="0" smtClean="0"/>
+          </a:p>
+          <a:p>
             <a:r>
               <a:rPr lang="en-US" dirty="0" err="1" smtClean="0"/>
-              <a:t>ssh</a:t>
-            </a:r>
-            <a:r>
-              <a:rPr lang="en-US" dirty="0" smtClean="0"/>
-              <a:t>)</a:t>
-            </a:r>
-          </a:p>
-          <a:p>
-            <a:r>
-              <a:rPr lang="en-US" dirty="0" smtClean="0"/>
-              <a:t>Download </a:t>
+              <a:t>Britni</a:t>
+            </a:r>
+            <a:r>
+              <a:rPr lang="en-US" dirty="0" smtClean="0"/>
+              <a:t> Crocker</a:t>
+            </a:r>
+          </a:p>
+          <a:p>
+            <a:r>
+              <a:rPr lang="en-US" dirty="0" smtClean="0"/>
+              <a:t>Iain Dunning</a:t>
+            </a:r>
+          </a:p>
+          <a:p>
+            <a:r>
+              <a:rPr lang="en-US" dirty="0" smtClean="0"/>
+              <a:t>Alan Edelman</a:t>
+            </a:r>
+          </a:p>
+          <a:p>
+            <a:endParaRPr lang="en-US" dirty="0"/>
+          </a:p>
+        </p:txBody>
+      </p:sp>
+      <p:sp>
+        <p:nvSpPr>
+          <p:cNvPr id="6" name="TextBox 5"/>
+          <p:cNvSpPr txBox="1"/>
+          <p:nvPr/>
+        </p:nvSpPr>
+        <p:spPr>
+          <a:xfrm>
+            <a:off x="4648200" y="3581400"/>
+            <a:ext cx="1858907" cy="2031325"/>
+          </a:xfrm>
+          <a:prstGeom prst="rect">
+            <a:avLst/>
+          </a:prstGeom>
+          <a:noFill/>
+        </p:spPr>
+        <p:txBody>
+          <a:bodyPr wrap="none" rtlCol="0">
+            <a:spAutoFit/>
+          </a:bodyPr>
+          <a:lstStyle/>
+          <a:p>
+            <a:r>
+              <a:rPr lang="en-US" dirty="0" smtClean="0"/>
+              <a:t>Keno Fischer</a:t>
+            </a:r>
+          </a:p>
+          <a:p>
+            <a:r>
+              <a:rPr lang="en-US" dirty="0" smtClean="0"/>
+              <a:t>Stefan </a:t>
             </a:r>
             <a:r>
               <a:rPr lang="en-US" dirty="0" err="1" smtClean="0"/>
-              <a:t>julia</a:t>
-            </a:r>
-            <a:r>
-              <a:rPr lang="en-US" dirty="0" smtClean="0"/>
-              <a:t> for your laptop</a:t>
-            </a:r>
-          </a:p>
-          <a:p>
+              <a:t>Karpinski</a:t>
+            </a:r>
+            <a:endParaRPr lang="en-US" dirty="0" smtClean="0"/>
+          </a:p>
+          <a:p>
+            <a:r>
+              <a:rPr lang="en-US" dirty="0" smtClean="0"/>
+              <a:t>Miles </a:t>
+            </a:r>
             <a:r>
               <a:rPr lang="en-US" dirty="0" err="1" smtClean="0"/>
-              <a:t>xming</a:t>
-            </a:r>
-            <a:r>
-              <a:rPr lang="en-US" dirty="0" smtClean="0"/>
-              <a:t> on windows for julia.mit.edu graphs</a:t>
-            </a:r>
+              <a:t>Lubin</a:t>
+            </a:r>
+            <a:endParaRPr lang="en-US" dirty="0" smtClean="0"/>
+          </a:p>
+          <a:p>
+            <a:r>
+              <a:rPr lang="en-US" dirty="0" smtClean="0"/>
+              <a:t>Jameson Nash</a:t>
+            </a:r>
+          </a:p>
+          <a:p>
+            <a:r>
+              <a:rPr lang="en-US" dirty="0" smtClean="0"/>
+              <a:t>Viral Shah</a:t>
+            </a:r>
+          </a:p>
+          <a:p>
+            <a:r>
+              <a:rPr lang="en-US" dirty="0" smtClean="0"/>
+              <a:t>John Myles White</a:t>
+            </a:r>
+          </a:p>
+          <a:p>
+            <a:endParaRPr lang="en-US" dirty="0"/>
           </a:p>
         </p:txBody>
       </p:sp>
     </p:spTree>
-    <p:extLst>
-      <p:ext uri="{BB962C8B-B14F-4D97-AF65-F5344CB8AC3E}">
-        <p14:creationId xmlns:p14="http://schemas.microsoft.com/office/powerpoint/2010/main" xmlns="" val="1580128012"/>
-      </p:ext>
-    </p:extLst>
   </p:cSld>
   <p:clrMapOvr>
     <a:masterClrMapping/>
@@ -3814,7 +3881,7 @@
           <a:p>
             <a:r>
               <a:rPr lang="en-US" dirty="0" smtClean="0"/>
-              <a:t>Complex Numbers</a:t>
+              <a:t>Vectors</a:t>
             </a:r>
             <a:endParaRPr lang="en-US" dirty="0"/>
           </a:p>
@@ -3830,21 +3897,27 @@
             <p:ph idx="1"/>
           </p:nvPr>
         </p:nvSpPr>
-        <p:spPr>
-          <a:xfrm>
-            <a:off x="457200" y="1600200"/>
-            <a:ext cx="8458200" cy="4525963"/>
-          </a:xfrm>
-        </p:spPr>
-        <p:txBody>
-          <a:bodyPr/>
-          <a:lstStyle/>
-          <a:p>
-            <a:r>
-              <a:rPr lang="en-US" dirty="0" err="1" smtClean="0"/>
-              <a:t>im</a:t>
-            </a:r>
-            <a:endParaRPr lang="en-US" dirty="0" smtClean="0"/>
+        <p:spPr/>
+        <p:txBody>
+          <a:bodyPr>
+            <a:normAutofit lnSpcReduction="10000"/>
+          </a:bodyPr>
+          <a:lstStyle/>
+          <a:p>
+            <a:r>
+              <a:rPr lang="en-US" dirty="0" smtClean="0"/>
+              <a:t>A=rand(5,5)</a:t>
+            </a:r>
+          </a:p>
+          <a:p>
+            <a:r>
+              <a:rPr lang="en-US" dirty="0"/>
+              <a:t>v</a:t>
+            </a:r>
+            <a:r>
+              <a:rPr lang="en-US" dirty="0" smtClean="0"/>
+              <a:t>=rand(5,1) ; w=rand(5)</a:t>
+            </a:r>
           </a:p>
           <a:p>
             <a:r>
@@ -3853,8 +3926,13 @@
             </a:r>
             <a:r>
               <a:rPr lang="en-US" dirty="0" smtClean="0"/>
-              <a:t>(2im)  </a:t>
-            </a:r>
+              <a:t>(v)   # Array{Float64,1</a:t>
+            </a:r>
+            <a:r>
+              <a:rPr lang="en-US" dirty="0"/>
+              <a:t>}</a:t>
+            </a:r>
+            <a:endParaRPr lang="en-US" dirty="0" smtClean="0"/>
           </a:p>
           <a:p>
             <a:r>
@@ -3863,45 +3941,89 @@
             </a:r>
             <a:r>
               <a:rPr lang="en-US" dirty="0" smtClean="0"/>
-              <a:t>(2.0im)</a:t>
-            </a:r>
-          </a:p>
-          <a:p>
-            <a:r>
-              <a:rPr lang="en-US" dirty="0" smtClean="0"/>
-              <a:t>complex(3,4)</a:t>
-            </a:r>
-          </a:p>
-          <a:p>
-            <a:r>
-              <a:rPr lang="en-US" dirty="0" smtClean="0"/>
-              <a:t>complex(3,4.0)  #multiple dispatch (more later)</a:t>
-            </a:r>
-          </a:p>
-          <a:p>
-            <a:r>
-              <a:rPr lang="en-US" dirty="0" err="1" smtClean="0"/>
-              <a:t>sqrt</a:t>
-            </a:r>
-            <a:r>
-              <a:rPr lang="en-US" dirty="0" smtClean="0"/>
-              <a:t>(-1)</a:t>
-            </a:r>
-          </a:p>
-          <a:p>
-            <a:r>
-              <a:rPr lang="en-US" dirty="0" err="1" smtClean="0"/>
-              <a:t>sqrt</a:t>
-            </a:r>
-            <a:r>
-              <a:rPr lang="en-US" dirty="0" smtClean="0"/>
-              <a:t>(complex(-1))</a:t>
-            </a:r>
+              <a:t>(1.0 : 5</a:t>
+            </a:r>
+            <a:r>
+              <a:rPr lang="en-US" dirty="0"/>
+              <a:t>)  #Range1{Float64</a:t>
+            </a:r>
+            <a:r>
+              <a:rPr lang="en-US" dirty="0" smtClean="0"/>
+              <a:t>}</a:t>
+            </a:r>
+          </a:p>
+          <a:p>
+            <a:pPr marL="457200" lvl="1" indent="0">
+              <a:buNone/>
+            </a:pPr>
+            <a:r>
+              <a:rPr lang="en-US" dirty="0" smtClean="0"/>
+              <a:t>w=1.0: 5; A*w; #error (maybe shouldn’t be?)</a:t>
+            </a:r>
+          </a:p>
+          <a:p>
+            <a:pPr marL="457200" lvl="1" indent="0">
+              <a:buNone/>
+            </a:pPr>
+            <a:r>
+              <a:rPr lang="en-US" dirty="0" smtClean="0"/>
+              <a:t>w=</a:t>
+            </a:r>
+            <a:r>
+              <a:rPr lang="en-US" dirty="0" smtClean="0">
+                <a:solidFill>
+                  <a:srgbClr val="FF0000"/>
+                </a:solidFill>
+              </a:rPr>
+              <a:t>[</a:t>
+            </a:r>
+            <a:r>
+              <a:rPr lang="en-US" dirty="0" smtClean="0"/>
+              <a:t>1.0:5</a:t>
+            </a:r>
+            <a:r>
+              <a:rPr lang="en-US" dirty="0" smtClean="0">
+                <a:solidFill>
+                  <a:srgbClr val="FF0000"/>
+                </a:solidFill>
+              </a:rPr>
+              <a:t>]</a:t>
+            </a:r>
+            <a:r>
+              <a:rPr lang="en-US" dirty="0" smtClean="0"/>
+              <a:t>; A*w; #ok</a:t>
+            </a:r>
+          </a:p>
+          <a:p>
+            <a:r>
+              <a:rPr lang="en-US" dirty="0"/>
+              <a:t>o</a:t>
+            </a:r>
+            <a:r>
+              <a:rPr lang="en-US" dirty="0" smtClean="0"/>
+              <a:t>nes(5)  #vector!</a:t>
+            </a:r>
+          </a:p>
+          <a:p>
+            <a:r>
+              <a:rPr lang="en-US" dirty="0" smtClean="0"/>
+              <a:t>eye(5)  #matrix (makes sense!)</a:t>
+            </a:r>
+          </a:p>
+          <a:p>
+            <a:endParaRPr lang="en-US" dirty="0" smtClean="0"/>
+          </a:p>
+          <a:p>
             <a:endParaRPr lang="en-US" dirty="0"/>
           </a:p>
         </p:txBody>
       </p:sp>
     </p:spTree>
+    <p:extLst>
+      <p:ext uri="{BB962C8B-B14F-4D97-AF65-F5344CB8AC3E}">
+        <p14:creationId xmlns="" xmlns:p14="http://schemas.microsoft.com/office/powerpoint/2010/main" val="2690069981"/>
+      </p:ext>
+    </p:extLst>
   </p:cSld>
   <p:clrMapOvr>
     <a:masterClrMapping/>
@@ -3943,6 +4065,3594 @@
             <p:ph type="title"/>
           </p:nvPr>
         </p:nvSpPr>
+        <p:spPr/>
+        <p:txBody>
+          <a:bodyPr/>
+          <a:lstStyle/>
+          <a:p>
+            <a:r>
+              <a:rPr lang="en-US" dirty="0" smtClean="0"/>
+              <a:t>running a file</a:t>
+            </a:r>
+            <a:endParaRPr lang="en-US" dirty="0"/>
+          </a:p>
+        </p:txBody>
+      </p:sp>
+      <p:sp>
+        <p:nvSpPr>
+          <p:cNvPr id="3" name="Content Placeholder 2"/>
+          <p:cNvSpPr>
+            <a:spLocks noGrp="1"/>
+          </p:cNvSpPr>
+          <p:nvPr>
+            <p:ph idx="1"/>
+          </p:nvPr>
+        </p:nvSpPr>
+        <p:spPr/>
+        <p:txBody>
+          <a:bodyPr/>
+          <a:lstStyle/>
+          <a:p>
+            <a:r>
+              <a:rPr lang="en-US" dirty="0" smtClean="0"/>
+              <a:t>include(“</a:t>
+            </a:r>
+            <a:r>
+              <a:rPr lang="en-US" dirty="0" err="1" smtClean="0"/>
+              <a:t>file.jl</a:t>
+            </a:r>
+            <a:r>
+              <a:rPr lang="en-US" dirty="0" smtClean="0"/>
+              <a:t>”)</a:t>
+            </a:r>
+          </a:p>
+          <a:p>
+            <a:pPr lvl="1"/>
+            <a:r>
+              <a:rPr lang="en-US" dirty="0" smtClean="0"/>
+              <a:t>note that commands without semicolons won’t print without “</a:t>
+            </a:r>
+            <a:r>
+              <a:rPr lang="en-US" dirty="0" err="1" smtClean="0"/>
+              <a:t>println</a:t>
+            </a:r>
+            <a:r>
+              <a:rPr lang="en-US" dirty="0" smtClean="0"/>
+              <a:t>” (print line)</a:t>
+            </a:r>
+          </a:p>
+        </p:txBody>
+      </p:sp>
+    </p:spTree>
+    <p:extLst>
+      <p:ext uri="{BB962C8B-B14F-4D97-AF65-F5344CB8AC3E}">
+        <p14:creationId xmlns="" xmlns:p14="http://schemas.microsoft.com/office/powerpoint/2010/main" val="3246366115"/>
+      </p:ext>
+    </p:extLst>
+  </p:cSld>
+  <p:clrMapOvr>
+    <a:masterClrMapping/>
+  </p:clrMapOvr>
+  <p:timing>
+    <p:tnLst>
+      <p:par>
+        <p:cTn id="1" dur="indefinite" restart="never" nodeType="tmRoot"/>
+      </p:par>
+    </p:tnLst>
+  </p:timing>
+</p:sld>
+</file>
+
+<file path=ppt/slides/slide12.xml><?xml version="1.0" encoding="utf-8"?>
+<p:sld xmlns:a="http://schemas.openxmlformats.org/drawingml/2006/main" xmlns:r="http://schemas.openxmlformats.org/officeDocument/2006/relationships" xmlns:p="http://schemas.openxmlformats.org/presentationml/2006/main">
+  <p:cSld>
+    <p:spTree>
+      <p:nvGrpSpPr>
+        <p:cNvPr id="1" name=""/>
+        <p:cNvGrpSpPr/>
+        <p:nvPr/>
+      </p:nvGrpSpPr>
+      <p:grpSpPr>
+        <a:xfrm>
+          <a:off x="0" y="0"/>
+          <a:ext cx="0" cy="0"/>
+          <a:chOff x="0" y="0"/>
+          <a:chExt cx="0" cy="0"/>
+        </a:xfrm>
+      </p:grpSpPr>
+      <p:sp>
+        <p:nvSpPr>
+          <p:cNvPr id="2" name="Title 1"/>
+          <p:cNvSpPr>
+            <a:spLocks noGrp="1"/>
+          </p:cNvSpPr>
+          <p:nvPr>
+            <p:ph type="title"/>
+          </p:nvPr>
+        </p:nvSpPr>
+        <p:spPr/>
+        <p:txBody>
+          <a:bodyPr/>
+          <a:lstStyle/>
+          <a:p>
+            <a:r>
+              <a:rPr lang="en-US" dirty="0" smtClean="0"/>
+              <a:t>Deployment</a:t>
+            </a:r>
+            <a:endParaRPr lang="en-US" dirty="0"/>
+          </a:p>
+        </p:txBody>
+      </p:sp>
+      <p:sp>
+        <p:nvSpPr>
+          <p:cNvPr id="3" name="Content Placeholder 2"/>
+          <p:cNvSpPr>
+            <a:spLocks noGrp="1"/>
+          </p:cNvSpPr>
+          <p:nvPr>
+            <p:ph idx="1"/>
+          </p:nvPr>
+        </p:nvSpPr>
+        <p:spPr>
+          <a:xfrm>
+            <a:off x="533400" y="3581400"/>
+            <a:ext cx="8229600" cy="4525963"/>
+          </a:xfrm>
+        </p:spPr>
+        <p:txBody>
+          <a:bodyPr/>
+          <a:lstStyle/>
+          <a:p>
+            <a:r>
+              <a:rPr lang="en-US" dirty="0" smtClean="0"/>
+              <a:t>in shell:</a:t>
+            </a:r>
+          </a:p>
+          <a:p>
+            <a:r>
+              <a:rPr lang="en-US" dirty="0" smtClean="0"/>
+              <a:t>./</a:t>
+            </a:r>
+            <a:r>
+              <a:rPr lang="en-US" dirty="0" err="1" smtClean="0"/>
+              <a:t>julia</a:t>
+            </a:r>
+            <a:r>
+              <a:rPr lang="en-US" dirty="0" smtClean="0"/>
+              <a:t> </a:t>
+            </a:r>
+            <a:r>
+              <a:rPr lang="en-US" dirty="0" err="1" smtClean="0"/>
+              <a:t>deploy.jl</a:t>
+            </a:r>
+            <a:r>
+              <a:rPr lang="en-US" dirty="0" smtClean="0"/>
+              <a:t>  5</a:t>
+            </a:r>
+          </a:p>
+          <a:p>
+            <a:endParaRPr lang="en-US" dirty="0"/>
+          </a:p>
+          <a:p>
+            <a:r>
+              <a:rPr lang="en-US" dirty="0" smtClean="0"/>
+              <a:t>(lots more in “Getting Started” doc)</a:t>
+            </a:r>
+          </a:p>
+          <a:p>
+            <a:endParaRPr lang="en-US" dirty="0"/>
+          </a:p>
+          <a:p>
+            <a:endParaRPr lang="en-US" dirty="0"/>
+          </a:p>
+        </p:txBody>
+      </p:sp>
+      <p:sp>
+        <p:nvSpPr>
+          <p:cNvPr id="4" name="Rectangle 3"/>
+          <p:cNvSpPr/>
+          <p:nvPr/>
+        </p:nvSpPr>
+        <p:spPr>
+          <a:xfrm>
+            <a:off x="685800" y="1676400"/>
+            <a:ext cx="4495800" cy="1676400"/>
+          </a:xfrm>
+          <a:prstGeom prst="rect">
+            <a:avLst/>
+          </a:prstGeom>
+          <a:noFill/>
+          <a:ln>
+            <a:solidFill>
+              <a:schemeClr val="tx1"/>
+            </a:solidFill>
+          </a:ln>
+        </p:spPr>
+        <p:style>
+          <a:lnRef idx="2">
+            <a:schemeClr val="accent1">
+              <a:shade val="50000"/>
+            </a:schemeClr>
+          </a:lnRef>
+          <a:fillRef idx="1">
+            <a:schemeClr val="accent1"/>
+          </a:fillRef>
+          <a:effectRef idx="0">
+            <a:schemeClr val="accent1"/>
+          </a:effectRef>
+          <a:fontRef idx="minor">
+            <a:schemeClr val="lt1"/>
+          </a:fontRef>
+        </p:style>
+        <p:txBody>
+          <a:bodyPr rtlCol="0" anchor="ctr"/>
+          <a:lstStyle/>
+          <a:p>
+            <a:r>
+              <a:rPr lang="en-US" sz="4000" dirty="0" smtClean="0">
+                <a:solidFill>
+                  <a:schemeClr val="tx1"/>
+                </a:solidFill>
+              </a:rPr>
+              <a:t>n=</a:t>
+            </a:r>
+            <a:r>
+              <a:rPr lang="en-US" sz="4000" dirty="0" err="1" smtClean="0">
+                <a:solidFill>
+                  <a:schemeClr val="tx1"/>
+                </a:solidFill>
+              </a:rPr>
+              <a:t>int</a:t>
+            </a:r>
+            <a:r>
+              <a:rPr lang="en-US" sz="4000" dirty="0" smtClean="0">
+                <a:solidFill>
+                  <a:schemeClr val="tx1"/>
+                </a:solidFill>
+              </a:rPr>
+              <a:t>(ARGS[1])</a:t>
+            </a:r>
+          </a:p>
+          <a:p>
+            <a:r>
+              <a:rPr lang="en-US" sz="4000" dirty="0" err="1" smtClean="0">
+                <a:solidFill>
+                  <a:schemeClr val="tx1"/>
+                </a:solidFill>
+              </a:rPr>
+              <a:t>println</a:t>
+            </a:r>
+            <a:r>
+              <a:rPr lang="en-US" sz="4000" dirty="0" smtClean="0">
+                <a:solidFill>
+                  <a:schemeClr val="tx1"/>
+                </a:solidFill>
+              </a:rPr>
+              <a:t>(</a:t>
+            </a:r>
+            <a:r>
+              <a:rPr lang="en-US" sz="4000" dirty="0" err="1" smtClean="0">
+                <a:solidFill>
+                  <a:schemeClr val="tx1"/>
+                </a:solidFill>
+              </a:rPr>
+              <a:t>randn</a:t>
+            </a:r>
+            <a:r>
+              <a:rPr lang="en-US" sz="4000" dirty="0" smtClean="0">
+                <a:solidFill>
+                  <a:schemeClr val="tx1"/>
+                </a:solidFill>
+              </a:rPr>
+              <a:t>(</a:t>
+            </a:r>
+            <a:r>
+              <a:rPr lang="en-US" sz="4000" dirty="0" err="1" smtClean="0">
+                <a:solidFill>
+                  <a:schemeClr val="tx1"/>
+                </a:solidFill>
+              </a:rPr>
+              <a:t>n,n</a:t>
+            </a:r>
+            <a:r>
+              <a:rPr lang="en-US" sz="4000" dirty="0" smtClean="0">
+                <a:solidFill>
+                  <a:schemeClr val="tx1"/>
+                </a:solidFill>
+              </a:rPr>
+              <a:t>))</a:t>
+            </a:r>
+            <a:endParaRPr lang="en-US" dirty="0">
+              <a:solidFill>
+                <a:schemeClr val="tx1"/>
+              </a:solidFill>
+            </a:endParaRPr>
+          </a:p>
+        </p:txBody>
+      </p:sp>
+      <p:sp>
+        <p:nvSpPr>
+          <p:cNvPr id="5" name="TextBox 4"/>
+          <p:cNvSpPr txBox="1"/>
+          <p:nvPr/>
+        </p:nvSpPr>
+        <p:spPr>
+          <a:xfrm>
+            <a:off x="685800" y="990600"/>
+            <a:ext cx="1756315" cy="646331"/>
+          </a:xfrm>
+          <a:prstGeom prst="rect">
+            <a:avLst/>
+          </a:prstGeom>
+          <a:noFill/>
+        </p:spPr>
+        <p:txBody>
+          <a:bodyPr wrap="none" rtlCol="0">
+            <a:spAutoFit/>
+          </a:bodyPr>
+          <a:lstStyle/>
+          <a:p>
+            <a:r>
+              <a:rPr lang="en-US" sz="3600" dirty="0" err="1" smtClean="0"/>
+              <a:t>deploy.jl</a:t>
+            </a:r>
+            <a:endParaRPr lang="en-US" sz="3600" dirty="0"/>
+          </a:p>
+        </p:txBody>
+      </p:sp>
+    </p:spTree>
+  </p:cSld>
+  <p:clrMapOvr>
+    <a:masterClrMapping/>
+  </p:clrMapOvr>
+  <p:timing>
+    <p:tnLst>
+      <p:par>
+        <p:cTn id="1" dur="indefinite" restart="never" nodeType="tmRoot"/>
+      </p:par>
+    </p:tnLst>
+  </p:timing>
+</p:sld>
+</file>
+
+<file path=ppt/slides/slide13.xml><?xml version="1.0" encoding="utf-8"?>
+<p:sld xmlns:a="http://schemas.openxmlformats.org/drawingml/2006/main" xmlns:r="http://schemas.openxmlformats.org/officeDocument/2006/relationships" xmlns:p="http://schemas.openxmlformats.org/presentationml/2006/main">
+  <p:cSld>
+    <p:spTree>
+      <p:nvGrpSpPr>
+        <p:cNvPr id="1" name=""/>
+        <p:cNvGrpSpPr/>
+        <p:nvPr/>
+      </p:nvGrpSpPr>
+      <p:grpSpPr>
+        <a:xfrm>
+          <a:off x="0" y="0"/>
+          <a:ext cx="0" cy="0"/>
+          <a:chOff x="0" y="0"/>
+          <a:chExt cx="0" cy="0"/>
+        </a:xfrm>
+      </p:grpSpPr>
+      <p:sp>
+        <p:nvSpPr>
+          <p:cNvPr id="2" name="Title 1"/>
+          <p:cNvSpPr>
+            <a:spLocks noGrp="1"/>
+          </p:cNvSpPr>
+          <p:nvPr>
+            <p:ph type="title"/>
+          </p:nvPr>
+        </p:nvSpPr>
+        <p:spPr/>
+        <p:txBody>
+          <a:bodyPr/>
+          <a:lstStyle/>
+          <a:p>
+            <a:r>
+              <a:rPr lang="en-US" dirty="0" smtClean="0"/>
+              <a:t>.. or even better</a:t>
+            </a:r>
+            <a:endParaRPr lang="en-US" dirty="0"/>
+          </a:p>
+        </p:txBody>
+      </p:sp>
+      <p:sp>
+        <p:nvSpPr>
+          <p:cNvPr id="4" name="Rectangle 3"/>
+          <p:cNvSpPr/>
+          <p:nvPr/>
+        </p:nvSpPr>
+        <p:spPr>
+          <a:xfrm>
+            <a:off x="609600" y="1981200"/>
+            <a:ext cx="4876800" cy="3962400"/>
+          </a:xfrm>
+          <a:prstGeom prst="rect">
+            <a:avLst/>
+          </a:prstGeom>
+          <a:noFill/>
+          <a:ln>
+            <a:solidFill>
+              <a:schemeClr val="tx1"/>
+            </a:solidFill>
+          </a:ln>
+        </p:spPr>
+        <p:style>
+          <a:lnRef idx="2">
+            <a:schemeClr val="accent1">
+              <a:shade val="50000"/>
+            </a:schemeClr>
+          </a:lnRef>
+          <a:fillRef idx="1">
+            <a:schemeClr val="accent1"/>
+          </a:fillRef>
+          <a:effectRef idx="0">
+            <a:schemeClr val="accent1"/>
+          </a:effectRef>
+          <a:fontRef idx="minor">
+            <a:schemeClr val="lt1"/>
+          </a:fontRef>
+        </p:style>
+        <p:txBody>
+          <a:bodyPr rtlCol="0" anchor="ctr"/>
+          <a:lstStyle/>
+          <a:p>
+            <a:r>
+              <a:rPr lang="en-US" sz="2400" dirty="0" smtClean="0">
+                <a:solidFill>
+                  <a:schemeClr val="tx1"/>
+                </a:solidFill>
+              </a:rPr>
+              <a:t>#! </a:t>
+            </a:r>
+            <a:r>
+              <a:rPr lang="en-US" sz="2400" dirty="0" err="1" smtClean="0">
+                <a:solidFill>
+                  <a:schemeClr val="tx1"/>
+                </a:solidFill>
+              </a:rPr>
+              <a:t>fullpath</a:t>
+            </a:r>
+            <a:r>
+              <a:rPr lang="en-US" sz="2400" dirty="0" smtClean="0">
+                <a:solidFill>
+                  <a:schemeClr val="tx1"/>
+                </a:solidFill>
+              </a:rPr>
+              <a:t>/</a:t>
+            </a:r>
+            <a:r>
+              <a:rPr lang="en-US" sz="2400" dirty="0" err="1" smtClean="0">
+                <a:solidFill>
+                  <a:schemeClr val="tx1"/>
+                </a:solidFill>
+              </a:rPr>
+              <a:t>julia</a:t>
+            </a:r>
+            <a:endParaRPr lang="en-US" sz="2400" dirty="0" smtClean="0">
+              <a:solidFill>
+                <a:schemeClr val="tx1"/>
+              </a:solidFill>
+            </a:endParaRPr>
+          </a:p>
+          <a:p>
+            <a:r>
+              <a:rPr lang="en-US" sz="2400" dirty="0" smtClean="0">
+                <a:solidFill>
+                  <a:schemeClr val="tx1"/>
+                </a:solidFill>
+              </a:rPr>
+              <a:t>n=</a:t>
+            </a:r>
+            <a:r>
+              <a:rPr lang="en-US" sz="2400" dirty="0" err="1" smtClean="0">
+                <a:solidFill>
+                  <a:schemeClr val="tx1"/>
+                </a:solidFill>
+              </a:rPr>
+              <a:t>int</a:t>
+            </a:r>
+            <a:r>
+              <a:rPr lang="en-US" sz="2400" dirty="0" smtClean="0">
+                <a:solidFill>
+                  <a:schemeClr val="tx1"/>
+                </a:solidFill>
+              </a:rPr>
+              <a:t>(ARGS[1])</a:t>
+            </a:r>
+          </a:p>
+          <a:p>
+            <a:r>
+              <a:rPr lang="en-US" sz="2400" dirty="0" err="1" smtClean="0">
+                <a:solidFill>
+                  <a:schemeClr val="tx1"/>
+                </a:solidFill>
+              </a:rPr>
+              <a:t>println</a:t>
+            </a:r>
+            <a:r>
+              <a:rPr lang="en-US" sz="2400" dirty="0" smtClean="0">
+                <a:solidFill>
+                  <a:schemeClr val="tx1"/>
+                </a:solidFill>
+              </a:rPr>
+              <a:t>(</a:t>
+            </a:r>
+            <a:r>
+              <a:rPr lang="en-US" sz="2400" dirty="0" err="1" smtClean="0">
+                <a:solidFill>
+                  <a:schemeClr val="tx1"/>
+                </a:solidFill>
+              </a:rPr>
+              <a:t>randn</a:t>
+            </a:r>
+            <a:r>
+              <a:rPr lang="en-US" sz="2400" dirty="0" smtClean="0">
+                <a:solidFill>
+                  <a:schemeClr val="tx1"/>
+                </a:solidFill>
+              </a:rPr>
+              <a:t>(</a:t>
+            </a:r>
+            <a:r>
+              <a:rPr lang="en-US" sz="2400" dirty="0" err="1" smtClean="0">
+                <a:solidFill>
+                  <a:schemeClr val="tx1"/>
+                </a:solidFill>
+              </a:rPr>
+              <a:t>n,n</a:t>
+            </a:r>
+            <a:r>
+              <a:rPr lang="en-US" sz="2400" dirty="0" smtClean="0">
+                <a:solidFill>
+                  <a:schemeClr val="tx1"/>
+                </a:solidFill>
+              </a:rPr>
+              <a:t>))</a:t>
+            </a:r>
+          </a:p>
+          <a:p>
+            <a:r>
+              <a:rPr lang="en-US" sz="2400" dirty="0" smtClean="0">
+                <a:solidFill>
+                  <a:schemeClr val="tx1"/>
+                </a:solidFill>
+              </a:rPr>
+              <a:t>count=0</a:t>
+            </a:r>
+          </a:p>
+          <a:p>
+            <a:r>
+              <a:rPr lang="en-US" sz="2400" dirty="0" smtClean="0">
+                <a:solidFill>
+                  <a:schemeClr val="tx1"/>
+                </a:solidFill>
+              </a:rPr>
+              <a:t>for </a:t>
+            </a:r>
+            <a:r>
+              <a:rPr lang="en-US" sz="2400" dirty="0" err="1" smtClean="0">
+                <a:solidFill>
+                  <a:schemeClr val="tx1"/>
+                </a:solidFill>
+              </a:rPr>
+              <a:t>i</a:t>
+            </a:r>
+            <a:r>
+              <a:rPr lang="en-US" sz="2400" dirty="0" smtClean="0">
+                <a:solidFill>
+                  <a:schemeClr val="tx1"/>
+                </a:solidFill>
+              </a:rPr>
+              <a:t>=1:n</a:t>
+            </a:r>
+          </a:p>
+          <a:p>
+            <a:r>
+              <a:rPr lang="en-US" sz="2400" dirty="0" smtClean="0">
+                <a:solidFill>
+                  <a:schemeClr val="tx1"/>
+                </a:solidFill>
+              </a:rPr>
+              <a:t>  a=</a:t>
+            </a:r>
+            <a:r>
+              <a:rPr lang="en-US" sz="2400" dirty="0" err="1" smtClean="0">
+                <a:solidFill>
+                  <a:schemeClr val="tx1"/>
+                </a:solidFill>
+              </a:rPr>
+              <a:t>randi</a:t>
+            </a:r>
+            <a:r>
+              <a:rPr lang="en-US" sz="2400" dirty="0" smtClean="0">
+                <a:solidFill>
+                  <a:schemeClr val="tx1"/>
+                </a:solidFill>
+              </a:rPr>
+              <a:t>(6,3)</a:t>
+            </a:r>
+          </a:p>
+          <a:p>
+            <a:r>
+              <a:rPr lang="en-US" sz="2400" dirty="0" smtClean="0">
+                <a:solidFill>
+                  <a:schemeClr val="tx1"/>
+                </a:solidFill>
+              </a:rPr>
+              <a:t>  count += (3==length(unique(a)))</a:t>
+            </a:r>
+          </a:p>
+          <a:p>
+            <a:r>
+              <a:rPr lang="en-US" sz="2400" dirty="0" smtClean="0">
+                <a:solidFill>
+                  <a:schemeClr val="tx1"/>
+                </a:solidFill>
+              </a:rPr>
+              <a:t>end</a:t>
+            </a:r>
+          </a:p>
+          <a:p>
+            <a:r>
+              <a:rPr lang="en-US" sz="2400" dirty="0" err="1" smtClean="0">
+                <a:solidFill>
+                  <a:schemeClr val="tx1"/>
+                </a:solidFill>
+              </a:rPr>
+              <a:t>println</a:t>
+            </a:r>
+            <a:r>
+              <a:rPr lang="en-US" sz="2400" dirty="0" smtClean="0">
+                <a:solidFill>
+                  <a:schemeClr val="tx1"/>
+                </a:solidFill>
+              </a:rPr>
+              <a:t>(count/n)</a:t>
+            </a:r>
+            <a:endParaRPr lang="en-US" sz="4000" dirty="0" smtClean="0">
+              <a:solidFill>
+                <a:schemeClr val="tx1"/>
+              </a:solidFill>
+            </a:endParaRPr>
+          </a:p>
+        </p:txBody>
+      </p:sp>
+      <p:sp>
+        <p:nvSpPr>
+          <p:cNvPr id="5" name="Content Placeholder 2"/>
+          <p:cNvSpPr>
+            <a:spLocks noGrp="1"/>
+          </p:cNvSpPr>
+          <p:nvPr>
+            <p:ph idx="1"/>
+          </p:nvPr>
+        </p:nvSpPr>
+        <p:spPr>
+          <a:xfrm>
+            <a:off x="5867400" y="2332037"/>
+            <a:ext cx="8229600" cy="4525963"/>
+          </a:xfrm>
+        </p:spPr>
+        <p:txBody>
+          <a:bodyPr/>
+          <a:lstStyle/>
+          <a:p>
+            <a:r>
+              <a:rPr lang="en-US" dirty="0" smtClean="0"/>
+              <a:t>in shell:</a:t>
+            </a:r>
+          </a:p>
+          <a:p>
+            <a:r>
+              <a:rPr lang="en-US" dirty="0" err="1" smtClean="0"/>
+              <a:t>chmod</a:t>
+            </a:r>
+            <a:r>
+              <a:rPr lang="en-US" dirty="0" smtClean="0"/>
+              <a:t> +x dice</a:t>
+            </a:r>
+          </a:p>
+          <a:p>
+            <a:r>
+              <a:rPr lang="en-US" dirty="0" smtClean="0"/>
+              <a:t>./dice 1000</a:t>
+            </a:r>
+            <a:endParaRPr lang="en-US" dirty="0"/>
+          </a:p>
+        </p:txBody>
+      </p:sp>
+      <p:sp>
+        <p:nvSpPr>
+          <p:cNvPr id="7" name="TextBox 6"/>
+          <p:cNvSpPr txBox="1"/>
+          <p:nvPr/>
+        </p:nvSpPr>
+        <p:spPr>
+          <a:xfrm>
+            <a:off x="685800" y="990600"/>
+            <a:ext cx="1042273" cy="707886"/>
+          </a:xfrm>
+          <a:prstGeom prst="rect">
+            <a:avLst/>
+          </a:prstGeom>
+          <a:noFill/>
+        </p:spPr>
+        <p:txBody>
+          <a:bodyPr wrap="none" rtlCol="0">
+            <a:spAutoFit/>
+          </a:bodyPr>
+          <a:lstStyle/>
+          <a:p>
+            <a:r>
+              <a:rPr lang="en-US" sz="4000" dirty="0" smtClean="0"/>
+              <a:t>dice</a:t>
+            </a:r>
+            <a:endParaRPr lang="en-US" sz="4000" dirty="0"/>
+          </a:p>
+        </p:txBody>
+      </p:sp>
+    </p:spTree>
+  </p:cSld>
+  <p:clrMapOvr>
+    <a:masterClrMapping/>
+  </p:clrMapOvr>
+  <p:timing>
+    <p:tnLst>
+      <p:par>
+        <p:cTn id="1" dur="indefinite" restart="never" nodeType="tmRoot"/>
+      </p:par>
+    </p:tnLst>
+  </p:timing>
+</p:sld>
+</file>
+
+<file path=ppt/slides/slide14.xml><?xml version="1.0" encoding="utf-8"?>
+<p:sld xmlns:a="http://schemas.openxmlformats.org/drawingml/2006/main" xmlns:r="http://schemas.openxmlformats.org/officeDocument/2006/relationships" xmlns:p="http://schemas.openxmlformats.org/presentationml/2006/main">
+  <p:cSld>
+    <p:spTree>
+      <p:nvGrpSpPr>
+        <p:cNvPr id="1" name=""/>
+        <p:cNvGrpSpPr/>
+        <p:nvPr/>
+      </p:nvGrpSpPr>
+      <p:grpSpPr>
+        <a:xfrm>
+          <a:off x="0" y="0"/>
+          <a:ext cx="0" cy="0"/>
+          <a:chOff x="0" y="0"/>
+          <a:chExt cx="0" cy="0"/>
+        </a:xfrm>
+      </p:grpSpPr>
+      <p:sp>
+        <p:nvSpPr>
+          <p:cNvPr id="2" name="Title 1"/>
+          <p:cNvSpPr>
+            <a:spLocks noGrp="1"/>
+          </p:cNvSpPr>
+          <p:nvPr>
+            <p:ph type="title"/>
+          </p:nvPr>
+        </p:nvSpPr>
+        <p:spPr/>
+        <p:txBody>
+          <a:bodyPr/>
+          <a:lstStyle/>
+          <a:p>
+            <a:r>
+              <a:rPr lang="en-US" dirty="0" smtClean="0"/>
+              <a:t>Outside Calls</a:t>
+            </a:r>
+            <a:endParaRPr lang="en-US" dirty="0"/>
+          </a:p>
+        </p:txBody>
+      </p:sp>
+      <p:sp>
+        <p:nvSpPr>
+          <p:cNvPr id="3" name="Content Placeholder 2"/>
+          <p:cNvSpPr>
+            <a:spLocks noGrp="1"/>
+          </p:cNvSpPr>
+          <p:nvPr>
+            <p:ph idx="1"/>
+          </p:nvPr>
+        </p:nvSpPr>
+        <p:spPr/>
+        <p:txBody>
+          <a:bodyPr>
+            <a:normAutofit/>
+          </a:bodyPr>
+          <a:lstStyle/>
+          <a:p>
+            <a:r>
+              <a:rPr lang="en-US" dirty="0" smtClean="0"/>
+              <a:t>Shell</a:t>
+            </a:r>
+          </a:p>
+          <a:p>
+            <a:pPr lvl="1"/>
+            <a:r>
+              <a:rPr lang="en-US" dirty="0" smtClean="0"/>
+              <a:t>run(`cal`)</a:t>
+            </a:r>
+          </a:p>
+          <a:p>
+            <a:pPr lvl="1"/>
+            <a:r>
+              <a:rPr lang="en-US" dirty="0" smtClean="0"/>
+              <a:t>run(`cal` | `</a:t>
+            </a:r>
+            <a:r>
+              <a:rPr lang="en-US" dirty="0" err="1" smtClean="0"/>
+              <a:t>grep</a:t>
+            </a:r>
+            <a:r>
+              <a:rPr lang="en-US" dirty="0" smtClean="0"/>
+              <a:t> Sa`)</a:t>
+            </a:r>
+          </a:p>
+          <a:p>
+            <a:r>
+              <a:rPr lang="en-US" dirty="0" smtClean="0"/>
+              <a:t>C-function call</a:t>
+            </a:r>
+          </a:p>
+          <a:p>
+            <a:pPr lvl="1"/>
+            <a:r>
+              <a:rPr lang="en-US" dirty="0" err="1" smtClean="0"/>
+              <a:t>ccall</a:t>
+            </a:r>
+            <a:r>
+              <a:rPr lang="en-US" dirty="0" smtClean="0"/>
+              <a:t>(:clock, Int32, ())</a:t>
+            </a:r>
+          </a:p>
+          <a:p>
+            <a:pPr lvl="1"/>
+            <a:r>
+              <a:rPr lang="en-US" dirty="0" err="1" smtClean="0"/>
+              <a:t>bytestring</a:t>
+            </a:r>
+            <a:r>
+              <a:rPr lang="en-US" dirty="0" smtClean="0"/>
+              <a:t>(</a:t>
+            </a:r>
+            <a:r>
+              <a:rPr lang="en-US" dirty="0" err="1" smtClean="0"/>
+              <a:t>ccall</a:t>
+            </a:r>
+            <a:r>
+              <a:rPr lang="en-US" dirty="0" smtClean="0"/>
+              <a:t>(:</a:t>
+            </a:r>
+            <a:r>
+              <a:rPr lang="en-US" dirty="0" err="1" smtClean="0"/>
+              <a:t>ctime</a:t>
+            </a:r>
+            <a:r>
+              <a:rPr lang="en-US" dirty="0" smtClean="0"/>
+              <a:t>, </a:t>
+            </a:r>
+            <a:r>
+              <a:rPr lang="en-US" dirty="0" err="1" smtClean="0"/>
+              <a:t>Ptr</a:t>
+            </a:r>
+            <a:r>
+              <a:rPr lang="en-US" dirty="0" smtClean="0"/>
+              <a:t>{Uint8}, ()))</a:t>
+            </a:r>
+          </a:p>
+          <a:p>
+            <a:pPr lvl="1">
+              <a:buNone/>
+            </a:pPr>
+            <a:r>
+              <a:rPr lang="en-US" dirty="0" smtClean="0"/>
+              <a:t/>
+            </a:r>
+            <a:br>
+              <a:rPr lang="en-US" dirty="0" smtClean="0"/>
+            </a:br>
+            <a:endParaRPr lang="en-US" dirty="0"/>
+          </a:p>
+        </p:txBody>
+      </p:sp>
+    </p:spTree>
+  </p:cSld>
+  <p:clrMapOvr>
+    <a:masterClrMapping/>
+  </p:clrMapOvr>
+  <p:timing>
+    <p:tnLst>
+      <p:par>
+        <p:cTn id="1" dur="indefinite" restart="never" nodeType="tmRoot"/>
+      </p:par>
+    </p:tnLst>
+  </p:timing>
+</p:sld>
+</file>
+
+<file path=ppt/slides/slide15.xml><?xml version="1.0" encoding="utf-8"?>
+<p:sld xmlns:a="http://schemas.openxmlformats.org/drawingml/2006/main" xmlns:r="http://schemas.openxmlformats.org/officeDocument/2006/relationships" xmlns:p="http://schemas.openxmlformats.org/presentationml/2006/main">
+  <p:cSld>
+    <p:spTree>
+      <p:nvGrpSpPr>
+        <p:cNvPr id="1" name=""/>
+        <p:cNvGrpSpPr/>
+        <p:nvPr/>
+      </p:nvGrpSpPr>
+      <p:grpSpPr>
+        <a:xfrm>
+          <a:off x="0" y="0"/>
+          <a:ext cx="0" cy="0"/>
+          <a:chOff x="0" y="0"/>
+          <a:chExt cx="0" cy="0"/>
+        </a:xfrm>
+      </p:grpSpPr>
+      <p:sp>
+        <p:nvSpPr>
+          <p:cNvPr id="2" name="Title 1"/>
+          <p:cNvSpPr>
+            <a:spLocks noGrp="1"/>
+          </p:cNvSpPr>
+          <p:nvPr>
+            <p:ph type="title"/>
+          </p:nvPr>
+        </p:nvSpPr>
+        <p:spPr/>
+        <p:txBody>
+          <a:bodyPr>
+            <a:normAutofit/>
+          </a:bodyPr>
+          <a:lstStyle/>
+          <a:p>
+            <a:r>
+              <a:rPr lang="en-US" dirty="0" smtClean="0"/>
+              <a:t>Punctuation Review</a:t>
+            </a:r>
+            <a:endParaRPr lang="en-US" dirty="0"/>
+          </a:p>
+        </p:txBody>
+      </p:sp>
+      <p:sp>
+        <p:nvSpPr>
+          <p:cNvPr id="3" name="Content Placeholder 2"/>
+          <p:cNvSpPr>
+            <a:spLocks noGrp="1"/>
+          </p:cNvSpPr>
+          <p:nvPr>
+            <p:ph idx="1"/>
+          </p:nvPr>
+        </p:nvSpPr>
+        <p:spPr/>
+        <p:txBody>
+          <a:bodyPr>
+            <a:normAutofit fontScale="85000" lnSpcReduction="20000"/>
+          </a:bodyPr>
+          <a:lstStyle/>
+          <a:p>
+            <a:pPr marL="0" indent="0">
+              <a:buNone/>
+            </a:pPr>
+            <a:r>
+              <a:rPr lang="en-US" dirty="0" smtClean="0"/>
+              <a:t>() Parentheses:  </a:t>
+            </a:r>
+          </a:p>
+          <a:p>
+            <a:pPr marL="0" indent="0">
+              <a:buNone/>
+            </a:pPr>
+            <a:r>
+              <a:rPr lang="en-US" dirty="0"/>
+              <a:t>	</a:t>
+            </a:r>
+            <a:r>
+              <a:rPr lang="en-US" dirty="0" smtClean="0"/>
+              <a:t>Function Calls</a:t>
+            </a:r>
+          </a:p>
+          <a:p>
+            <a:pPr marL="0" indent="0">
+              <a:buNone/>
+            </a:pPr>
+            <a:r>
+              <a:rPr lang="en-US" dirty="0"/>
+              <a:t>	</a:t>
+            </a:r>
+            <a:r>
+              <a:rPr lang="en-US" dirty="0" smtClean="0"/>
+              <a:t>	Required! </a:t>
+            </a:r>
+            <a:r>
+              <a:rPr lang="en-US" dirty="0"/>
+              <a:t>q</a:t>
+            </a:r>
+            <a:r>
+              <a:rPr lang="en-US" dirty="0" smtClean="0"/>
+              <a:t>uit(),tic(),</a:t>
+            </a:r>
+            <a:r>
+              <a:rPr lang="en-US" dirty="0" err="1" smtClean="0"/>
+              <a:t>toc</a:t>
+            </a:r>
+            <a:r>
+              <a:rPr lang="en-US" dirty="0" smtClean="0"/>
+              <a:t>(),help()</a:t>
+            </a:r>
+          </a:p>
+          <a:p>
+            <a:pPr marL="0" indent="0">
+              <a:buNone/>
+            </a:pPr>
+            <a:r>
+              <a:rPr lang="en-US" dirty="0"/>
+              <a:t>	</a:t>
+            </a:r>
+            <a:r>
+              <a:rPr lang="en-US" dirty="0" smtClean="0"/>
+              <a:t>Output Arguments</a:t>
+            </a:r>
+          </a:p>
+          <a:p>
+            <a:pPr marL="0" indent="0">
+              <a:buNone/>
+            </a:pPr>
+            <a:r>
+              <a:rPr lang="en-US" dirty="0" smtClean="0"/>
+              <a:t>[] Brackets:</a:t>
+            </a:r>
+          </a:p>
+          <a:p>
+            <a:pPr marL="0" indent="0">
+              <a:buNone/>
+            </a:pPr>
+            <a:r>
+              <a:rPr lang="en-US" dirty="0"/>
+              <a:t>	</a:t>
+            </a:r>
+            <a:r>
+              <a:rPr lang="en-US" dirty="0" smtClean="0"/>
+              <a:t>Indexing</a:t>
+            </a:r>
+          </a:p>
+          <a:p>
+            <a:pPr marL="0" indent="0">
+              <a:buNone/>
+            </a:pPr>
+            <a:r>
+              <a:rPr lang="en-US" dirty="0"/>
+              <a:t>	</a:t>
+            </a:r>
+            <a:r>
+              <a:rPr lang="en-US" dirty="0" smtClean="0"/>
+              <a:t>Array Constructors</a:t>
+            </a:r>
+          </a:p>
+          <a:p>
+            <a:pPr marL="0" indent="0">
+              <a:buNone/>
+            </a:pPr>
+            <a:r>
+              <a:rPr lang="en-US" dirty="0"/>
+              <a:t>	</a:t>
+            </a:r>
+            <a:r>
+              <a:rPr lang="en-US" dirty="0" smtClean="0"/>
+              <a:t>	Comprehensions</a:t>
+            </a:r>
+          </a:p>
+          <a:p>
+            <a:pPr marL="0" indent="0">
+              <a:buNone/>
+            </a:pPr>
+            <a:r>
+              <a:rPr lang="en-US" dirty="0" smtClean="0"/>
+              <a:t>{} Braces:</a:t>
+            </a:r>
+          </a:p>
+          <a:p>
+            <a:pPr marL="0" indent="0">
+              <a:buNone/>
+            </a:pPr>
+            <a:r>
+              <a:rPr lang="en-US" dirty="0"/>
+              <a:t>	</a:t>
+            </a:r>
+            <a:r>
+              <a:rPr lang="en-US" dirty="0" smtClean="0"/>
+              <a:t>Any Arrays</a:t>
+            </a:r>
+            <a:endParaRPr lang="en-US" dirty="0"/>
+          </a:p>
+        </p:txBody>
+      </p:sp>
+    </p:spTree>
+    <p:extLst>
+      <p:ext uri="{BB962C8B-B14F-4D97-AF65-F5344CB8AC3E}">
+        <p14:creationId xmlns="" xmlns:p14="http://schemas.microsoft.com/office/powerpoint/2010/main" val="2677821849"/>
+      </p:ext>
+    </p:extLst>
+  </p:cSld>
+  <p:clrMapOvr>
+    <a:masterClrMapping/>
+  </p:clrMapOvr>
+  <p:timing>
+    <p:tnLst>
+      <p:par>
+        <p:cTn id="1" dur="indefinite" restart="never" nodeType="tmRoot"/>
+      </p:par>
+    </p:tnLst>
+  </p:timing>
+</p:sld>
+</file>
+
+<file path=ppt/slides/slide16.xml><?xml version="1.0" encoding="utf-8"?>
+<p:sld xmlns:a="http://schemas.openxmlformats.org/drawingml/2006/main" xmlns:r="http://schemas.openxmlformats.org/officeDocument/2006/relationships" xmlns:p="http://schemas.openxmlformats.org/presentationml/2006/main">
+  <p:cSld>
+    <p:spTree>
+      <p:nvGrpSpPr>
+        <p:cNvPr id="1" name=""/>
+        <p:cNvGrpSpPr/>
+        <p:nvPr/>
+      </p:nvGrpSpPr>
+      <p:grpSpPr>
+        <a:xfrm>
+          <a:off x="0" y="0"/>
+          <a:ext cx="0" cy="0"/>
+          <a:chOff x="0" y="0"/>
+          <a:chExt cx="0" cy="0"/>
+        </a:xfrm>
+      </p:grpSpPr>
+      <p:sp>
+        <p:nvSpPr>
+          <p:cNvPr id="2" name="Title 1"/>
+          <p:cNvSpPr>
+            <a:spLocks noGrp="1"/>
+          </p:cNvSpPr>
+          <p:nvPr>
+            <p:ph type="title"/>
+          </p:nvPr>
+        </p:nvSpPr>
+        <p:spPr/>
+        <p:txBody>
+          <a:bodyPr/>
+          <a:lstStyle/>
+          <a:p>
+            <a:r>
+              <a:rPr lang="en-US" dirty="0" smtClean="0"/>
+              <a:t>Packages</a:t>
+            </a:r>
+            <a:endParaRPr lang="en-US" dirty="0"/>
+          </a:p>
+        </p:txBody>
+      </p:sp>
+      <p:sp>
+        <p:nvSpPr>
+          <p:cNvPr id="3" name="Content Placeholder 2"/>
+          <p:cNvSpPr>
+            <a:spLocks noGrp="1"/>
+          </p:cNvSpPr>
+          <p:nvPr>
+            <p:ph idx="1"/>
+          </p:nvPr>
+        </p:nvSpPr>
+        <p:spPr/>
+        <p:txBody>
+          <a:bodyPr>
+            <a:normAutofit fontScale="92500" lnSpcReduction="10000"/>
+          </a:bodyPr>
+          <a:lstStyle/>
+          <a:p>
+            <a:r>
+              <a:rPr lang="en-US" dirty="0" smtClean="0"/>
+              <a:t>check out all the available packages off of docs.julialang.org</a:t>
+            </a:r>
+          </a:p>
+          <a:p>
+            <a:r>
+              <a:rPr lang="en-US" dirty="0" smtClean="0"/>
+              <a:t>Click, for example, on Calendar and get to the </a:t>
+            </a:r>
+            <a:r>
+              <a:rPr lang="en-US" dirty="0" err="1" smtClean="0"/>
+              <a:t>github</a:t>
+            </a:r>
+            <a:r>
+              <a:rPr lang="en-US" dirty="0" smtClean="0"/>
+              <a:t> project page</a:t>
+            </a:r>
+          </a:p>
+          <a:p>
+            <a:endParaRPr lang="en-US" dirty="0" smtClean="0"/>
+          </a:p>
+          <a:p>
+            <a:pPr marL="0" indent="0">
+              <a:buNone/>
+            </a:pPr>
+            <a:r>
+              <a:rPr lang="en-US" dirty="0" err="1" smtClean="0"/>
+              <a:t>Pkg.add</a:t>
+            </a:r>
+            <a:r>
+              <a:rPr lang="en-US" dirty="0" smtClean="0"/>
+              <a:t>(“Calendar”)   #Only first time</a:t>
+            </a:r>
+          </a:p>
+          <a:p>
+            <a:pPr marL="0" indent="0">
+              <a:buNone/>
+            </a:pPr>
+            <a:r>
+              <a:rPr lang="en-US" dirty="0" smtClean="0"/>
+              <a:t>using Calendar  #Calendar exists now </a:t>
+            </a:r>
+          </a:p>
+          <a:p>
+            <a:pPr marL="0" indent="0">
+              <a:buNone/>
+            </a:pPr>
+            <a:r>
+              <a:rPr lang="en-US" dirty="0" err="1" smtClean="0"/>
+              <a:t>Calendar.now</a:t>
+            </a:r>
+            <a:r>
+              <a:rPr lang="en-US" dirty="0" smtClean="0"/>
+              <a:t>()  </a:t>
+            </a:r>
+          </a:p>
+          <a:p>
+            <a:pPr marL="0" indent="0">
+              <a:buNone/>
+            </a:pPr>
+            <a:r>
+              <a:rPr lang="en-US" dirty="0" smtClean="0"/>
+              <a:t>now()   </a:t>
+            </a:r>
+            <a:endParaRPr lang="en-US" dirty="0"/>
+          </a:p>
+        </p:txBody>
+      </p:sp>
+    </p:spTree>
+    <p:extLst>
+      <p:ext uri="{BB962C8B-B14F-4D97-AF65-F5344CB8AC3E}">
+        <p14:creationId xmlns="" xmlns:p14="http://schemas.microsoft.com/office/powerpoint/2010/main" val="1659040882"/>
+      </p:ext>
+    </p:extLst>
+  </p:cSld>
+  <p:clrMapOvr>
+    <a:masterClrMapping/>
+  </p:clrMapOvr>
+  <p:timing>
+    <p:tnLst>
+      <p:par>
+        <p:cTn id="1" dur="indefinite" restart="never" nodeType="tmRoot"/>
+      </p:par>
+    </p:tnLst>
+  </p:timing>
+</p:sld>
+</file>
+
+<file path=ppt/slides/slide17.xml><?xml version="1.0" encoding="utf-8"?>
+<p:sld xmlns:a="http://schemas.openxmlformats.org/drawingml/2006/main" xmlns:r="http://schemas.openxmlformats.org/officeDocument/2006/relationships" xmlns:p="http://schemas.openxmlformats.org/presentationml/2006/main">
+  <p:cSld>
+    <p:spTree>
+      <p:nvGrpSpPr>
+        <p:cNvPr id="1" name=""/>
+        <p:cNvGrpSpPr/>
+        <p:nvPr/>
+      </p:nvGrpSpPr>
+      <p:grpSpPr>
+        <a:xfrm>
+          <a:off x="0" y="0"/>
+          <a:ext cx="0" cy="0"/>
+          <a:chOff x="0" y="0"/>
+          <a:chExt cx="0" cy="0"/>
+        </a:xfrm>
+      </p:grpSpPr>
+      <p:sp>
+        <p:nvSpPr>
+          <p:cNvPr id="2" name="Title 1"/>
+          <p:cNvSpPr>
+            <a:spLocks noGrp="1"/>
+          </p:cNvSpPr>
+          <p:nvPr>
+            <p:ph type="title"/>
+          </p:nvPr>
+        </p:nvSpPr>
+        <p:spPr/>
+        <p:txBody>
+          <a:bodyPr/>
+          <a:lstStyle/>
+          <a:p>
+            <a:r>
+              <a:rPr lang="en-US" dirty="0" smtClean="0"/>
+              <a:t>Packages (</a:t>
+            </a:r>
+            <a:r>
+              <a:rPr lang="en-US" dirty="0" err="1" smtClean="0"/>
+              <a:t>cont</a:t>
+            </a:r>
+            <a:r>
+              <a:rPr lang="en-US" dirty="0" smtClean="0"/>
+              <a:t>)</a:t>
+            </a:r>
+            <a:endParaRPr lang="en-US" dirty="0"/>
+          </a:p>
+        </p:txBody>
+      </p:sp>
+      <p:sp>
+        <p:nvSpPr>
+          <p:cNvPr id="3" name="Content Placeholder 2"/>
+          <p:cNvSpPr>
+            <a:spLocks noGrp="1"/>
+          </p:cNvSpPr>
+          <p:nvPr>
+            <p:ph idx="1"/>
+          </p:nvPr>
+        </p:nvSpPr>
+        <p:spPr/>
+        <p:txBody>
+          <a:bodyPr>
+            <a:normAutofit fontScale="85000" lnSpcReduction="20000"/>
+          </a:bodyPr>
+          <a:lstStyle/>
+          <a:p>
+            <a:r>
+              <a:rPr lang="en-US" dirty="0" smtClean="0"/>
+              <a:t>now()</a:t>
+            </a:r>
+          </a:p>
+          <a:p>
+            <a:r>
+              <a:rPr lang="en-US" dirty="0" smtClean="0"/>
+              <a:t>Calendar.&lt;tab&gt;</a:t>
+            </a:r>
+          </a:p>
+          <a:p>
+            <a:r>
+              <a:rPr lang="en-US" dirty="0" smtClean="0"/>
+              <a:t>quit() # get out of </a:t>
+            </a:r>
+            <a:r>
+              <a:rPr lang="en-US" dirty="0" err="1" smtClean="0"/>
+              <a:t>julia</a:t>
+            </a:r>
+            <a:r>
+              <a:rPr lang="en-US" dirty="0" smtClean="0"/>
+              <a:t> and back in</a:t>
+            </a:r>
+          </a:p>
+          <a:p>
+            <a:r>
+              <a:rPr lang="en-US" dirty="0" smtClean="0"/>
+              <a:t>now    # find line number in source</a:t>
+            </a:r>
+          </a:p>
+          <a:p>
+            <a:r>
+              <a:rPr lang="en-US" dirty="0" smtClean="0"/>
+              <a:t>#click on “</a:t>
+            </a:r>
+            <a:r>
+              <a:rPr lang="en-US" dirty="0" err="1" smtClean="0"/>
+              <a:t>src</a:t>
+            </a:r>
+            <a:r>
+              <a:rPr lang="en-US" dirty="0" smtClean="0"/>
+              <a:t>”</a:t>
+            </a:r>
+          </a:p>
+          <a:p>
+            <a:r>
+              <a:rPr lang="en-US" dirty="0" err="1" smtClean="0"/>
+              <a:t>typeof</a:t>
+            </a:r>
+            <a:r>
+              <a:rPr lang="en-US" dirty="0" smtClean="0"/>
+              <a:t>(now())</a:t>
+            </a:r>
+          </a:p>
+          <a:p>
+            <a:r>
+              <a:rPr lang="en-US" dirty="0" smtClean="0"/>
+              <a:t>n=now()</a:t>
+            </a:r>
+          </a:p>
+          <a:p>
+            <a:r>
+              <a:rPr lang="en-US" dirty="0" smtClean="0"/>
+              <a:t>n.tz</a:t>
+            </a:r>
+          </a:p>
+          <a:p>
+            <a:r>
+              <a:rPr lang="en-US" dirty="0" err="1" smtClean="0"/>
+              <a:t>n.millis</a:t>
+            </a:r>
+            <a:endParaRPr lang="en-US" dirty="0" smtClean="0"/>
+          </a:p>
+          <a:p>
+            <a:r>
+              <a:rPr lang="en-US" dirty="0"/>
+              <a:t>z=convert(Array, @parallel [ </a:t>
+            </a:r>
+            <a:r>
+              <a:rPr lang="en-US" dirty="0" err="1"/>
+              <a:t>Calendar.now</a:t>
+            </a:r>
+            <a:r>
+              <a:rPr lang="en-US" dirty="0"/>
+              <a:t>().</a:t>
+            </a:r>
+            <a:r>
+              <a:rPr lang="en-US" dirty="0" err="1"/>
+              <a:t>millis</a:t>
+            </a:r>
+            <a:r>
+              <a:rPr lang="en-US" dirty="0"/>
+              <a:t>  for x=1:10]);z-mean(z)</a:t>
+            </a:r>
+          </a:p>
+          <a:p>
+            <a:endParaRPr lang="en-US" dirty="0" smtClean="0"/>
+          </a:p>
+        </p:txBody>
+      </p:sp>
+    </p:spTree>
+    <p:extLst>
+      <p:ext uri="{BB962C8B-B14F-4D97-AF65-F5344CB8AC3E}">
+        <p14:creationId xmlns="" xmlns:p14="http://schemas.microsoft.com/office/powerpoint/2010/main" val="4267242084"/>
+      </p:ext>
+    </p:extLst>
+  </p:cSld>
+  <p:clrMapOvr>
+    <a:masterClrMapping/>
+  </p:clrMapOvr>
+  <p:timing>
+    <p:tnLst>
+      <p:par>
+        <p:cTn id="1" dur="indefinite" restart="never" nodeType="tmRoot"/>
+      </p:par>
+    </p:tnLst>
+  </p:timing>
+</p:sld>
+</file>
+
+<file path=ppt/slides/slide18.xml><?xml version="1.0" encoding="utf-8"?>
+<p:sld xmlns:a="http://schemas.openxmlformats.org/drawingml/2006/main" xmlns:r="http://schemas.openxmlformats.org/officeDocument/2006/relationships" xmlns:p="http://schemas.openxmlformats.org/presentationml/2006/main">
+  <p:cSld>
+    <p:spTree>
+      <p:nvGrpSpPr>
+        <p:cNvPr id="1" name=""/>
+        <p:cNvGrpSpPr/>
+        <p:nvPr/>
+      </p:nvGrpSpPr>
+      <p:grpSpPr>
+        <a:xfrm>
+          <a:off x="0" y="0"/>
+          <a:ext cx="0" cy="0"/>
+          <a:chOff x="0" y="0"/>
+          <a:chExt cx="0" cy="0"/>
+        </a:xfrm>
+      </p:grpSpPr>
+      <p:sp>
+        <p:nvSpPr>
+          <p:cNvPr id="2" name="Title 1"/>
+          <p:cNvSpPr>
+            <a:spLocks noGrp="1"/>
+          </p:cNvSpPr>
+          <p:nvPr>
+            <p:ph type="title"/>
+          </p:nvPr>
+        </p:nvSpPr>
+        <p:spPr/>
+        <p:txBody>
+          <a:bodyPr/>
+          <a:lstStyle/>
+          <a:p>
+            <a:r>
+              <a:rPr lang="en-US" dirty="0" smtClean="0"/>
+              <a:t>Interesting Type</a:t>
+            </a:r>
+            <a:endParaRPr lang="en-US" dirty="0"/>
+          </a:p>
+        </p:txBody>
+      </p:sp>
+      <p:sp>
+        <p:nvSpPr>
+          <p:cNvPr id="3" name="Content Placeholder 2"/>
+          <p:cNvSpPr>
+            <a:spLocks noGrp="1"/>
+          </p:cNvSpPr>
+          <p:nvPr>
+            <p:ph idx="1"/>
+          </p:nvPr>
+        </p:nvSpPr>
+        <p:spPr/>
+        <p:txBody>
+          <a:bodyPr>
+            <a:normAutofit fontScale="77500" lnSpcReduction="20000"/>
+          </a:bodyPr>
+          <a:lstStyle/>
+          <a:p>
+            <a:pPr marL="0" indent="0">
+              <a:buNone/>
+            </a:pPr>
+            <a:r>
+              <a:rPr lang="en-US" dirty="0" err="1" smtClean="0"/>
+              <a:t>strang</a:t>
+            </a:r>
+            <a:r>
+              <a:rPr lang="en-US" dirty="0" smtClean="0"/>
+              <a:t>(n)=</a:t>
+            </a:r>
+            <a:r>
+              <a:rPr lang="en-US" dirty="0" err="1" smtClean="0"/>
+              <a:t>SymTridiagonal</a:t>
+            </a:r>
+            <a:r>
+              <a:rPr lang="en-US" dirty="0" smtClean="0"/>
+              <a:t>(2*ones(n),-ones(n-1))</a:t>
+            </a:r>
+          </a:p>
+          <a:p>
+            <a:pPr marL="0" indent="0">
+              <a:buNone/>
+            </a:pPr>
+            <a:r>
+              <a:rPr lang="en-US" dirty="0" smtClean="0"/>
+              <a:t>lit=</a:t>
+            </a:r>
+            <a:r>
+              <a:rPr lang="en-US" dirty="0" err="1" smtClean="0"/>
+              <a:t>strang</a:t>
+            </a:r>
+            <a:r>
+              <a:rPr lang="en-US" dirty="0" smtClean="0"/>
+              <a:t>(500)</a:t>
+            </a:r>
+          </a:p>
+          <a:p>
+            <a:pPr marL="0" indent="0">
+              <a:buNone/>
+            </a:pPr>
+            <a:r>
+              <a:rPr lang="en-US" dirty="0" smtClean="0"/>
+              <a:t>big=full(</a:t>
+            </a:r>
+            <a:r>
+              <a:rPr lang="en-US" dirty="0" err="1" smtClean="0"/>
+              <a:t>strang</a:t>
+            </a:r>
+            <a:r>
+              <a:rPr lang="en-US" dirty="0" smtClean="0"/>
+              <a:t>(500))</a:t>
+            </a:r>
+          </a:p>
+          <a:p>
+            <a:pPr marL="0" indent="0">
+              <a:buNone/>
+            </a:pPr>
+            <a:r>
+              <a:rPr lang="en-US" dirty="0" smtClean="0"/>
+              <a:t>@time </a:t>
+            </a:r>
+            <a:r>
+              <a:rPr lang="en-US" dirty="0" err="1" smtClean="0"/>
+              <a:t>eigvals</a:t>
+            </a:r>
+            <a:r>
+              <a:rPr lang="en-US" dirty="0" smtClean="0"/>
+              <a:t>(lit)</a:t>
+            </a:r>
+          </a:p>
+          <a:p>
+            <a:pPr marL="0" indent="0">
+              <a:buNone/>
+            </a:pPr>
+            <a:r>
+              <a:rPr lang="en-US" dirty="0" smtClean="0"/>
+              <a:t>@time </a:t>
+            </a:r>
+            <a:r>
+              <a:rPr lang="en-US" dirty="0" err="1" smtClean="0"/>
+              <a:t>eigvals</a:t>
+            </a:r>
+            <a:r>
+              <a:rPr lang="en-US" dirty="0" smtClean="0"/>
+              <a:t>(big)</a:t>
+            </a:r>
+          </a:p>
+          <a:p>
+            <a:pPr marL="0" indent="0">
+              <a:buNone/>
+            </a:pPr>
+            <a:r>
+              <a:rPr lang="en-US" dirty="0" err="1" smtClean="0"/>
+              <a:t>big+big</a:t>
+            </a:r>
+            <a:r>
+              <a:rPr lang="en-US" dirty="0" smtClean="0"/>
+              <a:t>;</a:t>
+            </a:r>
+          </a:p>
+          <a:p>
+            <a:pPr marL="0" indent="0">
+              <a:buNone/>
+            </a:pPr>
+            <a:r>
+              <a:rPr lang="en-US" dirty="0" err="1" smtClean="0"/>
+              <a:t>lit+lit</a:t>
+            </a:r>
+            <a:r>
+              <a:rPr lang="en-US" dirty="0" smtClean="0"/>
+              <a:t>;  #watch it break</a:t>
+            </a:r>
+          </a:p>
+          <a:p>
+            <a:pPr marL="0" indent="0">
+              <a:buNone/>
+            </a:pPr>
+            <a:r>
+              <a:rPr lang="en-US" dirty="0"/>
+              <a:t>import Base.+</a:t>
+            </a:r>
+          </a:p>
+          <a:p>
+            <a:pPr marL="0" indent="0">
+              <a:buNone/>
+            </a:pPr>
+            <a:r>
+              <a:rPr lang="en-US" dirty="0" err="1"/>
+              <a:t>xdump</a:t>
+            </a:r>
+            <a:r>
+              <a:rPr lang="en-US" dirty="0"/>
+              <a:t>(lit)</a:t>
+            </a:r>
+          </a:p>
+          <a:p>
+            <a:pPr marL="0" indent="0">
+              <a:buNone/>
+            </a:pPr>
+            <a:r>
+              <a:rPr lang="en-US" dirty="0"/>
+              <a:t>+(a::</a:t>
+            </a:r>
+            <a:r>
+              <a:rPr lang="en-US" dirty="0" err="1"/>
+              <a:t>SymTridiagonal,b</a:t>
+            </a:r>
+            <a:r>
+              <a:rPr lang="en-US" dirty="0"/>
+              <a:t>::</a:t>
+            </a:r>
+            <a:r>
+              <a:rPr lang="en-US" dirty="0" err="1"/>
+              <a:t>SymTridiagonal</a:t>
+            </a:r>
+            <a:r>
+              <a:rPr lang="en-US" dirty="0"/>
+              <a:t>)=</a:t>
+            </a:r>
+            <a:r>
+              <a:rPr lang="en-US" dirty="0" err="1"/>
+              <a:t>SymTridiagonal</a:t>
+            </a:r>
+            <a:r>
+              <a:rPr lang="en-US" dirty="0"/>
+              <a:t>(</a:t>
+            </a:r>
+            <a:r>
+              <a:rPr lang="en-US" dirty="0" err="1"/>
+              <a:t>a.dv+b.dv,a.ev+b.ev</a:t>
+            </a:r>
+            <a:r>
+              <a:rPr lang="en-US" dirty="0"/>
+              <a:t>)</a:t>
+            </a:r>
+          </a:p>
+          <a:p>
+            <a:pPr marL="0" indent="0">
+              <a:buNone/>
+            </a:pPr>
+            <a:r>
+              <a:rPr lang="en-US" dirty="0" err="1"/>
+              <a:t>lit+lit</a:t>
+            </a:r>
+            <a:endParaRPr lang="en-US" dirty="0"/>
+          </a:p>
+          <a:p>
+            <a:pPr marL="0" indent="0">
+              <a:buNone/>
+            </a:pPr>
+            <a:endParaRPr lang="en-US" dirty="0" smtClean="0"/>
+          </a:p>
+          <a:p>
+            <a:pPr marL="0" indent="0">
+              <a:buNone/>
+            </a:pPr>
+            <a:endParaRPr lang="en-US" dirty="0" smtClean="0"/>
+          </a:p>
+          <a:p>
+            <a:endParaRPr lang="en-US" dirty="0"/>
+          </a:p>
+        </p:txBody>
+      </p:sp>
+    </p:spTree>
+    <p:extLst>
+      <p:ext uri="{BB962C8B-B14F-4D97-AF65-F5344CB8AC3E}">
+        <p14:creationId xmlns="" xmlns:p14="http://schemas.microsoft.com/office/powerpoint/2010/main" val="822410986"/>
+      </p:ext>
+    </p:extLst>
+  </p:cSld>
+  <p:clrMapOvr>
+    <a:masterClrMapping/>
+  </p:clrMapOvr>
+  <p:timing>
+    <p:tnLst>
+      <p:par>
+        <p:cTn id="1" dur="indefinite" restart="never" nodeType="tmRoot"/>
+      </p:par>
+    </p:tnLst>
+  </p:timing>
+</p:sld>
+</file>
+
+<file path=ppt/slides/slide19.xml><?xml version="1.0" encoding="utf-8"?>
+<p:sld xmlns:a="http://schemas.openxmlformats.org/drawingml/2006/main" xmlns:r="http://schemas.openxmlformats.org/officeDocument/2006/relationships" xmlns:p="http://schemas.openxmlformats.org/presentationml/2006/main">
+  <p:cSld>
+    <p:spTree>
+      <p:nvGrpSpPr>
+        <p:cNvPr id="1" name=""/>
+        <p:cNvGrpSpPr/>
+        <p:nvPr/>
+      </p:nvGrpSpPr>
+      <p:grpSpPr>
+        <a:xfrm>
+          <a:off x="0" y="0"/>
+          <a:ext cx="0" cy="0"/>
+          <a:chOff x="0" y="0"/>
+          <a:chExt cx="0" cy="0"/>
+        </a:xfrm>
+      </p:grpSpPr>
+      <p:sp>
+        <p:nvSpPr>
+          <p:cNvPr id="2" name="Title 1"/>
+          <p:cNvSpPr>
+            <a:spLocks noGrp="1"/>
+          </p:cNvSpPr>
+          <p:nvPr>
+            <p:ph type="title"/>
+          </p:nvPr>
+        </p:nvSpPr>
+        <p:spPr/>
+        <p:txBody>
+          <a:bodyPr>
+            <a:normAutofit fontScale="90000"/>
+          </a:bodyPr>
+          <a:lstStyle/>
+          <a:p>
+            <a:r>
+              <a:rPr lang="en-US" dirty="0" smtClean="0"/>
+              <a:t>Tasks (“produce”)</a:t>
+            </a:r>
+            <a:br>
+              <a:rPr lang="en-US" dirty="0" smtClean="0"/>
+            </a:br>
+            <a:r>
+              <a:rPr lang="en-US" dirty="0" smtClean="0"/>
+              <a:t>“pause” and “play” later</a:t>
+            </a:r>
+            <a:br>
+              <a:rPr lang="en-US" dirty="0" smtClean="0"/>
+            </a:br>
+            <a:endParaRPr lang="en-US" dirty="0"/>
+          </a:p>
+        </p:txBody>
+      </p:sp>
+      <p:sp>
+        <p:nvSpPr>
+          <p:cNvPr id="3" name="Content Placeholder 2"/>
+          <p:cNvSpPr>
+            <a:spLocks noGrp="1"/>
+          </p:cNvSpPr>
+          <p:nvPr>
+            <p:ph idx="1"/>
+          </p:nvPr>
+        </p:nvSpPr>
+        <p:spPr>
+          <a:xfrm>
+            <a:off x="381000" y="1905000"/>
+            <a:ext cx="8229600" cy="4525963"/>
+          </a:xfrm>
+        </p:spPr>
+        <p:txBody>
+          <a:bodyPr>
+            <a:normAutofit fontScale="77500" lnSpcReduction="20000"/>
+          </a:bodyPr>
+          <a:lstStyle/>
+          <a:p>
+            <a:pPr marL="0" indent="0">
+              <a:buNone/>
+            </a:pPr>
+            <a:r>
+              <a:rPr lang="en-US" dirty="0" smtClean="0"/>
+              <a:t>function </a:t>
+            </a:r>
+            <a:r>
+              <a:rPr lang="en-US" dirty="0" err="1" smtClean="0"/>
+              <a:t>stepbystep</a:t>
+            </a:r>
+            <a:r>
+              <a:rPr lang="en-US" dirty="0" smtClean="0"/>
+              <a:t>()</a:t>
+            </a:r>
+          </a:p>
+          <a:p>
+            <a:pPr marL="0" indent="0">
+              <a:buNone/>
+            </a:pPr>
+            <a:r>
+              <a:rPr lang="en-US" dirty="0" smtClean="0"/>
+              <a:t>for n=1:3</a:t>
+            </a:r>
+          </a:p>
+          <a:p>
+            <a:pPr marL="0" indent="0">
+              <a:buNone/>
+            </a:pPr>
+            <a:r>
+              <a:rPr lang="en-US" dirty="0"/>
+              <a:t> </a:t>
+            </a:r>
+            <a:r>
+              <a:rPr lang="en-US" dirty="0" smtClean="0"/>
+              <a:t>      produce(n^2)</a:t>
+            </a:r>
+          </a:p>
+          <a:p>
+            <a:pPr marL="0" indent="0">
+              <a:buNone/>
+            </a:pPr>
+            <a:r>
+              <a:rPr lang="en-US" dirty="0"/>
+              <a:t> </a:t>
+            </a:r>
+            <a:r>
+              <a:rPr lang="en-US" dirty="0" smtClean="0"/>
+              <a:t> end</a:t>
+            </a:r>
+          </a:p>
+          <a:p>
+            <a:pPr marL="0" indent="0">
+              <a:buNone/>
+            </a:pPr>
+            <a:r>
+              <a:rPr lang="en-US" dirty="0" smtClean="0"/>
+              <a:t>end</a:t>
+            </a:r>
+          </a:p>
+          <a:p>
+            <a:pPr marL="0" indent="0">
+              <a:buNone/>
+            </a:pPr>
+            <a:endParaRPr lang="en-US" dirty="0"/>
+          </a:p>
+          <a:p>
+            <a:pPr marL="0" indent="0">
+              <a:buNone/>
+            </a:pPr>
+            <a:r>
+              <a:rPr lang="en-US" dirty="0" smtClean="0"/>
+              <a:t>p=Task(</a:t>
+            </a:r>
+            <a:r>
+              <a:rPr lang="en-US" dirty="0" err="1" smtClean="0"/>
+              <a:t>stepbystep</a:t>
+            </a:r>
+            <a:r>
+              <a:rPr lang="en-US" dirty="0" smtClean="0"/>
+              <a:t>); </a:t>
+            </a:r>
+          </a:p>
+          <a:p>
+            <a:pPr marL="0" indent="0">
+              <a:buNone/>
+            </a:pPr>
+            <a:r>
+              <a:rPr lang="en-US" dirty="0" smtClean="0"/>
+              <a:t>consume(p)</a:t>
+            </a:r>
+          </a:p>
+          <a:p>
+            <a:pPr marL="0" indent="0">
+              <a:buNone/>
+            </a:pPr>
+            <a:r>
+              <a:rPr lang="en-US" dirty="0" smtClean="0"/>
+              <a:t>consume(p)</a:t>
+            </a:r>
+          </a:p>
+          <a:p>
+            <a:pPr marL="0" indent="0">
+              <a:buNone/>
+            </a:pPr>
+            <a:r>
+              <a:rPr lang="en-US" dirty="0" smtClean="0"/>
+              <a:t>consume(p)</a:t>
+            </a:r>
+          </a:p>
+          <a:p>
+            <a:pPr marL="0" indent="0">
+              <a:buNone/>
+            </a:pPr>
+            <a:r>
+              <a:rPr lang="en-US" dirty="0" smtClean="0"/>
+              <a:t>consume(p)  #What should happen now?</a:t>
+            </a:r>
+            <a:endParaRPr lang="en-US" dirty="0"/>
+          </a:p>
+        </p:txBody>
+      </p:sp>
+    </p:spTree>
+    <p:extLst>
+      <p:ext uri="{BB962C8B-B14F-4D97-AF65-F5344CB8AC3E}">
+        <p14:creationId xmlns="" xmlns:p14="http://schemas.microsoft.com/office/powerpoint/2010/main" val="967860752"/>
+      </p:ext>
+    </p:extLst>
+  </p:cSld>
+  <p:clrMapOvr>
+    <a:masterClrMapping/>
+  </p:clrMapOvr>
+  <p:timing>
+    <p:tnLst>
+      <p:par>
+        <p:cTn id="1" dur="indefinite" restart="never" nodeType="tmRoot"/>
+      </p:par>
+    </p:tnLst>
+  </p:timing>
+</p:sld>
+</file>
+
+<file path=ppt/slides/slide2.xml><?xml version="1.0" encoding="utf-8"?>
+<p:sld xmlns:a="http://schemas.openxmlformats.org/drawingml/2006/main" xmlns:r="http://schemas.openxmlformats.org/officeDocument/2006/relationships" xmlns:p="http://schemas.openxmlformats.org/presentationml/2006/main">
+  <p:cSld>
+    <p:spTree>
+      <p:nvGrpSpPr>
+        <p:cNvPr id="1" name=""/>
+        <p:cNvGrpSpPr/>
+        <p:nvPr/>
+      </p:nvGrpSpPr>
+      <p:grpSpPr>
+        <a:xfrm>
+          <a:off x="0" y="0"/>
+          <a:ext cx="0" cy="0"/>
+          <a:chOff x="0" y="0"/>
+          <a:chExt cx="0" cy="0"/>
+        </a:xfrm>
+      </p:grpSpPr>
+      <p:sp>
+        <p:nvSpPr>
+          <p:cNvPr id="2" name="Title 1"/>
+          <p:cNvSpPr>
+            <a:spLocks noGrp="1"/>
+          </p:cNvSpPr>
+          <p:nvPr>
+            <p:ph type="title"/>
+          </p:nvPr>
+        </p:nvSpPr>
+        <p:spPr/>
+        <p:txBody>
+          <a:bodyPr/>
+          <a:lstStyle/>
+          <a:p>
+            <a:r>
+              <a:rPr lang="en-US" dirty="0" smtClean="0"/>
+              <a:t>Quitting</a:t>
+            </a:r>
+            <a:endParaRPr lang="en-US" dirty="0"/>
+          </a:p>
+        </p:txBody>
+      </p:sp>
+      <p:sp>
+        <p:nvSpPr>
+          <p:cNvPr id="3" name="Content Placeholder 2"/>
+          <p:cNvSpPr>
+            <a:spLocks noGrp="1"/>
+          </p:cNvSpPr>
+          <p:nvPr>
+            <p:ph idx="1"/>
+          </p:nvPr>
+        </p:nvSpPr>
+        <p:spPr/>
+        <p:txBody>
+          <a:bodyPr>
+            <a:normAutofit/>
+          </a:bodyPr>
+          <a:lstStyle/>
+          <a:p>
+            <a:r>
+              <a:rPr lang="en-US" dirty="0" smtClean="0"/>
+              <a:t>Two ways to quit the interactive session </a:t>
+            </a:r>
+          </a:p>
+          <a:p>
+            <a:pPr lvl="1"/>
+            <a:r>
+              <a:rPr lang="en-US" dirty="0" smtClean="0"/>
+              <a:t>(known as a </a:t>
+            </a:r>
+            <a:r>
+              <a:rPr lang="en-US" dirty="0" err="1" smtClean="0"/>
+              <a:t>REPL</a:t>
+            </a:r>
+            <a:r>
+              <a:rPr lang="en-US" dirty="0" smtClean="0"/>
+              <a:t>: Read-</a:t>
+            </a:r>
+            <a:r>
+              <a:rPr lang="en-US" dirty="0" err="1" smtClean="0"/>
+              <a:t>Eval</a:t>
+            </a:r>
+            <a:r>
+              <a:rPr lang="en-US" dirty="0" smtClean="0"/>
+              <a:t>-Print-Loop)</a:t>
+            </a:r>
+          </a:p>
+          <a:p>
+            <a:r>
+              <a:rPr lang="en-US" dirty="0" smtClean="0"/>
+              <a:t>&lt;</a:t>
+            </a:r>
+            <a:r>
+              <a:rPr lang="en-US" dirty="0" err="1" smtClean="0"/>
+              <a:t>cntl</a:t>
+            </a:r>
+            <a:r>
+              <a:rPr lang="en-US" dirty="0" smtClean="0"/>
+              <a:t>&gt; D</a:t>
+            </a:r>
+          </a:p>
+          <a:p>
+            <a:r>
+              <a:rPr lang="en-US" dirty="0" smtClean="0"/>
+              <a:t>quit()    </a:t>
+            </a:r>
+            <a:r>
+              <a:rPr lang="en-US" dirty="0" smtClean="0">
+                <a:sym typeface="Wingdings" pitchFamily="2" charset="2"/>
+              </a:rPr>
+              <a:t> Need </a:t>
+            </a:r>
+            <a:r>
+              <a:rPr lang="en-US" dirty="0" err="1" smtClean="0">
+                <a:sym typeface="Wingdings" pitchFamily="2" charset="2"/>
+              </a:rPr>
+              <a:t>Parens</a:t>
+            </a:r>
+            <a:r>
+              <a:rPr lang="en-US" dirty="0" smtClean="0">
+                <a:sym typeface="Wingdings" pitchFamily="2" charset="2"/>
+              </a:rPr>
+              <a:t>  </a:t>
+            </a:r>
+            <a:endParaRPr lang="en-US" dirty="0" smtClean="0"/>
+          </a:p>
+          <a:p>
+            <a:endParaRPr lang="en-US" dirty="0"/>
+          </a:p>
+          <a:p>
+            <a:r>
+              <a:rPr lang="en-US" dirty="0" smtClean="0"/>
+              <a:t>Clear the current Command at the prompt:</a:t>
+            </a:r>
+            <a:endParaRPr lang="en-US" dirty="0"/>
+          </a:p>
+          <a:p>
+            <a:r>
+              <a:rPr lang="en-US" dirty="0" smtClean="0"/>
+              <a:t>&lt;</a:t>
+            </a:r>
+            <a:r>
+              <a:rPr lang="en-US" dirty="0" err="1" smtClean="0"/>
+              <a:t>cntl</a:t>
+            </a:r>
+            <a:r>
+              <a:rPr lang="en-US" dirty="0" smtClean="0"/>
+              <a:t>&gt; C</a:t>
+            </a:r>
+            <a:endParaRPr lang="en-US" dirty="0">
+              <a:sym typeface="Wingdings" pitchFamily="2" charset="2"/>
+            </a:endParaRPr>
+          </a:p>
+          <a:p>
+            <a:pPr marL="0" indent="0">
+              <a:buNone/>
+            </a:pPr>
+            <a:endParaRPr lang="en-US" dirty="0"/>
+          </a:p>
+        </p:txBody>
+      </p:sp>
+    </p:spTree>
+  </p:cSld>
+  <p:clrMapOvr>
+    <a:masterClrMapping/>
+  </p:clrMapOvr>
+  <p:timing>
+    <p:tnLst>
+      <p:par>
+        <p:cTn id="1" dur="indefinite" restart="never" nodeType="tmRoot"/>
+      </p:par>
+    </p:tnLst>
+  </p:timing>
+</p:sld>
+</file>
+
+<file path=ppt/slides/slide20.xml><?xml version="1.0" encoding="utf-8"?>
+<p:sld xmlns:a="http://schemas.openxmlformats.org/drawingml/2006/main" xmlns:r="http://schemas.openxmlformats.org/officeDocument/2006/relationships" xmlns:p="http://schemas.openxmlformats.org/presentationml/2006/main">
+  <p:cSld>
+    <p:spTree>
+      <p:nvGrpSpPr>
+        <p:cNvPr id="1" name=""/>
+        <p:cNvGrpSpPr/>
+        <p:nvPr/>
+      </p:nvGrpSpPr>
+      <p:grpSpPr>
+        <a:xfrm>
+          <a:off x="0" y="0"/>
+          <a:ext cx="0" cy="0"/>
+          <a:chOff x="0" y="0"/>
+          <a:chExt cx="0" cy="0"/>
+        </a:xfrm>
+      </p:grpSpPr>
+      <p:sp>
+        <p:nvSpPr>
+          <p:cNvPr id="2" name="Title 1"/>
+          <p:cNvSpPr>
+            <a:spLocks noGrp="1"/>
+          </p:cNvSpPr>
+          <p:nvPr>
+            <p:ph type="title"/>
+          </p:nvPr>
+        </p:nvSpPr>
+        <p:spPr/>
+        <p:txBody>
+          <a:bodyPr/>
+          <a:lstStyle/>
+          <a:p>
+            <a:r>
+              <a:rPr lang="en-US" dirty="0" smtClean="0"/>
+              <a:t>Parallelism (more later)</a:t>
+            </a:r>
+            <a:endParaRPr lang="en-US" dirty="0"/>
+          </a:p>
+        </p:txBody>
+      </p:sp>
+      <p:sp>
+        <p:nvSpPr>
+          <p:cNvPr id="3" name="Content Placeholder 2"/>
+          <p:cNvSpPr>
+            <a:spLocks noGrp="1"/>
+          </p:cNvSpPr>
+          <p:nvPr>
+            <p:ph idx="1"/>
+          </p:nvPr>
+        </p:nvSpPr>
+        <p:spPr/>
+        <p:txBody>
+          <a:bodyPr/>
+          <a:lstStyle/>
+          <a:p>
+            <a:r>
+              <a:rPr lang="en-US" dirty="0" err="1" smtClean="0"/>
+              <a:t>julia</a:t>
+            </a:r>
+            <a:r>
+              <a:rPr lang="en-US" dirty="0" smtClean="0"/>
+              <a:t> –p 5  #5 local processes</a:t>
+            </a:r>
+          </a:p>
+          <a:p>
+            <a:r>
+              <a:rPr lang="en-US" dirty="0" err="1" smtClean="0"/>
+              <a:t>julia</a:t>
+            </a:r>
+            <a:r>
+              <a:rPr lang="en-US" dirty="0" smtClean="0"/>
+              <a:t> –</a:t>
+            </a:r>
+            <a:r>
+              <a:rPr lang="en-US" dirty="0" err="1" smtClean="0"/>
+              <a:t>machinefile</a:t>
+            </a:r>
+            <a:r>
+              <a:rPr lang="en-US" dirty="0" smtClean="0"/>
+              <a:t> file #hosts in file</a:t>
+            </a:r>
+          </a:p>
+          <a:p>
+            <a:r>
+              <a:rPr lang="en-US" dirty="0" err="1" smtClean="0"/>
+              <a:t>addprocs_local</a:t>
+            </a:r>
+            <a:r>
+              <a:rPr lang="en-US" dirty="0" smtClean="0"/>
+              <a:t>(5)  #inside a </a:t>
+            </a:r>
+            <a:r>
+              <a:rPr lang="en-US" dirty="0" err="1" smtClean="0"/>
+              <a:t>julia</a:t>
+            </a:r>
+            <a:r>
+              <a:rPr lang="en-US" dirty="0" smtClean="0"/>
+              <a:t> session</a:t>
+            </a:r>
+          </a:p>
+          <a:p>
+            <a:r>
+              <a:rPr lang="en-US" dirty="0" smtClean="0"/>
+              <a:t>@parallel #execute using every processor</a:t>
+            </a:r>
+            <a:endParaRPr lang="en-US" dirty="0"/>
+          </a:p>
+        </p:txBody>
+      </p:sp>
+    </p:spTree>
+    <p:extLst>
+      <p:ext uri="{BB962C8B-B14F-4D97-AF65-F5344CB8AC3E}">
+        <p14:creationId xmlns="" xmlns:p14="http://schemas.microsoft.com/office/powerpoint/2010/main" val="846270293"/>
+      </p:ext>
+    </p:extLst>
+  </p:cSld>
+  <p:clrMapOvr>
+    <a:masterClrMapping/>
+  </p:clrMapOvr>
+  <p:timing>
+    <p:tnLst>
+      <p:par>
+        <p:cTn id="1" dur="indefinite" restart="never" nodeType="tmRoot"/>
+      </p:par>
+    </p:tnLst>
+  </p:timing>
+</p:sld>
+</file>
+
+<file path=ppt/slides/slide21.xml><?xml version="1.0" encoding="utf-8"?>
+<p:sld xmlns:a="http://schemas.openxmlformats.org/drawingml/2006/main" xmlns:r="http://schemas.openxmlformats.org/officeDocument/2006/relationships" xmlns:p="http://schemas.openxmlformats.org/presentationml/2006/main">
+  <p:cSld>
+    <p:spTree>
+      <p:nvGrpSpPr>
+        <p:cNvPr id="1" name=""/>
+        <p:cNvGrpSpPr/>
+        <p:nvPr/>
+      </p:nvGrpSpPr>
+      <p:grpSpPr>
+        <a:xfrm>
+          <a:off x="0" y="0"/>
+          <a:ext cx="0" cy="0"/>
+          <a:chOff x="0" y="0"/>
+          <a:chExt cx="0" cy="0"/>
+        </a:xfrm>
+      </p:grpSpPr>
+      <p:sp>
+        <p:nvSpPr>
+          <p:cNvPr id="2" name="Title 1"/>
+          <p:cNvSpPr>
+            <a:spLocks noGrp="1"/>
+          </p:cNvSpPr>
+          <p:nvPr>
+            <p:ph type="title"/>
+          </p:nvPr>
+        </p:nvSpPr>
+        <p:spPr/>
+        <p:txBody>
+          <a:bodyPr>
+            <a:normAutofit fontScale="90000"/>
+          </a:bodyPr>
+          <a:lstStyle/>
+          <a:p>
+            <a:r>
+              <a:rPr lang="en-US" dirty="0" smtClean="0"/>
+              <a:t>Design Decisions</a:t>
+            </a:r>
+            <a:br>
+              <a:rPr lang="en-US" dirty="0" smtClean="0"/>
+            </a:br>
+            <a:endParaRPr lang="en-US" dirty="0"/>
+          </a:p>
+        </p:txBody>
+      </p:sp>
+      <p:sp>
+        <p:nvSpPr>
+          <p:cNvPr id="3" name="Content Placeholder 2"/>
+          <p:cNvSpPr>
+            <a:spLocks noGrp="1"/>
+          </p:cNvSpPr>
+          <p:nvPr>
+            <p:ph idx="1"/>
+          </p:nvPr>
+        </p:nvSpPr>
+        <p:spPr/>
+        <p:txBody>
+          <a:bodyPr/>
+          <a:lstStyle/>
+          <a:p>
+            <a:r>
+              <a:rPr lang="en-US" dirty="0" smtClean="0"/>
+              <a:t>Return type should not depend on value</a:t>
+            </a:r>
+          </a:p>
+          <a:p>
+            <a:r>
+              <a:rPr lang="en-US" dirty="0" err="1" smtClean="0"/>
+              <a:t>sqrt</a:t>
+            </a:r>
+            <a:r>
+              <a:rPr lang="en-US" dirty="0" smtClean="0"/>
+              <a:t>(-1) #error</a:t>
+            </a:r>
+          </a:p>
+          <a:p>
+            <a:r>
+              <a:rPr lang="en-US" dirty="0" err="1" smtClean="0"/>
+              <a:t>anothersqrt</a:t>
+            </a:r>
+            <a:r>
+              <a:rPr lang="en-US" dirty="0" smtClean="0"/>
+              <a:t>(x) =  x&lt;0 ? </a:t>
+            </a:r>
+            <a:r>
+              <a:rPr lang="en-US" dirty="0" err="1" smtClean="0"/>
+              <a:t>sqrt</a:t>
+            </a:r>
+            <a:r>
+              <a:rPr lang="en-US" dirty="0" smtClean="0"/>
+              <a:t>(complex(x)) : </a:t>
+            </a:r>
+            <a:r>
+              <a:rPr lang="en-US" dirty="0" err="1" smtClean="0"/>
+              <a:t>sqrt</a:t>
+            </a:r>
+            <a:r>
+              <a:rPr lang="en-US" dirty="0" smtClean="0"/>
+              <a:t>(x)</a:t>
+            </a:r>
+          </a:p>
+          <a:p>
+            <a:r>
+              <a:rPr lang="en-US" dirty="0" smtClean="0"/>
+              <a:t>[</a:t>
+            </a:r>
+            <a:r>
+              <a:rPr lang="en-US" dirty="0" err="1" smtClean="0"/>
+              <a:t>anothersqrt</a:t>
+            </a:r>
+            <a:r>
+              <a:rPr lang="en-US" dirty="0" smtClean="0"/>
+              <a:t>(x) for  x=-2:3]</a:t>
+            </a:r>
+          </a:p>
+          <a:p>
+            <a:endParaRPr lang="en-US" dirty="0"/>
+          </a:p>
+        </p:txBody>
+      </p:sp>
+    </p:spTree>
+  </p:cSld>
+  <p:clrMapOvr>
+    <a:masterClrMapping/>
+  </p:clrMapOvr>
+  <p:timing>
+    <p:tnLst>
+      <p:par>
+        <p:cTn id="1" dur="indefinite" restart="never" nodeType="tmRoot"/>
+      </p:par>
+    </p:tnLst>
+  </p:timing>
+</p:sld>
+</file>
+
+<file path=ppt/slides/slide3.xml><?xml version="1.0" encoding="utf-8"?>
+<p:sld xmlns:a="http://schemas.openxmlformats.org/drawingml/2006/main" xmlns:r="http://schemas.openxmlformats.org/officeDocument/2006/relationships" xmlns:p="http://schemas.openxmlformats.org/presentationml/2006/main">
+  <p:cSld>
+    <p:spTree>
+      <p:nvGrpSpPr>
+        <p:cNvPr id="1" name=""/>
+        <p:cNvGrpSpPr/>
+        <p:nvPr/>
+      </p:nvGrpSpPr>
+      <p:grpSpPr>
+        <a:xfrm>
+          <a:off x="0" y="0"/>
+          <a:ext cx="0" cy="0"/>
+          <a:chOff x="0" y="0"/>
+          <a:chExt cx="0" cy="0"/>
+        </a:xfrm>
+      </p:grpSpPr>
+      <p:sp>
+        <p:nvSpPr>
+          <p:cNvPr id="2" name="Title 1"/>
+          <p:cNvSpPr>
+            <a:spLocks noGrp="1"/>
+          </p:cNvSpPr>
+          <p:nvPr>
+            <p:ph type="title"/>
+          </p:nvPr>
+        </p:nvSpPr>
+        <p:spPr/>
+        <p:txBody>
+          <a:bodyPr/>
+          <a:lstStyle/>
+          <a:p>
+            <a:r>
+              <a:rPr lang="en-US" dirty="0" smtClean="0"/>
+              <a:t>Julia Documentation</a:t>
+            </a:r>
+            <a:endParaRPr lang="en-US" dirty="0"/>
+          </a:p>
+        </p:txBody>
+      </p:sp>
+      <p:sp>
+        <p:nvSpPr>
+          <p:cNvPr id="3" name="Content Placeholder 2"/>
+          <p:cNvSpPr>
+            <a:spLocks noGrp="1"/>
+          </p:cNvSpPr>
+          <p:nvPr>
+            <p:ph idx="1"/>
+          </p:nvPr>
+        </p:nvSpPr>
+        <p:spPr/>
+        <p:txBody>
+          <a:bodyPr>
+            <a:normAutofit lnSpcReduction="10000"/>
+          </a:bodyPr>
+          <a:lstStyle/>
+          <a:p>
+            <a:r>
+              <a:rPr lang="en-US" dirty="0" smtClean="0"/>
+              <a:t>Well written!</a:t>
+            </a:r>
+          </a:p>
+          <a:p>
+            <a:pPr lvl="1"/>
+            <a:r>
+              <a:rPr lang="en-US" dirty="0" smtClean="0"/>
+              <a:t>http</a:t>
+            </a:r>
+            <a:r>
+              <a:rPr lang="en-US" dirty="0"/>
+              <a:t>://docs.julialang.org/en/latest</a:t>
+            </a:r>
+            <a:r>
+              <a:rPr lang="en-US" dirty="0" smtClean="0"/>
+              <a:t>/</a:t>
+            </a:r>
+          </a:p>
+          <a:p>
+            <a:r>
+              <a:rPr lang="en-US" dirty="0" err="1" smtClean="0"/>
+              <a:t>google</a:t>
+            </a:r>
+            <a:r>
+              <a:rPr lang="en-US" dirty="0" smtClean="0"/>
+              <a:t>: </a:t>
+            </a:r>
+            <a:r>
+              <a:rPr lang="en-US" dirty="0" err="1" smtClean="0"/>
+              <a:t>julia</a:t>
+            </a:r>
+            <a:r>
+              <a:rPr lang="en-US" dirty="0" smtClean="0"/>
+              <a:t> documentation</a:t>
+            </a:r>
+          </a:p>
+          <a:p>
+            <a:endParaRPr lang="en-US" dirty="0"/>
+          </a:p>
+          <a:p>
+            <a:r>
+              <a:rPr lang="en-US" dirty="0" smtClean="0"/>
+              <a:t>Much of Julia is written (elegantly!) in Julia – it won’t take you long before you start looking at Julia to learn Julia</a:t>
+            </a:r>
+          </a:p>
+          <a:p>
+            <a:pPr lvl="1"/>
+            <a:r>
+              <a:rPr lang="en-US" dirty="0" smtClean="0"/>
+              <a:t>When you are ready: </a:t>
+            </a:r>
+            <a:r>
+              <a:rPr lang="en-US" dirty="0" err="1" smtClean="0"/>
+              <a:t>google</a:t>
+            </a:r>
+            <a:r>
+              <a:rPr lang="en-US" dirty="0" smtClean="0"/>
+              <a:t> “</a:t>
+            </a:r>
+            <a:r>
+              <a:rPr lang="en-US" dirty="0" err="1" smtClean="0"/>
+              <a:t>julia</a:t>
+            </a:r>
+            <a:r>
+              <a:rPr lang="en-US" dirty="0" smtClean="0"/>
+              <a:t> source” and click on “base” or “examples” and browse around</a:t>
+            </a:r>
+            <a:endParaRPr lang="en-US" dirty="0"/>
+          </a:p>
+        </p:txBody>
+      </p:sp>
+    </p:spTree>
+    <p:extLst>
+      <p:ext uri="{BB962C8B-B14F-4D97-AF65-F5344CB8AC3E}">
+        <p14:creationId xmlns="" xmlns:p14="http://schemas.microsoft.com/office/powerpoint/2010/main" val="3397208508"/>
+      </p:ext>
+    </p:extLst>
+  </p:cSld>
+  <p:clrMapOvr>
+    <a:masterClrMapping/>
+  </p:clrMapOvr>
+  <p:timing>
+    <p:tnLst>
+      <p:par>
+        <p:cTn id="1" dur="indefinite" restart="never" nodeType="tmRoot"/>
+      </p:par>
+    </p:tnLst>
+  </p:timing>
+</p:sld>
+</file>
+
+<file path=ppt/slides/slide4.xml><?xml version="1.0" encoding="utf-8"?>
+<p:sld xmlns:a="http://schemas.openxmlformats.org/drawingml/2006/main" xmlns:r="http://schemas.openxmlformats.org/officeDocument/2006/relationships" xmlns:p="http://schemas.openxmlformats.org/presentationml/2006/main">
+  <p:cSld>
+    <p:spTree>
+      <p:nvGrpSpPr>
+        <p:cNvPr id="1" name=""/>
+        <p:cNvGrpSpPr/>
+        <p:nvPr/>
+      </p:nvGrpSpPr>
+      <p:grpSpPr>
+        <a:xfrm>
+          <a:off x="0" y="0"/>
+          <a:ext cx="0" cy="0"/>
+          <a:chOff x="0" y="0"/>
+          <a:chExt cx="0" cy="0"/>
+        </a:xfrm>
+      </p:grpSpPr>
+      <p:sp>
+        <p:nvSpPr>
+          <p:cNvPr id="2" name="Title 1"/>
+          <p:cNvSpPr>
+            <a:spLocks noGrp="1"/>
+          </p:cNvSpPr>
+          <p:nvPr>
+            <p:ph type="title"/>
+          </p:nvPr>
+        </p:nvSpPr>
+        <p:spPr/>
+        <p:txBody>
+          <a:bodyPr>
+            <a:normAutofit fontScale="90000"/>
+          </a:bodyPr>
+          <a:lstStyle/>
+          <a:p>
+            <a:r>
+              <a:rPr lang="en-US" dirty="0" smtClean="0"/>
+              <a:t>Indexing: 1 based</a:t>
+            </a:r>
+            <a:br>
+              <a:rPr lang="en-US" dirty="0" smtClean="0"/>
+            </a:br>
+            <a:r>
+              <a:rPr lang="en-US" dirty="0"/>
+              <a:t>S</a:t>
+            </a:r>
+            <a:r>
+              <a:rPr lang="en-US" dirty="0" smtClean="0"/>
+              <a:t>quare brackets</a:t>
+            </a:r>
+            <a:endParaRPr lang="en-US" dirty="0"/>
+          </a:p>
+        </p:txBody>
+      </p:sp>
+      <p:sp>
+        <p:nvSpPr>
+          <p:cNvPr id="3" name="Content Placeholder 2"/>
+          <p:cNvSpPr>
+            <a:spLocks noGrp="1"/>
+          </p:cNvSpPr>
+          <p:nvPr>
+            <p:ph idx="1"/>
+          </p:nvPr>
+        </p:nvSpPr>
+        <p:spPr/>
+        <p:txBody>
+          <a:bodyPr>
+            <a:normAutofit/>
+          </a:bodyPr>
+          <a:lstStyle/>
+          <a:p>
+            <a:r>
+              <a:rPr lang="en-US" dirty="0" smtClean="0"/>
+              <a:t>A=rand(5,5)</a:t>
+            </a:r>
+          </a:p>
+          <a:p>
+            <a:r>
+              <a:rPr lang="en-US" dirty="0" smtClean="0"/>
+              <a:t>A[1,1]</a:t>
+            </a:r>
+          </a:p>
+          <a:p>
+            <a:r>
+              <a:rPr lang="en-US" dirty="0" smtClean="0"/>
+              <a:t>rand(5,5)[1,1]</a:t>
+            </a:r>
+          </a:p>
+          <a:p>
+            <a:r>
+              <a:rPr lang="en-US" dirty="0" smtClean="0"/>
+              <a:t>Remember</a:t>
+            </a:r>
+          </a:p>
+          <a:p>
+            <a:pPr lvl="1"/>
+            <a:r>
+              <a:rPr lang="en-US" dirty="0" smtClean="0"/>
+              <a:t> </a:t>
+            </a:r>
+            <a:r>
+              <a:rPr lang="en-US" dirty="0" err="1" smtClean="0"/>
+              <a:t>parens</a:t>
+            </a:r>
+            <a:r>
+              <a:rPr lang="en-US" dirty="0" smtClean="0"/>
+              <a:t> for functions, </a:t>
+            </a:r>
+          </a:p>
+          <a:p>
+            <a:pPr lvl="1"/>
+            <a:r>
+              <a:rPr lang="en-US" dirty="0" smtClean="0"/>
+              <a:t>square brackets for indexing</a:t>
+            </a:r>
+            <a:endParaRPr lang="en-US" dirty="0"/>
+          </a:p>
+          <a:p>
+            <a:endParaRPr lang="en-US" dirty="0"/>
+          </a:p>
+          <a:p>
+            <a:endParaRPr lang="en-US" dirty="0"/>
+          </a:p>
+        </p:txBody>
+      </p:sp>
+    </p:spTree>
+  </p:cSld>
+  <p:clrMapOvr>
+    <a:masterClrMapping/>
+  </p:clrMapOvr>
+  <p:timing>
+    <p:tnLst>
+      <p:par>
+        <p:cTn id="1" dur="indefinite" restart="never" nodeType="tmRoot"/>
+      </p:par>
+    </p:tnLst>
+  </p:timing>
+</p:sld>
+</file>
+
+<file path=ppt/slides/slide5.xml><?xml version="1.0" encoding="utf-8"?>
+<p:sld xmlns:a="http://schemas.openxmlformats.org/drawingml/2006/main" xmlns:r="http://schemas.openxmlformats.org/officeDocument/2006/relationships" xmlns:p="http://schemas.openxmlformats.org/presentationml/2006/main">
+  <p:cSld>
+    <p:spTree>
+      <p:nvGrpSpPr>
+        <p:cNvPr id="1" name=""/>
+        <p:cNvGrpSpPr/>
+        <p:nvPr/>
+      </p:nvGrpSpPr>
+      <p:grpSpPr>
+        <a:xfrm>
+          <a:off x="0" y="0"/>
+          <a:ext cx="0" cy="0"/>
+          <a:chOff x="0" y="0"/>
+          <a:chExt cx="0" cy="0"/>
+        </a:xfrm>
+      </p:grpSpPr>
+      <p:sp>
+        <p:nvSpPr>
+          <p:cNvPr id="5" name="Content Placeholder 2"/>
+          <p:cNvSpPr txBox="1">
+            <a:spLocks/>
+          </p:cNvSpPr>
+          <p:nvPr/>
+        </p:nvSpPr>
+        <p:spPr>
+          <a:xfrm>
+            <a:off x="533400" y="2133600"/>
+            <a:ext cx="8229600" cy="3352800"/>
+          </a:xfrm>
+          <a:prstGeom prst="rect">
+            <a:avLst/>
+          </a:prstGeom>
+        </p:spPr>
+        <p:txBody>
+          <a:bodyPr vert="horz" lIns="91440" tIns="45720" rIns="91440" bIns="45720" rtlCol="0">
+            <a:normAutofit fontScale="92500" lnSpcReduction="20000"/>
+          </a:bodyPr>
+          <a:lstStyle/>
+          <a:p>
+            <a:pPr marL="342900" marR="0" lvl="0" indent="-342900" algn="l" defTabSz="914400" rtl="0" eaLnBrk="1" fontAlgn="auto" latinLnBrk="0" hangingPunct="1">
+              <a:lnSpc>
+                <a:spcPct val="100000"/>
+              </a:lnSpc>
+              <a:spcBef>
+                <a:spcPct val="20000"/>
+              </a:spcBef>
+              <a:spcAft>
+                <a:spcPts val="0"/>
+              </a:spcAft>
+              <a:buClrTx/>
+              <a:buSzTx/>
+              <a:buFont typeface="Arial" pitchFamily="34" charset="0"/>
+              <a:buChar char="•"/>
+              <a:tabLst/>
+              <a:defRPr/>
+            </a:pPr>
+            <a:r>
+              <a:rPr lang="en-US" sz="3200" dirty="0" smtClean="0"/>
+              <a:t>[</a:t>
+            </a:r>
+            <a:r>
+              <a:rPr lang="en-US" sz="3200" noProof="0" dirty="0" err="1" smtClean="0"/>
+              <a:t>i</a:t>
+            </a:r>
+            <a:r>
+              <a:rPr lang="en-US" sz="3200" noProof="0" dirty="0" smtClean="0"/>
+              <a:t> for </a:t>
+            </a:r>
+            <a:r>
+              <a:rPr lang="en-US" sz="3200" noProof="0" dirty="0" err="1" smtClean="0"/>
+              <a:t>i</a:t>
+            </a:r>
+            <a:r>
+              <a:rPr lang="en-US" sz="3200" noProof="0" dirty="0" smtClean="0"/>
+              <a:t>=1:5]</a:t>
+            </a:r>
+          </a:p>
+          <a:p>
+            <a:pPr marL="342900" marR="0" lvl="0" indent="-342900" algn="l" defTabSz="914400" rtl="0" eaLnBrk="1" fontAlgn="auto" latinLnBrk="0" hangingPunct="1">
+              <a:lnSpc>
+                <a:spcPct val="100000"/>
+              </a:lnSpc>
+              <a:spcBef>
+                <a:spcPct val="20000"/>
+              </a:spcBef>
+              <a:spcAft>
+                <a:spcPts val="0"/>
+              </a:spcAft>
+              <a:buClrTx/>
+              <a:buSzTx/>
+              <a:buFont typeface="Arial" pitchFamily="34" charset="0"/>
+              <a:buChar char="•"/>
+              <a:tabLst/>
+              <a:defRPr/>
+            </a:pPr>
+            <a:r>
+              <a:rPr kumimoji="0" lang="en-US" sz="3200" b="0" i="0" u="none" strike="noStrike" kern="1200" cap="none" spc="0" normalizeH="0" baseline="0" dirty="0" smtClean="0">
+                <a:ln>
+                  <a:noFill/>
+                </a:ln>
+                <a:solidFill>
+                  <a:schemeClr val="tx1"/>
+                </a:solidFill>
+                <a:effectLst/>
+                <a:uLnTx/>
+                <a:uFillTx/>
+                <a:latin typeface="+mn-lt"/>
+                <a:ea typeface="+mn-ea"/>
+                <a:cs typeface="+mn-cs"/>
+              </a:rPr>
+              <a:t>[trace(rand(</a:t>
+            </a:r>
+            <a:r>
+              <a:rPr kumimoji="0" lang="en-US" sz="3200" b="0" i="0" u="none" strike="noStrike" kern="1200" cap="none" spc="0" normalizeH="0" baseline="0" dirty="0" err="1" smtClean="0">
+                <a:ln>
+                  <a:noFill/>
+                </a:ln>
+                <a:solidFill>
+                  <a:schemeClr val="tx1"/>
+                </a:solidFill>
+                <a:effectLst/>
+                <a:uLnTx/>
+                <a:uFillTx/>
+                <a:latin typeface="+mn-lt"/>
+                <a:ea typeface="+mn-ea"/>
+                <a:cs typeface="+mn-cs"/>
+              </a:rPr>
+              <a:t>n,n</a:t>
+            </a:r>
+            <a:r>
+              <a:rPr kumimoji="0" lang="en-US" sz="3200" b="0" i="0" u="none" strike="noStrike" kern="1200" cap="none" spc="0" normalizeH="0" baseline="0" dirty="0" smtClean="0">
+                <a:ln>
+                  <a:noFill/>
+                </a:ln>
+                <a:solidFill>
+                  <a:schemeClr val="tx1"/>
+                </a:solidFill>
+                <a:effectLst/>
+                <a:uLnTx/>
+                <a:uFillTx/>
+                <a:latin typeface="+mn-lt"/>
+                <a:ea typeface="+mn-ea"/>
+                <a:cs typeface="+mn-cs"/>
+              </a:rPr>
+              <a:t>)) for </a:t>
+            </a:r>
+            <a:r>
+              <a:rPr lang="en-US" sz="3200" dirty="0" smtClean="0"/>
+              <a:t>n</a:t>
+            </a:r>
+            <a:r>
+              <a:rPr kumimoji="0" lang="en-US" sz="3200" b="0" i="0" u="none" strike="noStrike" kern="1200" cap="none" spc="0" normalizeH="0" baseline="0" dirty="0" smtClean="0">
+                <a:ln>
+                  <a:noFill/>
+                </a:ln>
+                <a:solidFill>
+                  <a:schemeClr val="tx1"/>
+                </a:solidFill>
+                <a:effectLst/>
+                <a:uLnTx/>
+                <a:uFillTx/>
+                <a:latin typeface="+mn-lt"/>
+                <a:ea typeface="+mn-ea"/>
+                <a:cs typeface="+mn-cs"/>
+              </a:rPr>
+              <a:t>=1:5]</a:t>
+            </a:r>
+          </a:p>
+          <a:p>
+            <a:pPr marL="342900" marR="0" lvl="0" indent="-342900" algn="l" defTabSz="914400" rtl="0" eaLnBrk="1" fontAlgn="auto" latinLnBrk="0" hangingPunct="1">
+              <a:lnSpc>
+                <a:spcPct val="100000"/>
+              </a:lnSpc>
+              <a:spcBef>
+                <a:spcPct val="20000"/>
+              </a:spcBef>
+              <a:spcAft>
+                <a:spcPts val="0"/>
+              </a:spcAft>
+              <a:buClrTx/>
+              <a:buSzTx/>
+              <a:buFont typeface="Arial" pitchFamily="34" charset="0"/>
+              <a:buChar char="•"/>
+              <a:tabLst/>
+              <a:defRPr/>
+            </a:pPr>
+            <a:r>
+              <a:rPr lang="en-US" sz="3200" dirty="0" smtClean="0"/>
+              <a:t>x=rand(10); [ x[</a:t>
+            </a:r>
+            <a:r>
+              <a:rPr lang="en-US" sz="3200" dirty="0" err="1" smtClean="0"/>
+              <a:t>i</a:t>
+            </a:r>
+            <a:r>
+              <a:rPr lang="en-US" sz="3200" dirty="0" smtClean="0"/>
+              <a:t>]+x[i+1] for </a:t>
+            </a:r>
+            <a:r>
+              <a:rPr lang="en-US" sz="3200" dirty="0" err="1" smtClean="0"/>
+              <a:t>i</a:t>
+            </a:r>
+            <a:r>
+              <a:rPr lang="en-US" sz="3200" dirty="0" smtClean="0"/>
+              <a:t>=1:9 ]</a:t>
+            </a:r>
+            <a:endParaRPr kumimoji="0" lang="en-US" sz="3200" b="0" i="0" u="none" strike="noStrike" kern="1200" cap="none" spc="0" normalizeH="0" baseline="0" dirty="0" smtClean="0">
+              <a:ln>
+                <a:noFill/>
+              </a:ln>
+              <a:solidFill>
+                <a:schemeClr val="tx1"/>
+              </a:solidFill>
+              <a:effectLst/>
+              <a:uLnTx/>
+              <a:uFillTx/>
+              <a:latin typeface="+mn-lt"/>
+              <a:ea typeface="+mn-ea"/>
+              <a:cs typeface="+mn-cs"/>
+            </a:endParaRPr>
+          </a:p>
+          <a:p>
+            <a:pPr marL="342900" marR="0" lvl="0" indent="-342900" algn="l" defTabSz="914400" rtl="0" eaLnBrk="1" fontAlgn="auto" latinLnBrk="0" hangingPunct="1">
+              <a:lnSpc>
+                <a:spcPct val="100000"/>
+              </a:lnSpc>
+              <a:spcBef>
+                <a:spcPct val="20000"/>
+              </a:spcBef>
+              <a:spcAft>
+                <a:spcPts val="0"/>
+              </a:spcAft>
+              <a:buClrTx/>
+              <a:buSzTx/>
+              <a:buFont typeface="Arial" pitchFamily="34" charset="0"/>
+              <a:buChar char="•"/>
+              <a:tabLst/>
+              <a:defRPr/>
+            </a:pPr>
+            <a:r>
+              <a:rPr lang="en-US" sz="3200" noProof="0" dirty="0" smtClean="0"/>
+              <a:t>{eye(n) for </a:t>
+            </a:r>
+            <a:r>
+              <a:rPr lang="en-US" sz="3200" dirty="0" err="1" smtClean="0"/>
+              <a:t>n</a:t>
+            </a:r>
+            <a:r>
+              <a:rPr lang="en-US" sz="3200" noProof="0" dirty="0" smtClean="0"/>
+              <a:t>=1:5}   </a:t>
+            </a:r>
+          </a:p>
+          <a:p>
+            <a:pPr marL="342900" marR="0" lvl="0" indent="-342900" algn="l" defTabSz="914400" rtl="0" eaLnBrk="1" fontAlgn="auto" latinLnBrk="0" hangingPunct="1">
+              <a:lnSpc>
+                <a:spcPct val="100000"/>
+              </a:lnSpc>
+              <a:spcBef>
+                <a:spcPct val="20000"/>
+              </a:spcBef>
+              <a:spcAft>
+                <a:spcPts val="0"/>
+              </a:spcAft>
+              <a:buClrTx/>
+              <a:buSzTx/>
+              <a:buFont typeface="Arial" pitchFamily="34" charset="0"/>
+              <a:buChar char="•"/>
+              <a:tabLst/>
+              <a:defRPr/>
+            </a:pPr>
+            <a:r>
+              <a:rPr kumimoji="0" lang="en-US" sz="3200" b="0" i="0" u="none" strike="noStrike" kern="1200" cap="none" spc="0" normalizeH="0" baseline="0" dirty="0" smtClean="0">
+                <a:ln>
+                  <a:noFill/>
+                </a:ln>
+                <a:solidFill>
+                  <a:schemeClr val="tx1"/>
+                </a:solidFill>
+                <a:effectLst/>
+                <a:uLnTx/>
+                <a:uFillTx/>
+                <a:latin typeface="+mn-lt"/>
+                <a:ea typeface="+mn-ea"/>
+                <a:cs typeface="+mn-cs"/>
+              </a:rPr>
+              <a:t>[</a:t>
+            </a:r>
+            <a:r>
+              <a:rPr kumimoji="0" lang="en-US" sz="3200" b="0" i="0" u="none" strike="noStrike" kern="1200" cap="none" spc="0" normalizeH="0" baseline="0" dirty="0" err="1" smtClean="0">
+                <a:ln>
+                  <a:noFill/>
+                </a:ln>
+                <a:solidFill>
+                  <a:schemeClr val="tx1"/>
+                </a:solidFill>
+                <a:effectLst/>
+                <a:uLnTx/>
+                <a:uFillTx/>
+                <a:latin typeface="+mn-lt"/>
+                <a:ea typeface="+mn-ea"/>
+                <a:cs typeface="+mn-cs"/>
+              </a:rPr>
+              <a:t>i+j</a:t>
+            </a:r>
+            <a:r>
+              <a:rPr kumimoji="0" lang="en-US" sz="3200" b="0" i="0" u="none" strike="noStrike" kern="1200" cap="none" spc="0" normalizeH="0" dirty="0" smtClean="0">
+                <a:ln>
+                  <a:noFill/>
+                </a:ln>
+                <a:solidFill>
+                  <a:schemeClr val="tx1"/>
+                </a:solidFill>
+                <a:effectLst/>
+                <a:uLnTx/>
+                <a:uFillTx/>
+                <a:latin typeface="+mn-lt"/>
+                <a:ea typeface="+mn-ea"/>
+                <a:cs typeface="+mn-cs"/>
+              </a:rPr>
+              <a:t> for </a:t>
+            </a:r>
+            <a:r>
+              <a:rPr kumimoji="0" lang="en-US" sz="3200" b="0" i="0" u="none" strike="noStrike" kern="1200" cap="none" spc="0" normalizeH="0" dirty="0" err="1" smtClean="0">
+                <a:ln>
+                  <a:noFill/>
+                </a:ln>
+                <a:solidFill>
+                  <a:schemeClr val="tx1"/>
+                </a:solidFill>
+                <a:effectLst/>
+                <a:uLnTx/>
+                <a:uFillTx/>
+                <a:latin typeface="+mn-lt"/>
+                <a:ea typeface="+mn-ea"/>
+                <a:cs typeface="+mn-cs"/>
+              </a:rPr>
+              <a:t>i</a:t>
+            </a:r>
+            <a:r>
+              <a:rPr kumimoji="0" lang="en-US" sz="3200" b="0" i="0" u="none" strike="noStrike" kern="1200" cap="none" spc="0" normalizeH="0" dirty="0" smtClean="0">
+                <a:ln>
+                  <a:noFill/>
+                </a:ln>
+                <a:solidFill>
+                  <a:schemeClr val="tx1"/>
+                </a:solidFill>
+                <a:effectLst/>
+                <a:uLnTx/>
+                <a:uFillTx/>
+                <a:latin typeface="+mn-lt"/>
+                <a:ea typeface="+mn-ea"/>
+                <a:cs typeface="+mn-cs"/>
+              </a:rPr>
+              <a:t>=1:5, j=1:5]</a:t>
+            </a:r>
+          </a:p>
+          <a:p>
+            <a:pPr marL="342900" marR="0" lvl="0" indent="-342900" algn="l" defTabSz="914400" rtl="0" eaLnBrk="1" fontAlgn="auto" latinLnBrk="0" hangingPunct="1">
+              <a:lnSpc>
+                <a:spcPct val="100000"/>
+              </a:lnSpc>
+              <a:spcBef>
+                <a:spcPct val="20000"/>
+              </a:spcBef>
+              <a:spcAft>
+                <a:spcPts val="0"/>
+              </a:spcAft>
+              <a:buClrTx/>
+              <a:buSzTx/>
+              <a:buFont typeface="Arial" pitchFamily="34" charset="0"/>
+              <a:buChar char="•"/>
+              <a:tabLst/>
+              <a:defRPr/>
+            </a:pPr>
+            <a:endParaRPr lang="en-US" sz="3200" baseline="0" noProof="0" dirty="0" smtClean="0"/>
+          </a:p>
+          <a:p>
+            <a:pPr marL="800100" lvl="1" indent="-342900">
+              <a:spcBef>
+                <a:spcPct val="20000"/>
+              </a:spcBef>
+              <a:buFont typeface="Arial" pitchFamily="34" charset="0"/>
+              <a:buChar char="•"/>
+              <a:defRPr/>
+            </a:pPr>
+            <a:r>
+              <a:rPr kumimoji="0" lang="en-US" sz="3200" b="0" i="0" u="none" strike="noStrike" kern="1200" cap="none" spc="0" normalizeH="0" dirty="0" smtClean="0">
+                <a:ln>
+                  <a:noFill/>
+                </a:ln>
+                <a:solidFill>
+                  <a:schemeClr val="tx1"/>
+                </a:solidFill>
+                <a:effectLst/>
+                <a:uLnTx/>
+                <a:uFillTx/>
+                <a:latin typeface="+mn-lt"/>
+                <a:ea typeface="+mn-ea"/>
+                <a:cs typeface="+mn-cs"/>
+              </a:rPr>
+              <a:t>Vision: automatic parallelism</a:t>
+            </a:r>
+            <a:endParaRPr kumimoji="0" lang="en-US" sz="3200" b="0" i="0" u="none" strike="noStrike" kern="1200" cap="none" spc="0" normalizeH="0" baseline="0" noProof="0" dirty="0" smtClean="0">
+              <a:ln>
+                <a:noFill/>
+              </a:ln>
+              <a:solidFill>
+                <a:schemeClr val="tx1"/>
+              </a:solidFill>
+              <a:effectLst/>
+              <a:uLnTx/>
+              <a:uFillTx/>
+              <a:latin typeface="+mn-lt"/>
+              <a:ea typeface="+mn-ea"/>
+              <a:cs typeface="+mn-cs"/>
+            </a:endParaRPr>
+          </a:p>
+        </p:txBody>
+      </p:sp>
+      <p:sp>
+        <p:nvSpPr>
+          <p:cNvPr id="7" name="Title 6"/>
+          <p:cNvSpPr>
+            <a:spLocks noGrp="1"/>
+          </p:cNvSpPr>
+          <p:nvPr>
+            <p:ph type="title"/>
+          </p:nvPr>
+        </p:nvSpPr>
+        <p:spPr/>
+        <p:txBody>
+          <a:bodyPr>
+            <a:normAutofit fontScale="90000"/>
+          </a:bodyPr>
+          <a:lstStyle/>
+          <a:p>
+            <a:r>
+              <a:rPr lang="en-US" dirty="0" smtClean="0"/>
+              <a:t>Comprehensions</a:t>
+            </a:r>
+            <a:br>
+              <a:rPr lang="en-US" dirty="0" smtClean="0"/>
+            </a:br>
+            <a:r>
+              <a:rPr lang="en-US" dirty="0" smtClean="0"/>
+              <a:t>(elegant “array constructors”)</a:t>
+            </a:r>
+            <a:endParaRPr lang="en-US" dirty="0"/>
+          </a:p>
+        </p:txBody>
+      </p:sp>
+    </p:spTree>
+  </p:cSld>
+  <p:clrMapOvr>
+    <a:masterClrMapping/>
+  </p:clrMapOvr>
+  <p:timing>
+    <p:tnLst>
+      <p:par>
+        <p:cTn id="1" dur="indefinite" restart="never" nodeType="tmRoot"/>
+      </p:par>
+    </p:tnLst>
+  </p:timing>
+</p:sld>
+</file>
+
+<file path=ppt/slides/slide6.xml><?xml version="1.0" encoding="utf-8"?>
+<p:sld xmlns:a="http://schemas.openxmlformats.org/drawingml/2006/main" xmlns:r="http://schemas.openxmlformats.org/officeDocument/2006/relationships" xmlns:p="http://schemas.openxmlformats.org/presentationml/2006/main">
+  <p:cSld>
+    <p:spTree>
+      <p:nvGrpSpPr>
+        <p:cNvPr id="1" name=""/>
+        <p:cNvGrpSpPr/>
+        <p:nvPr/>
+      </p:nvGrpSpPr>
+      <p:grpSpPr>
+        <a:xfrm>
+          <a:off x="0" y="0"/>
+          <a:ext cx="0" cy="0"/>
+          <a:chOff x="0" y="0"/>
+          <a:chExt cx="0" cy="0"/>
+        </a:xfrm>
+      </p:grpSpPr>
+      <p:sp>
+        <p:nvSpPr>
+          <p:cNvPr id="2" name="Title 1"/>
+          <p:cNvSpPr>
+            <a:spLocks noGrp="1"/>
+          </p:cNvSpPr>
+          <p:nvPr>
+            <p:ph type="title"/>
+          </p:nvPr>
+        </p:nvSpPr>
+        <p:spPr/>
+        <p:txBody>
+          <a:bodyPr>
+            <a:normAutofit fontScale="90000"/>
+          </a:bodyPr>
+          <a:lstStyle/>
+          <a:p>
+            <a:r>
+              <a:rPr lang="en-US" dirty="0" smtClean="0"/>
+              <a:t>Parentheses </a:t>
+            </a:r>
+            <a:br>
+              <a:rPr lang="en-US" dirty="0" smtClean="0"/>
+            </a:br>
+            <a:r>
+              <a:rPr lang="en-US" dirty="0" smtClean="0"/>
+              <a:t>also used for multiple outputs</a:t>
+            </a:r>
+            <a:endParaRPr lang="en-US" dirty="0"/>
+          </a:p>
+        </p:txBody>
+      </p:sp>
+      <p:sp>
+        <p:nvSpPr>
+          <p:cNvPr id="3" name="Content Placeholder 2"/>
+          <p:cNvSpPr>
+            <a:spLocks noGrp="1"/>
+          </p:cNvSpPr>
+          <p:nvPr>
+            <p:ph idx="1"/>
+          </p:nvPr>
+        </p:nvSpPr>
+        <p:spPr/>
+        <p:txBody>
+          <a:bodyPr>
+            <a:normAutofit lnSpcReduction="10000"/>
+          </a:bodyPr>
+          <a:lstStyle/>
+          <a:p>
+            <a:r>
+              <a:rPr lang="en-US" dirty="0" smtClean="0"/>
+              <a:t>A=rand(5,6);</a:t>
+            </a:r>
+          </a:p>
+          <a:p>
+            <a:endParaRPr lang="en-US" dirty="0" smtClean="0"/>
+          </a:p>
+          <a:p>
+            <a:r>
+              <a:rPr lang="en-US" dirty="0" err="1" smtClean="0"/>
+              <a:t>svd</a:t>
+            </a:r>
+            <a:r>
+              <a:rPr lang="en-US" dirty="0" smtClean="0"/>
+              <a:t>(A)</a:t>
+            </a:r>
+          </a:p>
+          <a:p>
+            <a:r>
+              <a:rPr lang="en-US" dirty="0" smtClean="0"/>
+              <a:t>(</a:t>
+            </a:r>
+            <a:r>
+              <a:rPr lang="en-US" dirty="0" err="1" smtClean="0"/>
+              <a:t>u,s,v</a:t>
+            </a:r>
+            <a:r>
+              <a:rPr lang="en-US" dirty="0" smtClean="0"/>
+              <a:t>)=</a:t>
+            </a:r>
+            <a:r>
+              <a:rPr lang="en-US" dirty="0" err="1" smtClean="0"/>
+              <a:t>ans</a:t>
+            </a:r>
+            <a:endParaRPr lang="en-US" dirty="0" smtClean="0"/>
+          </a:p>
+          <a:p>
+            <a:pPr lvl="1"/>
+            <a:r>
+              <a:rPr lang="en-US" dirty="0" smtClean="0"/>
+              <a:t>Notice that s is a vector</a:t>
+            </a:r>
+          </a:p>
+          <a:p>
+            <a:r>
+              <a:rPr lang="en-US" dirty="0" smtClean="0"/>
+              <a:t>type&lt;tab&gt; #tab completion</a:t>
+            </a:r>
+          </a:p>
+          <a:p>
+            <a:r>
+              <a:rPr lang="en-US" dirty="0" err="1" smtClean="0"/>
+              <a:t>ndims</a:t>
+            </a:r>
+            <a:r>
+              <a:rPr lang="en-US" dirty="0" smtClean="0"/>
+              <a:t>(u), </a:t>
+            </a:r>
+            <a:r>
+              <a:rPr lang="en-US" dirty="0" err="1" smtClean="0"/>
+              <a:t>typeof</a:t>
+            </a:r>
+            <a:r>
+              <a:rPr lang="en-US" dirty="0" smtClean="0"/>
+              <a:t>(u)</a:t>
+            </a:r>
+          </a:p>
+          <a:p>
+            <a:r>
+              <a:rPr lang="en-US" dirty="0" err="1" smtClean="0"/>
+              <a:t>ndims</a:t>
+            </a:r>
+            <a:r>
+              <a:rPr lang="en-US" dirty="0" smtClean="0"/>
+              <a:t>(s), </a:t>
+            </a:r>
+            <a:r>
+              <a:rPr lang="en-US" dirty="0" err="1" smtClean="0"/>
+              <a:t>typeof</a:t>
+            </a:r>
+            <a:r>
+              <a:rPr lang="en-US" dirty="0" smtClean="0"/>
+              <a:t>(s)</a:t>
+            </a:r>
+            <a:endParaRPr lang="en-US" dirty="0"/>
+          </a:p>
+        </p:txBody>
+      </p:sp>
+    </p:spTree>
+  </p:cSld>
+  <p:clrMapOvr>
+    <a:masterClrMapping/>
+  </p:clrMapOvr>
+  <p:timing>
+    <p:tnLst>
+      <p:par>
+        <p:cTn id="1" dur="indefinite" restart="never" nodeType="tmRoot"/>
+      </p:par>
+    </p:tnLst>
+  </p:timing>
+</p:sld>
+</file>
+
+<file path=ppt/slides/slide7.xml><?xml version="1.0" encoding="utf-8"?>
+<p:sld xmlns:a="http://schemas.openxmlformats.org/drawingml/2006/main" xmlns:r="http://schemas.openxmlformats.org/officeDocument/2006/relationships" xmlns:p="http://schemas.openxmlformats.org/presentationml/2006/main">
+  <p:cSld>
+    <p:spTree>
+      <p:nvGrpSpPr>
+        <p:cNvPr id="1" name=""/>
+        <p:cNvGrpSpPr/>
+        <p:nvPr/>
+      </p:nvGrpSpPr>
+      <p:grpSpPr>
+        <a:xfrm>
+          <a:off x="0" y="0"/>
+          <a:ext cx="0" cy="0"/>
+          <a:chOff x="0" y="0"/>
+          <a:chExt cx="0" cy="0"/>
+        </a:xfrm>
+      </p:grpSpPr>
+      <p:sp>
+        <p:nvSpPr>
+          <p:cNvPr id="2" name="Title 1"/>
+          <p:cNvSpPr>
+            <a:spLocks noGrp="1"/>
+          </p:cNvSpPr>
+          <p:nvPr>
+            <p:ph type="title"/>
+          </p:nvPr>
+        </p:nvSpPr>
+        <p:spPr/>
+        <p:txBody>
+          <a:bodyPr/>
+          <a:lstStyle/>
+          <a:p>
+            <a:r>
+              <a:rPr lang="en-US" dirty="0" smtClean="0"/>
+              <a:t>Ternary Operator</a:t>
+            </a:r>
+            <a:endParaRPr lang="en-US" dirty="0"/>
+          </a:p>
+        </p:txBody>
+      </p:sp>
+      <p:sp>
+        <p:nvSpPr>
+          <p:cNvPr id="3" name="Content Placeholder 2"/>
+          <p:cNvSpPr>
+            <a:spLocks noGrp="1"/>
+          </p:cNvSpPr>
+          <p:nvPr>
+            <p:ph idx="1"/>
+          </p:nvPr>
+        </p:nvSpPr>
+        <p:spPr>
+          <a:xfrm>
+            <a:off x="457200" y="1600200"/>
+            <a:ext cx="8229600" cy="1676399"/>
+          </a:xfrm>
+        </p:spPr>
+        <p:txBody>
+          <a:bodyPr>
+            <a:normAutofit lnSpcReduction="10000"/>
+          </a:bodyPr>
+          <a:lstStyle/>
+          <a:p>
+            <a:r>
+              <a:rPr lang="en-US" dirty="0" err="1" smtClean="0"/>
+              <a:t>si</a:t>
+            </a:r>
+            <a:r>
+              <a:rPr lang="en-US" dirty="0" smtClean="0"/>
+              <a:t>(x) = (x&gt;0) ? 1 : -1</a:t>
+            </a:r>
+          </a:p>
+          <a:p>
+            <a:r>
+              <a:rPr lang="en-US" dirty="0" err="1" smtClean="0"/>
+              <a:t>si</a:t>
+            </a:r>
+            <a:r>
+              <a:rPr lang="en-US" dirty="0" smtClean="0"/>
+              <a:t>(x) = (x&gt;0) ? 1 :  ((x&lt;0) ? -1:  0)  # Chained</a:t>
+            </a:r>
+          </a:p>
+          <a:p>
+            <a:pPr marL="457200" lvl="1" indent="0">
+              <a:buNone/>
+            </a:pPr>
+            <a:r>
+              <a:rPr lang="en-US" dirty="0" smtClean="0"/>
+              <a:t>“sign”  (Comment: “#”)</a:t>
+            </a:r>
+          </a:p>
+          <a:p>
+            <a:endParaRPr lang="en-US" dirty="0"/>
+          </a:p>
+        </p:txBody>
+      </p:sp>
+    </p:spTree>
+  </p:cSld>
+  <p:clrMapOvr>
+    <a:masterClrMapping/>
+  </p:clrMapOvr>
+  <p:timing>
+    <p:tnLst>
+      <p:par>
+        <p:cTn id="1" dur="indefinite" restart="never" nodeType="tmRoot"/>
+      </p:par>
+    </p:tnLst>
+  </p:timing>
+</p:sld>
+</file>
+
+<file path=ppt/slides/slide8.xml><?xml version="1.0" encoding="utf-8"?>
+<p:sld xmlns:a="http://schemas.openxmlformats.org/drawingml/2006/main" xmlns:r="http://schemas.openxmlformats.org/officeDocument/2006/relationships" xmlns:p="http://schemas.openxmlformats.org/presentationml/2006/main">
+  <p:cSld>
+    <p:spTree>
+      <p:nvGrpSpPr>
+        <p:cNvPr id="1" name=""/>
+        <p:cNvGrpSpPr/>
+        <p:nvPr/>
+      </p:nvGrpSpPr>
+      <p:grpSpPr>
+        <a:xfrm>
+          <a:off x="0" y="0"/>
+          <a:ext cx="0" cy="0"/>
+          <a:chOff x="0" y="0"/>
+          <a:chExt cx="0" cy="0"/>
+        </a:xfrm>
+      </p:grpSpPr>
+      <p:sp>
+        <p:nvSpPr>
+          <p:cNvPr id="2" name="Title 1"/>
+          <p:cNvSpPr>
+            <a:spLocks noGrp="1"/>
+          </p:cNvSpPr>
+          <p:nvPr>
+            <p:ph type="title"/>
+          </p:nvPr>
+        </p:nvSpPr>
+        <p:spPr/>
+        <p:txBody>
+          <a:bodyPr/>
+          <a:lstStyle/>
+          <a:p>
+            <a:r>
+              <a:rPr lang="en-US" dirty="0" smtClean="0"/>
+              <a:t>Complex Numbers</a:t>
+            </a:r>
+            <a:endParaRPr lang="en-US" dirty="0"/>
+          </a:p>
+        </p:txBody>
+      </p:sp>
+      <p:sp>
+        <p:nvSpPr>
+          <p:cNvPr id="3" name="Content Placeholder 2"/>
+          <p:cNvSpPr>
+            <a:spLocks noGrp="1"/>
+          </p:cNvSpPr>
+          <p:nvPr>
+            <p:ph idx="1"/>
+          </p:nvPr>
+        </p:nvSpPr>
+        <p:spPr>
+          <a:xfrm>
+            <a:off x="457200" y="1600200"/>
+            <a:ext cx="8458200" cy="4525963"/>
+          </a:xfrm>
+        </p:spPr>
+        <p:txBody>
+          <a:bodyPr/>
+          <a:lstStyle/>
+          <a:p>
+            <a:r>
+              <a:rPr lang="en-US" dirty="0" err="1" smtClean="0"/>
+              <a:t>im</a:t>
+            </a:r>
+            <a:endParaRPr lang="en-US" dirty="0" smtClean="0"/>
+          </a:p>
+          <a:p>
+            <a:r>
+              <a:rPr lang="en-US" dirty="0" err="1" smtClean="0"/>
+              <a:t>typeof</a:t>
+            </a:r>
+            <a:r>
+              <a:rPr lang="en-US" dirty="0" smtClean="0"/>
+              <a:t>(2im)  </a:t>
+            </a:r>
+          </a:p>
+          <a:p>
+            <a:r>
+              <a:rPr lang="en-US" dirty="0" err="1" smtClean="0"/>
+              <a:t>typeof</a:t>
+            </a:r>
+            <a:r>
+              <a:rPr lang="en-US" dirty="0" smtClean="0"/>
+              <a:t>(2.0im)</a:t>
+            </a:r>
+          </a:p>
+          <a:p>
+            <a:r>
+              <a:rPr lang="en-US" dirty="0" smtClean="0"/>
+              <a:t>complex(3,4)</a:t>
+            </a:r>
+          </a:p>
+          <a:p>
+            <a:r>
+              <a:rPr lang="en-US" dirty="0" smtClean="0"/>
+              <a:t>complex(3,4.0)  #multiple dispatch (more later)</a:t>
+            </a:r>
+          </a:p>
+          <a:p>
+            <a:r>
+              <a:rPr lang="en-US" dirty="0" err="1" smtClean="0"/>
+              <a:t>sqrt</a:t>
+            </a:r>
+            <a:r>
+              <a:rPr lang="en-US" dirty="0" smtClean="0"/>
+              <a:t>(-1)</a:t>
+            </a:r>
+          </a:p>
+          <a:p>
+            <a:r>
+              <a:rPr lang="en-US" dirty="0" err="1" smtClean="0"/>
+              <a:t>sqrt</a:t>
+            </a:r>
+            <a:r>
+              <a:rPr lang="en-US" dirty="0" smtClean="0"/>
+              <a:t>(complex(-1))</a:t>
+            </a:r>
+            <a:endParaRPr lang="en-US" dirty="0"/>
+          </a:p>
+        </p:txBody>
+      </p:sp>
+    </p:spTree>
+  </p:cSld>
+  <p:clrMapOvr>
+    <a:masterClrMapping/>
+  </p:clrMapOvr>
+  <p:timing>
+    <p:tnLst>
+      <p:par>
+        <p:cTn id="1" dur="indefinite" restart="never" nodeType="tmRoot"/>
+      </p:par>
+    </p:tnLst>
+  </p:timing>
+</p:sld>
+</file>
+
+<file path=ppt/slides/slide9.xml><?xml version="1.0" encoding="utf-8"?>
+<p:sld xmlns:a="http://schemas.openxmlformats.org/drawingml/2006/main" xmlns:r="http://schemas.openxmlformats.org/officeDocument/2006/relationships" xmlns:p="http://schemas.openxmlformats.org/presentationml/2006/main">
+  <p:cSld>
+    <p:spTree>
+      <p:nvGrpSpPr>
+        <p:cNvPr id="1" name=""/>
+        <p:cNvGrpSpPr/>
+        <p:nvPr/>
+      </p:nvGrpSpPr>
+      <p:grpSpPr>
+        <a:xfrm>
+          <a:off x="0" y="0"/>
+          <a:ext cx="0" cy="0"/>
+          <a:chOff x="0" y="0"/>
+          <a:chExt cx="0" cy="0"/>
+        </a:xfrm>
+      </p:grpSpPr>
+      <p:sp>
+        <p:nvSpPr>
+          <p:cNvPr id="2" name="Title 1"/>
+          <p:cNvSpPr>
+            <a:spLocks noGrp="1"/>
+          </p:cNvSpPr>
+          <p:nvPr>
+            <p:ph type="title"/>
+          </p:nvPr>
+        </p:nvSpPr>
         <p:spPr>
           <a:xfrm>
             <a:off x="457200" y="-152400"/>
@@ -3973,7 +7683,7 @@
           <a:blip r:embed="rId2" cstate="print">
             <a:extLst>
               <a:ext uri="{28A0092B-C50C-407E-A947-70E740481C1C}">
-                <a14:useLocalDpi xmlns:a14="http://schemas.microsoft.com/office/drawing/2010/main" xmlns="" val="0"/>
+                <a14:useLocalDpi xmlns="" xmlns:a14="http://schemas.microsoft.com/office/drawing/2010/main" val="0"/>
               </a:ext>
             </a:extLst>
           </a:blip>
@@ -3995,14 +7705,14 @@
           <a:effectLst/>
           <a:extLst>
             <a:ext uri="{909E8E84-426E-40DD-AFC4-6F175D3DCCD1}">
-              <a14:hiddenFill xmlns:a14="http://schemas.microsoft.com/office/drawing/2010/main" xmlns="">
+              <a14:hiddenFill xmlns="" xmlns:a14="http://schemas.microsoft.com/office/drawing/2010/main">
                 <a:solidFill>
                   <a:schemeClr val="accent1"/>
                 </a:solidFill>
               </a14:hiddenFill>
             </a:ext>
             <a:ext uri="{91240B29-F687-4F45-9708-019B960494DF}">
-              <a14:hiddenLine xmlns:a14="http://schemas.microsoft.com/office/drawing/2010/main" xmlns="" w="9525">
+              <a14:hiddenLine xmlns="" xmlns:a14="http://schemas.microsoft.com/office/drawing/2010/main" w="9525">
                 <a:solidFill>
                   <a:schemeClr val="tx1"/>
                 </a:solidFill>
@@ -4012,7 +7722,7 @@
               </a14:hiddenLine>
             </a:ext>
             <a:ext uri="{AF507438-7753-43E0-B8FC-AC1667EBCBE1}">
-              <a14:hiddenEffects xmlns:a14="http://schemas.microsoft.com/office/drawing/2010/main" xmlns="">
+              <a14:hiddenEffects xmlns="" xmlns:a14="http://schemas.microsoft.com/office/drawing/2010/main">
                 <a:effectLst>
                   <a:outerShdw dist="35921" dir="2700000" algn="ctr" rotWithShape="0">
                     <a:schemeClr val="bg2"/>
@@ -4232,3994 +7942,9 @@
     </p:spTree>
     <p:extLst>
       <p:ext uri="{BB962C8B-B14F-4D97-AF65-F5344CB8AC3E}">
-        <p14:creationId xmlns:p14="http://schemas.microsoft.com/office/powerpoint/2010/main" xmlns="" val="2333572181"/>
+        <p14:creationId xmlns="" xmlns:p14="http://schemas.microsoft.com/office/powerpoint/2010/main" val="2333572181"/>
       </p:ext>
     </p:extLst>
-  </p:cSld>
-  <p:clrMapOvr>
-    <a:masterClrMapping/>
-  </p:clrMapOvr>
-  <p:timing>
-    <p:tnLst>
-      <p:par>
-        <p:cTn id="1" dur="indefinite" restart="never" nodeType="tmRoot"/>
-      </p:par>
-    </p:tnLst>
-  </p:timing>
-</p:sld>
-</file>
-
-<file path=ppt/slides/slide12.xml><?xml version="1.0" encoding="utf-8"?>
-<p:sld xmlns:a="http://schemas.openxmlformats.org/drawingml/2006/main" xmlns:r="http://schemas.openxmlformats.org/officeDocument/2006/relationships" xmlns:p="http://schemas.openxmlformats.org/presentationml/2006/main">
-  <p:cSld>
-    <p:spTree>
-      <p:nvGrpSpPr>
-        <p:cNvPr id="1" name=""/>
-        <p:cNvGrpSpPr/>
-        <p:nvPr/>
-      </p:nvGrpSpPr>
-      <p:grpSpPr>
-        <a:xfrm>
-          <a:off x="0" y="0"/>
-          <a:ext cx="0" cy="0"/>
-          <a:chOff x="0" y="0"/>
-          <a:chExt cx="0" cy="0"/>
-        </a:xfrm>
-      </p:grpSpPr>
-      <p:sp>
-        <p:nvSpPr>
-          <p:cNvPr id="2" name="Title 1"/>
-          <p:cNvSpPr>
-            <a:spLocks noGrp="1"/>
-          </p:cNvSpPr>
-          <p:nvPr>
-            <p:ph type="title"/>
-          </p:nvPr>
-        </p:nvSpPr>
-        <p:spPr/>
-        <p:txBody>
-          <a:bodyPr/>
-          <a:lstStyle/>
-          <a:p>
-            <a:r>
-              <a:rPr lang="en-US" dirty="0" smtClean="0"/>
-              <a:t>Vectors</a:t>
-            </a:r>
-            <a:endParaRPr lang="en-US" dirty="0"/>
-          </a:p>
-        </p:txBody>
-      </p:sp>
-      <p:sp>
-        <p:nvSpPr>
-          <p:cNvPr id="3" name="Content Placeholder 2"/>
-          <p:cNvSpPr>
-            <a:spLocks noGrp="1"/>
-          </p:cNvSpPr>
-          <p:nvPr>
-            <p:ph idx="1"/>
-          </p:nvPr>
-        </p:nvSpPr>
-        <p:spPr/>
-        <p:txBody>
-          <a:bodyPr>
-            <a:normAutofit lnSpcReduction="10000"/>
-          </a:bodyPr>
-          <a:lstStyle/>
-          <a:p>
-            <a:r>
-              <a:rPr lang="en-US" dirty="0" smtClean="0"/>
-              <a:t>A=rand(5,5)</a:t>
-            </a:r>
-          </a:p>
-          <a:p>
-            <a:r>
-              <a:rPr lang="en-US" dirty="0"/>
-              <a:t>v</a:t>
-            </a:r>
-            <a:r>
-              <a:rPr lang="en-US" dirty="0" smtClean="0"/>
-              <a:t>=rand(5,1) </a:t>
-            </a:r>
-            <a:r>
-              <a:rPr lang="en-US" dirty="0" smtClean="0"/>
-              <a:t>; w=rand(5)</a:t>
-            </a:r>
-            <a:endParaRPr lang="en-US" dirty="0" smtClean="0"/>
-          </a:p>
-          <a:p>
-            <a:r>
-              <a:rPr lang="en-US" dirty="0" err="1" smtClean="0"/>
-              <a:t>typeof</a:t>
-            </a:r>
-            <a:r>
-              <a:rPr lang="en-US" dirty="0" smtClean="0"/>
-              <a:t>(v)   # Array{Float64,1</a:t>
-            </a:r>
-            <a:r>
-              <a:rPr lang="en-US" dirty="0"/>
-              <a:t>}</a:t>
-            </a:r>
-            <a:endParaRPr lang="en-US" dirty="0" smtClean="0"/>
-          </a:p>
-          <a:p>
-            <a:r>
-              <a:rPr lang="en-US" dirty="0" err="1" smtClean="0"/>
-              <a:t>typeof</a:t>
-            </a:r>
-            <a:r>
-              <a:rPr lang="en-US" dirty="0" smtClean="0"/>
-              <a:t>(1.0 : 5</a:t>
-            </a:r>
-            <a:r>
-              <a:rPr lang="en-US" dirty="0"/>
-              <a:t>)  #Range1{Float64</a:t>
-            </a:r>
-            <a:r>
-              <a:rPr lang="en-US" dirty="0" smtClean="0"/>
-              <a:t>}</a:t>
-            </a:r>
-          </a:p>
-          <a:p>
-            <a:pPr marL="457200" lvl="1" indent="0">
-              <a:buNone/>
-            </a:pPr>
-            <a:r>
-              <a:rPr lang="en-US" dirty="0" smtClean="0"/>
-              <a:t>w=1.0: 5; A*w; #error (maybe shouldn’t be?)</a:t>
-            </a:r>
-          </a:p>
-          <a:p>
-            <a:pPr marL="457200" lvl="1" indent="0">
-              <a:buNone/>
-            </a:pPr>
-            <a:r>
-              <a:rPr lang="en-US" dirty="0" smtClean="0"/>
-              <a:t>w=</a:t>
-            </a:r>
-            <a:r>
-              <a:rPr lang="en-US" dirty="0" smtClean="0">
-                <a:solidFill>
-                  <a:srgbClr val="FF0000"/>
-                </a:solidFill>
-              </a:rPr>
-              <a:t>[</a:t>
-            </a:r>
-            <a:r>
-              <a:rPr lang="en-US" dirty="0" smtClean="0"/>
-              <a:t>1.0:5</a:t>
-            </a:r>
-            <a:r>
-              <a:rPr lang="en-US" dirty="0" smtClean="0">
-                <a:solidFill>
-                  <a:srgbClr val="FF0000"/>
-                </a:solidFill>
-              </a:rPr>
-              <a:t>]</a:t>
-            </a:r>
-            <a:r>
-              <a:rPr lang="en-US" dirty="0" smtClean="0"/>
-              <a:t>; A*w; #ok</a:t>
-            </a:r>
-          </a:p>
-          <a:p>
-            <a:r>
-              <a:rPr lang="en-US" dirty="0"/>
-              <a:t>o</a:t>
-            </a:r>
-            <a:r>
-              <a:rPr lang="en-US" dirty="0" smtClean="0"/>
-              <a:t>nes(5)  #vector!</a:t>
-            </a:r>
-          </a:p>
-          <a:p>
-            <a:r>
-              <a:rPr lang="en-US" dirty="0" smtClean="0"/>
-              <a:t>eye(5)  #matrix (makes sense!)</a:t>
-            </a:r>
-          </a:p>
-          <a:p>
-            <a:endParaRPr lang="en-US" dirty="0" smtClean="0"/>
-          </a:p>
-          <a:p>
-            <a:endParaRPr lang="en-US" dirty="0"/>
-          </a:p>
-        </p:txBody>
-      </p:sp>
-    </p:spTree>
-    <p:extLst>
-      <p:ext uri="{BB962C8B-B14F-4D97-AF65-F5344CB8AC3E}">
-        <p14:creationId xmlns:p14="http://schemas.microsoft.com/office/powerpoint/2010/main" xmlns="" val="2690069981"/>
-      </p:ext>
-    </p:extLst>
-  </p:cSld>
-  <p:clrMapOvr>
-    <a:masterClrMapping/>
-  </p:clrMapOvr>
-  <p:timing>
-    <p:tnLst>
-      <p:par>
-        <p:cTn id="1" dur="indefinite" restart="never" nodeType="tmRoot"/>
-      </p:par>
-    </p:tnLst>
-  </p:timing>
-</p:sld>
-</file>
-
-<file path=ppt/slides/slide13.xml><?xml version="1.0" encoding="utf-8"?>
-<p:sld xmlns:a="http://schemas.openxmlformats.org/drawingml/2006/main" xmlns:r="http://schemas.openxmlformats.org/officeDocument/2006/relationships" xmlns:p="http://schemas.openxmlformats.org/presentationml/2006/main">
-  <p:cSld>
-    <p:spTree>
-      <p:nvGrpSpPr>
-        <p:cNvPr id="1" name=""/>
-        <p:cNvGrpSpPr/>
-        <p:nvPr/>
-      </p:nvGrpSpPr>
-      <p:grpSpPr>
-        <a:xfrm>
-          <a:off x="0" y="0"/>
-          <a:ext cx="0" cy="0"/>
-          <a:chOff x="0" y="0"/>
-          <a:chExt cx="0" cy="0"/>
-        </a:xfrm>
-      </p:grpSpPr>
-      <p:sp>
-        <p:nvSpPr>
-          <p:cNvPr id="2" name="Title 1"/>
-          <p:cNvSpPr>
-            <a:spLocks noGrp="1"/>
-          </p:cNvSpPr>
-          <p:nvPr>
-            <p:ph type="title"/>
-          </p:nvPr>
-        </p:nvSpPr>
-        <p:spPr/>
-        <p:txBody>
-          <a:bodyPr/>
-          <a:lstStyle/>
-          <a:p>
-            <a:r>
-              <a:rPr lang="en-US" dirty="0" smtClean="0"/>
-              <a:t>running a file</a:t>
-            </a:r>
-            <a:endParaRPr lang="en-US" dirty="0"/>
-          </a:p>
-        </p:txBody>
-      </p:sp>
-      <p:sp>
-        <p:nvSpPr>
-          <p:cNvPr id="3" name="Content Placeholder 2"/>
-          <p:cNvSpPr>
-            <a:spLocks noGrp="1"/>
-          </p:cNvSpPr>
-          <p:nvPr>
-            <p:ph idx="1"/>
-          </p:nvPr>
-        </p:nvSpPr>
-        <p:spPr/>
-        <p:txBody>
-          <a:bodyPr/>
-          <a:lstStyle/>
-          <a:p>
-            <a:r>
-              <a:rPr lang="en-US" dirty="0" smtClean="0"/>
-              <a:t>include(“</a:t>
-            </a:r>
-            <a:r>
-              <a:rPr lang="en-US" dirty="0" err="1" smtClean="0"/>
-              <a:t>file.jl</a:t>
-            </a:r>
-            <a:r>
-              <a:rPr lang="en-US" dirty="0" smtClean="0"/>
-              <a:t>”)</a:t>
-            </a:r>
-          </a:p>
-          <a:p>
-            <a:pPr lvl="1"/>
-            <a:r>
-              <a:rPr lang="en-US" dirty="0" smtClean="0"/>
-              <a:t>note that commands without semicolons won’t print without “</a:t>
-            </a:r>
-            <a:r>
-              <a:rPr lang="en-US" dirty="0" err="1" smtClean="0"/>
-              <a:t>println</a:t>
-            </a:r>
-            <a:r>
-              <a:rPr lang="en-US" dirty="0" smtClean="0"/>
-              <a:t>” (print line)</a:t>
-            </a:r>
-          </a:p>
-        </p:txBody>
-      </p:sp>
-    </p:spTree>
-    <p:extLst>
-      <p:ext uri="{BB962C8B-B14F-4D97-AF65-F5344CB8AC3E}">
-        <p14:creationId xmlns:p14="http://schemas.microsoft.com/office/powerpoint/2010/main" xmlns="" val="3246366115"/>
-      </p:ext>
-    </p:extLst>
-  </p:cSld>
-  <p:clrMapOvr>
-    <a:masterClrMapping/>
-  </p:clrMapOvr>
-  <p:timing>
-    <p:tnLst>
-      <p:par>
-        <p:cTn id="1" dur="indefinite" restart="never" nodeType="tmRoot"/>
-      </p:par>
-    </p:tnLst>
-  </p:timing>
-</p:sld>
-</file>
-
-<file path=ppt/slides/slide14.xml><?xml version="1.0" encoding="utf-8"?>
-<p:sld xmlns:a="http://schemas.openxmlformats.org/drawingml/2006/main" xmlns:r="http://schemas.openxmlformats.org/officeDocument/2006/relationships" xmlns:p="http://schemas.openxmlformats.org/presentationml/2006/main">
-  <p:cSld>
-    <p:spTree>
-      <p:nvGrpSpPr>
-        <p:cNvPr id="1" name=""/>
-        <p:cNvGrpSpPr/>
-        <p:nvPr/>
-      </p:nvGrpSpPr>
-      <p:grpSpPr>
-        <a:xfrm>
-          <a:off x="0" y="0"/>
-          <a:ext cx="0" cy="0"/>
-          <a:chOff x="0" y="0"/>
-          <a:chExt cx="0" cy="0"/>
-        </a:xfrm>
-      </p:grpSpPr>
-      <p:sp>
-        <p:nvSpPr>
-          <p:cNvPr id="2" name="Title 1"/>
-          <p:cNvSpPr>
-            <a:spLocks noGrp="1"/>
-          </p:cNvSpPr>
-          <p:nvPr>
-            <p:ph type="title"/>
-          </p:nvPr>
-        </p:nvSpPr>
-        <p:spPr/>
-        <p:txBody>
-          <a:bodyPr/>
-          <a:lstStyle/>
-          <a:p>
-            <a:r>
-              <a:rPr lang="en-US" dirty="0" smtClean="0"/>
-              <a:t>Deployment</a:t>
-            </a:r>
-            <a:endParaRPr lang="en-US" dirty="0"/>
-          </a:p>
-        </p:txBody>
-      </p:sp>
-      <p:sp>
-        <p:nvSpPr>
-          <p:cNvPr id="3" name="Content Placeholder 2"/>
-          <p:cNvSpPr>
-            <a:spLocks noGrp="1"/>
-          </p:cNvSpPr>
-          <p:nvPr>
-            <p:ph idx="1"/>
-          </p:nvPr>
-        </p:nvSpPr>
-        <p:spPr>
-          <a:xfrm>
-            <a:off x="533400" y="3581400"/>
-            <a:ext cx="8229600" cy="4525963"/>
-          </a:xfrm>
-        </p:spPr>
-        <p:txBody>
-          <a:bodyPr/>
-          <a:lstStyle/>
-          <a:p>
-            <a:r>
-              <a:rPr lang="en-US" dirty="0" smtClean="0"/>
-              <a:t>in shell:</a:t>
-            </a:r>
-          </a:p>
-          <a:p>
-            <a:r>
-              <a:rPr lang="en-US" dirty="0" smtClean="0"/>
-              <a:t>./</a:t>
-            </a:r>
-            <a:r>
-              <a:rPr lang="en-US" dirty="0" err="1" smtClean="0"/>
-              <a:t>julia</a:t>
-            </a:r>
-            <a:r>
-              <a:rPr lang="en-US" dirty="0" smtClean="0"/>
-              <a:t> </a:t>
-            </a:r>
-            <a:r>
-              <a:rPr lang="en-US" dirty="0" err="1" smtClean="0"/>
-              <a:t>deploy.jl</a:t>
-            </a:r>
-            <a:r>
-              <a:rPr lang="en-US" dirty="0" smtClean="0"/>
-              <a:t>  5</a:t>
-            </a:r>
-          </a:p>
-          <a:p>
-            <a:endParaRPr lang="en-US" dirty="0"/>
-          </a:p>
-          <a:p>
-            <a:r>
-              <a:rPr lang="en-US" dirty="0" smtClean="0"/>
-              <a:t>(lots more in “Getting Started” doc)</a:t>
-            </a:r>
-          </a:p>
-          <a:p>
-            <a:endParaRPr lang="en-US" dirty="0"/>
-          </a:p>
-          <a:p>
-            <a:endParaRPr lang="en-US" dirty="0"/>
-          </a:p>
-        </p:txBody>
-      </p:sp>
-      <p:sp>
-        <p:nvSpPr>
-          <p:cNvPr id="4" name="Rectangle 3"/>
-          <p:cNvSpPr/>
-          <p:nvPr/>
-        </p:nvSpPr>
-        <p:spPr>
-          <a:xfrm>
-            <a:off x="685800" y="1676400"/>
-            <a:ext cx="4495800" cy="1676400"/>
-          </a:xfrm>
-          <a:prstGeom prst="rect">
-            <a:avLst/>
-          </a:prstGeom>
-          <a:noFill/>
-          <a:ln>
-            <a:solidFill>
-              <a:schemeClr val="tx1"/>
-            </a:solidFill>
-          </a:ln>
-        </p:spPr>
-        <p:style>
-          <a:lnRef idx="2">
-            <a:schemeClr val="accent1">
-              <a:shade val="50000"/>
-            </a:schemeClr>
-          </a:lnRef>
-          <a:fillRef idx="1">
-            <a:schemeClr val="accent1"/>
-          </a:fillRef>
-          <a:effectRef idx="0">
-            <a:schemeClr val="accent1"/>
-          </a:effectRef>
-          <a:fontRef idx="minor">
-            <a:schemeClr val="lt1"/>
-          </a:fontRef>
-        </p:style>
-        <p:txBody>
-          <a:bodyPr rtlCol="0" anchor="ctr"/>
-          <a:lstStyle/>
-          <a:p>
-            <a:r>
-              <a:rPr lang="en-US" sz="4000" dirty="0" smtClean="0">
-                <a:solidFill>
-                  <a:schemeClr val="tx1"/>
-                </a:solidFill>
-              </a:rPr>
-              <a:t>n=</a:t>
-            </a:r>
-            <a:r>
-              <a:rPr lang="en-US" sz="4000" dirty="0" err="1" smtClean="0">
-                <a:solidFill>
-                  <a:schemeClr val="tx1"/>
-                </a:solidFill>
-              </a:rPr>
-              <a:t>int</a:t>
-            </a:r>
-            <a:r>
-              <a:rPr lang="en-US" sz="4000" dirty="0" smtClean="0">
-                <a:solidFill>
-                  <a:schemeClr val="tx1"/>
-                </a:solidFill>
-              </a:rPr>
-              <a:t>(ARGS[1])</a:t>
-            </a:r>
-          </a:p>
-          <a:p>
-            <a:r>
-              <a:rPr lang="en-US" sz="4000" dirty="0" err="1" smtClean="0">
-                <a:solidFill>
-                  <a:schemeClr val="tx1"/>
-                </a:solidFill>
-              </a:rPr>
-              <a:t>println</a:t>
-            </a:r>
-            <a:r>
-              <a:rPr lang="en-US" sz="4000" dirty="0" smtClean="0">
-                <a:solidFill>
-                  <a:schemeClr val="tx1"/>
-                </a:solidFill>
-              </a:rPr>
-              <a:t>(</a:t>
-            </a:r>
-            <a:r>
-              <a:rPr lang="en-US" sz="4000" dirty="0" err="1" smtClean="0">
-                <a:solidFill>
-                  <a:schemeClr val="tx1"/>
-                </a:solidFill>
-              </a:rPr>
-              <a:t>randn</a:t>
-            </a:r>
-            <a:r>
-              <a:rPr lang="en-US" sz="4000" dirty="0" smtClean="0">
-                <a:solidFill>
-                  <a:schemeClr val="tx1"/>
-                </a:solidFill>
-              </a:rPr>
-              <a:t>(</a:t>
-            </a:r>
-            <a:r>
-              <a:rPr lang="en-US" sz="4000" dirty="0" err="1" smtClean="0">
-                <a:solidFill>
-                  <a:schemeClr val="tx1"/>
-                </a:solidFill>
-              </a:rPr>
-              <a:t>n,n</a:t>
-            </a:r>
-            <a:r>
-              <a:rPr lang="en-US" sz="4000" dirty="0" smtClean="0">
-                <a:solidFill>
-                  <a:schemeClr val="tx1"/>
-                </a:solidFill>
-              </a:rPr>
-              <a:t>))</a:t>
-            </a:r>
-            <a:endParaRPr lang="en-US" dirty="0">
-              <a:solidFill>
-                <a:schemeClr val="tx1"/>
-              </a:solidFill>
-            </a:endParaRPr>
-          </a:p>
-        </p:txBody>
-      </p:sp>
-      <p:sp>
-        <p:nvSpPr>
-          <p:cNvPr id="5" name="TextBox 4"/>
-          <p:cNvSpPr txBox="1"/>
-          <p:nvPr/>
-        </p:nvSpPr>
-        <p:spPr>
-          <a:xfrm>
-            <a:off x="685800" y="990600"/>
-            <a:ext cx="1756315" cy="646331"/>
-          </a:xfrm>
-          <a:prstGeom prst="rect">
-            <a:avLst/>
-          </a:prstGeom>
-          <a:noFill/>
-        </p:spPr>
-        <p:txBody>
-          <a:bodyPr wrap="none" rtlCol="0">
-            <a:spAutoFit/>
-          </a:bodyPr>
-          <a:lstStyle/>
-          <a:p>
-            <a:r>
-              <a:rPr lang="en-US" sz="3600" dirty="0" err="1" smtClean="0"/>
-              <a:t>deploy.jl</a:t>
-            </a:r>
-            <a:endParaRPr lang="en-US" sz="3600" dirty="0"/>
-          </a:p>
-        </p:txBody>
-      </p:sp>
-    </p:spTree>
-  </p:cSld>
-  <p:clrMapOvr>
-    <a:masterClrMapping/>
-  </p:clrMapOvr>
-  <p:timing>
-    <p:tnLst>
-      <p:par>
-        <p:cTn id="1" dur="indefinite" restart="never" nodeType="tmRoot"/>
-      </p:par>
-    </p:tnLst>
-  </p:timing>
-</p:sld>
-</file>
-
-<file path=ppt/slides/slide15.xml><?xml version="1.0" encoding="utf-8"?>
-<p:sld xmlns:a="http://schemas.openxmlformats.org/drawingml/2006/main" xmlns:r="http://schemas.openxmlformats.org/officeDocument/2006/relationships" xmlns:p="http://schemas.openxmlformats.org/presentationml/2006/main">
-  <p:cSld>
-    <p:spTree>
-      <p:nvGrpSpPr>
-        <p:cNvPr id="1" name=""/>
-        <p:cNvGrpSpPr/>
-        <p:nvPr/>
-      </p:nvGrpSpPr>
-      <p:grpSpPr>
-        <a:xfrm>
-          <a:off x="0" y="0"/>
-          <a:ext cx="0" cy="0"/>
-          <a:chOff x="0" y="0"/>
-          <a:chExt cx="0" cy="0"/>
-        </a:xfrm>
-      </p:grpSpPr>
-      <p:sp>
-        <p:nvSpPr>
-          <p:cNvPr id="2" name="Title 1"/>
-          <p:cNvSpPr>
-            <a:spLocks noGrp="1"/>
-          </p:cNvSpPr>
-          <p:nvPr>
-            <p:ph type="title"/>
-          </p:nvPr>
-        </p:nvSpPr>
-        <p:spPr/>
-        <p:txBody>
-          <a:bodyPr/>
-          <a:lstStyle/>
-          <a:p>
-            <a:r>
-              <a:rPr lang="en-US" dirty="0" smtClean="0"/>
-              <a:t>.. or even better</a:t>
-            </a:r>
-            <a:endParaRPr lang="en-US" dirty="0"/>
-          </a:p>
-        </p:txBody>
-      </p:sp>
-      <p:sp>
-        <p:nvSpPr>
-          <p:cNvPr id="4" name="Rectangle 3"/>
-          <p:cNvSpPr/>
-          <p:nvPr/>
-        </p:nvSpPr>
-        <p:spPr>
-          <a:xfrm>
-            <a:off x="609600" y="1981200"/>
-            <a:ext cx="4876800" cy="3962400"/>
-          </a:xfrm>
-          <a:prstGeom prst="rect">
-            <a:avLst/>
-          </a:prstGeom>
-          <a:noFill/>
-          <a:ln>
-            <a:solidFill>
-              <a:schemeClr val="tx1"/>
-            </a:solidFill>
-          </a:ln>
-        </p:spPr>
-        <p:style>
-          <a:lnRef idx="2">
-            <a:schemeClr val="accent1">
-              <a:shade val="50000"/>
-            </a:schemeClr>
-          </a:lnRef>
-          <a:fillRef idx="1">
-            <a:schemeClr val="accent1"/>
-          </a:fillRef>
-          <a:effectRef idx="0">
-            <a:schemeClr val="accent1"/>
-          </a:effectRef>
-          <a:fontRef idx="minor">
-            <a:schemeClr val="lt1"/>
-          </a:fontRef>
-        </p:style>
-        <p:txBody>
-          <a:bodyPr rtlCol="0" anchor="ctr"/>
-          <a:lstStyle/>
-          <a:p>
-            <a:r>
-              <a:rPr lang="en-US" sz="2400" dirty="0" smtClean="0">
-                <a:solidFill>
-                  <a:schemeClr val="tx1"/>
-                </a:solidFill>
-              </a:rPr>
-              <a:t>#! </a:t>
-            </a:r>
-            <a:r>
-              <a:rPr lang="en-US" sz="2400" dirty="0" err="1" smtClean="0">
-                <a:solidFill>
-                  <a:schemeClr val="tx1"/>
-                </a:solidFill>
-              </a:rPr>
-              <a:t>fullpath</a:t>
-            </a:r>
-            <a:r>
-              <a:rPr lang="en-US" sz="2400" dirty="0" smtClean="0">
-                <a:solidFill>
-                  <a:schemeClr val="tx1"/>
-                </a:solidFill>
-              </a:rPr>
-              <a:t>/</a:t>
-            </a:r>
-            <a:r>
-              <a:rPr lang="en-US" sz="2400" dirty="0" err="1" smtClean="0">
-                <a:solidFill>
-                  <a:schemeClr val="tx1"/>
-                </a:solidFill>
-              </a:rPr>
-              <a:t>julia</a:t>
-            </a:r>
-            <a:endParaRPr lang="en-US" sz="2400" dirty="0" smtClean="0">
-              <a:solidFill>
-                <a:schemeClr val="tx1"/>
-              </a:solidFill>
-            </a:endParaRPr>
-          </a:p>
-          <a:p>
-            <a:r>
-              <a:rPr lang="en-US" sz="2400" dirty="0" smtClean="0">
-                <a:solidFill>
-                  <a:schemeClr val="tx1"/>
-                </a:solidFill>
-              </a:rPr>
-              <a:t>n=</a:t>
-            </a:r>
-            <a:r>
-              <a:rPr lang="en-US" sz="2400" dirty="0" err="1" smtClean="0">
-                <a:solidFill>
-                  <a:schemeClr val="tx1"/>
-                </a:solidFill>
-              </a:rPr>
-              <a:t>int</a:t>
-            </a:r>
-            <a:r>
-              <a:rPr lang="en-US" sz="2400" dirty="0" smtClean="0">
-                <a:solidFill>
-                  <a:schemeClr val="tx1"/>
-                </a:solidFill>
-              </a:rPr>
-              <a:t>(ARGS[1])</a:t>
-            </a:r>
-          </a:p>
-          <a:p>
-            <a:r>
-              <a:rPr lang="en-US" sz="2400" dirty="0" err="1" smtClean="0">
-                <a:solidFill>
-                  <a:schemeClr val="tx1"/>
-                </a:solidFill>
-              </a:rPr>
-              <a:t>println</a:t>
-            </a:r>
-            <a:r>
-              <a:rPr lang="en-US" sz="2400" dirty="0" smtClean="0">
-                <a:solidFill>
-                  <a:schemeClr val="tx1"/>
-                </a:solidFill>
-              </a:rPr>
-              <a:t>(</a:t>
-            </a:r>
-            <a:r>
-              <a:rPr lang="en-US" sz="2400" dirty="0" err="1" smtClean="0">
-                <a:solidFill>
-                  <a:schemeClr val="tx1"/>
-                </a:solidFill>
-              </a:rPr>
-              <a:t>randn</a:t>
-            </a:r>
-            <a:r>
-              <a:rPr lang="en-US" sz="2400" dirty="0" smtClean="0">
-                <a:solidFill>
-                  <a:schemeClr val="tx1"/>
-                </a:solidFill>
-              </a:rPr>
-              <a:t>(</a:t>
-            </a:r>
-            <a:r>
-              <a:rPr lang="en-US" sz="2400" dirty="0" err="1" smtClean="0">
-                <a:solidFill>
-                  <a:schemeClr val="tx1"/>
-                </a:solidFill>
-              </a:rPr>
-              <a:t>n,n</a:t>
-            </a:r>
-            <a:r>
-              <a:rPr lang="en-US" sz="2400" dirty="0" smtClean="0">
-                <a:solidFill>
-                  <a:schemeClr val="tx1"/>
-                </a:solidFill>
-              </a:rPr>
-              <a:t>))</a:t>
-            </a:r>
-          </a:p>
-          <a:p>
-            <a:r>
-              <a:rPr lang="en-US" sz="2400" dirty="0" smtClean="0">
-                <a:solidFill>
-                  <a:schemeClr val="tx1"/>
-                </a:solidFill>
-              </a:rPr>
-              <a:t>count=0</a:t>
-            </a:r>
-          </a:p>
-          <a:p>
-            <a:r>
-              <a:rPr lang="en-US" sz="2400" dirty="0" smtClean="0">
-                <a:solidFill>
-                  <a:schemeClr val="tx1"/>
-                </a:solidFill>
-              </a:rPr>
-              <a:t>for </a:t>
-            </a:r>
-            <a:r>
-              <a:rPr lang="en-US" sz="2400" dirty="0" err="1" smtClean="0">
-                <a:solidFill>
-                  <a:schemeClr val="tx1"/>
-                </a:solidFill>
-              </a:rPr>
-              <a:t>i</a:t>
-            </a:r>
-            <a:r>
-              <a:rPr lang="en-US" sz="2400" dirty="0" smtClean="0">
-                <a:solidFill>
-                  <a:schemeClr val="tx1"/>
-                </a:solidFill>
-              </a:rPr>
-              <a:t>=1:n</a:t>
-            </a:r>
-          </a:p>
-          <a:p>
-            <a:r>
-              <a:rPr lang="en-US" sz="2400" dirty="0" smtClean="0">
-                <a:solidFill>
-                  <a:schemeClr val="tx1"/>
-                </a:solidFill>
-              </a:rPr>
-              <a:t>  a=</a:t>
-            </a:r>
-            <a:r>
-              <a:rPr lang="en-US" sz="2400" dirty="0" err="1" smtClean="0">
-                <a:solidFill>
-                  <a:schemeClr val="tx1"/>
-                </a:solidFill>
-              </a:rPr>
-              <a:t>randi</a:t>
-            </a:r>
-            <a:r>
-              <a:rPr lang="en-US" sz="2400" dirty="0" smtClean="0">
-                <a:solidFill>
-                  <a:schemeClr val="tx1"/>
-                </a:solidFill>
-              </a:rPr>
-              <a:t>(6,3)</a:t>
-            </a:r>
-          </a:p>
-          <a:p>
-            <a:r>
-              <a:rPr lang="en-US" sz="2400" dirty="0" smtClean="0">
-                <a:solidFill>
-                  <a:schemeClr val="tx1"/>
-                </a:solidFill>
-              </a:rPr>
-              <a:t>  count += (3==length(unique(a)))</a:t>
-            </a:r>
-          </a:p>
-          <a:p>
-            <a:r>
-              <a:rPr lang="en-US" sz="2400" dirty="0" smtClean="0">
-                <a:solidFill>
-                  <a:schemeClr val="tx1"/>
-                </a:solidFill>
-              </a:rPr>
-              <a:t>end</a:t>
-            </a:r>
-          </a:p>
-          <a:p>
-            <a:r>
-              <a:rPr lang="en-US" sz="2400" dirty="0" err="1" smtClean="0">
-                <a:solidFill>
-                  <a:schemeClr val="tx1"/>
-                </a:solidFill>
-              </a:rPr>
-              <a:t>println</a:t>
-            </a:r>
-            <a:r>
-              <a:rPr lang="en-US" sz="2400" dirty="0" smtClean="0">
-                <a:solidFill>
-                  <a:schemeClr val="tx1"/>
-                </a:solidFill>
-              </a:rPr>
-              <a:t>(count/n)</a:t>
-            </a:r>
-            <a:endParaRPr lang="en-US" sz="4000" dirty="0" smtClean="0">
-              <a:solidFill>
-                <a:schemeClr val="tx1"/>
-              </a:solidFill>
-            </a:endParaRPr>
-          </a:p>
-        </p:txBody>
-      </p:sp>
-      <p:sp>
-        <p:nvSpPr>
-          <p:cNvPr id="5" name="Content Placeholder 2"/>
-          <p:cNvSpPr>
-            <a:spLocks noGrp="1"/>
-          </p:cNvSpPr>
-          <p:nvPr>
-            <p:ph idx="1"/>
-          </p:nvPr>
-        </p:nvSpPr>
-        <p:spPr>
-          <a:xfrm>
-            <a:off x="5867400" y="2332037"/>
-            <a:ext cx="8229600" cy="4525963"/>
-          </a:xfrm>
-        </p:spPr>
-        <p:txBody>
-          <a:bodyPr/>
-          <a:lstStyle/>
-          <a:p>
-            <a:r>
-              <a:rPr lang="en-US" dirty="0" smtClean="0"/>
-              <a:t>in shell:</a:t>
-            </a:r>
-          </a:p>
-          <a:p>
-            <a:r>
-              <a:rPr lang="en-US" dirty="0" err="1" smtClean="0"/>
-              <a:t>chmod</a:t>
-            </a:r>
-            <a:r>
-              <a:rPr lang="en-US" dirty="0" smtClean="0"/>
-              <a:t> +x dice</a:t>
-            </a:r>
-          </a:p>
-          <a:p>
-            <a:r>
-              <a:rPr lang="en-US" dirty="0" smtClean="0"/>
-              <a:t>./dice 1000</a:t>
-            </a:r>
-            <a:endParaRPr lang="en-US" dirty="0"/>
-          </a:p>
-        </p:txBody>
-      </p:sp>
-      <p:sp>
-        <p:nvSpPr>
-          <p:cNvPr id="7" name="TextBox 6"/>
-          <p:cNvSpPr txBox="1"/>
-          <p:nvPr/>
-        </p:nvSpPr>
-        <p:spPr>
-          <a:xfrm>
-            <a:off x="685800" y="990600"/>
-            <a:ext cx="1042273" cy="707886"/>
-          </a:xfrm>
-          <a:prstGeom prst="rect">
-            <a:avLst/>
-          </a:prstGeom>
-          <a:noFill/>
-        </p:spPr>
-        <p:txBody>
-          <a:bodyPr wrap="none" rtlCol="0">
-            <a:spAutoFit/>
-          </a:bodyPr>
-          <a:lstStyle/>
-          <a:p>
-            <a:r>
-              <a:rPr lang="en-US" sz="4000" dirty="0" smtClean="0"/>
-              <a:t>dice</a:t>
-            </a:r>
-            <a:endParaRPr lang="en-US" sz="4000" dirty="0"/>
-          </a:p>
-        </p:txBody>
-      </p:sp>
-    </p:spTree>
-  </p:cSld>
-  <p:clrMapOvr>
-    <a:masterClrMapping/>
-  </p:clrMapOvr>
-  <p:timing>
-    <p:tnLst>
-      <p:par>
-        <p:cTn id="1" dur="indefinite" restart="never" nodeType="tmRoot"/>
-      </p:par>
-    </p:tnLst>
-  </p:timing>
-</p:sld>
-</file>
-
-<file path=ppt/slides/slide16.xml><?xml version="1.0" encoding="utf-8"?>
-<p:sld xmlns:a="http://schemas.openxmlformats.org/drawingml/2006/main" xmlns:r="http://schemas.openxmlformats.org/officeDocument/2006/relationships" xmlns:p="http://schemas.openxmlformats.org/presentationml/2006/main">
-  <p:cSld>
-    <p:spTree>
-      <p:nvGrpSpPr>
-        <p:cNvPr id="1" name=""/>
-        <p:cNvGrpSpPr/>
-        <p:nvPr/>
-      </p:nvGrpSpPr>
-      <p:grpSpPr>
-        <a:xfrm>
-          <a:off x="0" y="0"/>
-          <a:ext cx="0" cy="0"/>
-          <a:chOff x="0" y="0"/>
-          <a:chExt cx="0" cy="0"/>
-        </a:xfrm>
-      </p:grpSpPr>
-      <p:sp>
-        <p:nvSpPr>
-          <p:cNvPr id="2" name="Title 1"/>
-          <p:cNvSpPr>
-            <a:spLocks noGrp="1"/>
-          </p:cNvSpPr>
-          <p:nvPr>
-            <p:ph type="title"/>
-          </p:nvPr>
-        </p:nvSpPr>
-        <p:spPr/>
-        <p:txBody>
-          <a:bodyPr/>
-          <a:lstStyle/>
-          <a:p>
-            <a:r>
-              <a:rPr lang="en-US" dirty="0" smtClean="0"/>
-              <a:t>Outside Calls</a:t>
-            </a:r>
-            <a:endParaRPr lang="en-US" dirty="0"/>
-          </a:p>
-        </p:txBody>
-      </p:sp>
-      <p:sp>
-        <p:nvSpPr>
-          <p:cNvPr id="3" name="Content Placeholder 2"/>
-          <p:cNvSpPr>
-            <a:spLocks noGrp="1"/>
-          </p:cNvSpPr>
-          <p:nvPr>
-            <p:ph idx="1"/>
-          </p:nvPr>
-        </p:nvSpPr>
-        <p:spPr/>
-        <p:txBody>
-          <a:bodyPr>
-            <a:normAutofit/>
-          </a:bodyPr>
-          <a:lstStyle/>
-          <a:p>
-            <a:r>
-              <a:rPr lang="en-US" dirty="0" smtClean="0"/>
-              <a:t>Shell</a:t>
-            </a:r>
-          </a:p>
-          <a:p>
-            <a:pPr lvl="1"/>
-            <a:r>
-              <a:rPr lang="en-US" dirty="0" smtClean="0"/>
-              <a:t>run(`cal`)</a:t>
-            </a:r>
-          </a:p>
-          <a:p>
-            <a:pPr lvl="1"/>
-            <a:r>
-              <a:rPr lang="en-US" dirty="0" smtClean="0"/>
-              <a:t>run(`cal` | `</a:t>
-            </a:r>
-            <a:r>
-              <a:rPr lang="en-US" dirty="0" err="1" smtClean="0"/>
-              <a:t>grep</a:t>
-            </a:r>
-            <a:r>
-              <a:rPr lang="en-US" dirty="0" smtClean="0"/>
-              <a:t> Sa`)</a:t>
-            </a:r>
-          </a:p>
-          <a:p>
-            <a:r>
-              <a:rPr lang="en-US" dirty="0" smtClean="0"/>
-              <a:t>C-function call</a:t>
-            </a:r>
-          </a:p>
-          <a:p>
-            <a:pPr lvl="1"/>
-            <a:r>
-              <a:rPr lang="en-US" dirty="0" err="1" smtClean="0"/>
-              <a:t>ccall</a:t>
-            </a:r>
-            <a:r>
-              <a:rPr lang="en-US" dirty="0" smtClean="0"/>
-              <a:t>(:clock, Int32, ())</a:t>
-            </a:r>
-          </a:p>
-          <a:p>
-            <a:pPr lvl="1"/>
-            <a:r>
-              <a:rPr lang="en-US" dirty="0" err="1" smtClean="0"/>
-              <a:t>bytestring</a:t>
-            </a:r>
-            <a:r>
-              <a:rPr lang="en-US" dirty="0" smtClean="0"/>
-              <a:t>(</a:t>
-            </a:r>
-            <a:r>
-              <a:rPr lang="en-US" dirty="0" err="1" smtClean="0"/>
-              <a:t>ccall</a:t>
-            </a:r>
-            <a:r>
-              <a:rPr lang="en-US" dirty="0" smtClean="0"/>
-              <a:t>(:</a:t>
-            </a:r>
-            <a:r>
-              <a:rPr lang="en-US" dirty="0" err="1" smtClean="0"/>
-              <a:t>ctime</a:t>
-            </a:r>
-            <a:r>
-              <a:rPr lang="en-US" dirty="0" smtClean="0"/>
-              <a:t>, </a:t>
-            </a:r>
-            <a:r>
-              <a:rPr lang="en-US" dirty="0" err="1" smtClean="0"/>
-              <a:t>Ptr</a:t>
-            </a:r>
-            <a:r>
-              <a:rPr lang="en-US" dirty="0" smtClean="0"/>
-              <a:t>{Uint8}, ()))</a:t>
-            </a:r>
-          </a:p>
-          <a:p>
-            <a:pPr lvl="1">
-              <a:buNone/>
-            </a:pPr>
-            <a:r>
-              <a:rPr lang="en-US" dirty="0" smtClean="0"/>
-              <a:t/>
-            </a:r>
-            <a:br>
-              <a:rPr lang="en-US" dirty="0" smtClean="0"/>
-            </a:br>
-            <a:endParaRPr lang="en-US" dirty="0"/>
-          </a:p>
-        </p:txBody>
-      </p:sp>
-    </p:spTree>
-  </p:cSld>
-  <p:clrMapOvr>
-    <a:masterClrMapping/>
-  </p:clrMapOvr>
-  <p:timing>
-    <p:tnLst>
-      <p:par>
-        <p:cTn id="1" dur="indefinite" restart="never" nodeType="tmRoot"/>
-      </p:par>
-    </p:tnLst>
-  </p:timing>
-</p:sld>
-</file>
-
-<file path=ppt/slides/slide17.xml><?xml version="1.0" encoding="utf-8"?>
-<p:sld xmlns:a="http://schemas.openxmlformats.org/drawingml/2006/main" xmlns:r="http://schemas.openxmlformats.org/officeDocument/2006/relationships" xmlns:p="http://schemas.openxmlformats.org/presentationml/2006/main">
-  <p:cSld>
-    <p:spTree>
-      <p:nvGrpSpPr>
-        <p:cNvPr id="1" name=""/>
-        <p:cNvGrpSpPr/>
-        <p:nvPr/>
-      </p:nvGrpSpPr>
-      <p:grpSpPr>
-        <a:xfrm>
-          <a:off x="0" y="0"/>
-          <a:ext cx="0" cy="0"/>
-          <a:chOff x="0" y="0"/>
-          <a:chExt cx="0" cy="0"/>
-        </a:xfrm>
-      </p:grpSpPr>
-      <p:sp>
-        <p:nvSpPr>
-          <p:cNvPr id="2" name="Title 1"/>
-          <p:cNvSpPr>
-            <a:spLocks noGrp="1"/>
-          </p:cNvSpPr>
-          <p:nvPr>
-            <p:ph type="title"/>
-          </p:nvPr>
-        </p:nvSpPr>
-        <p:spPr/>
-        <p:txBody>
-          <a:bodyPr>
-            <a:normAutofit/>
-          </a:bodyPr>
-          <a:lstStyle/>
-          <a:p>
-            <a:r>
-              <a:rPr lang="en-US" dirty="0" smtClean="0"/>
-              <a:t>Punctuation Review</a:t>
-            </a:r>
-            <a:endParaRPr lang="en-US" dirty="0"/>
-          </a:p>
-        </p:txBody>
-      </p:sp>
-      <p:sp>
-        <p:nvSpPr>
-          <p:cNvPr id="3" name="Content Placeholder 2"/>
-          <p:cNvSpPr>
-            <a:spLocks noGrp="1"/>
-          </p:cNvSpPr>
-          <p:nvPr>
-            <p:ph idx="1"/>
-          </p:nvPr>
-        </p:nvSpPr>
-        <p:spPr/>
-        <p:txBody>
-          <a:bodyPr>
-            <a:normAutofit fontScale="85000" lnSpcReduction="20000"/>
-          </a:bodyPr>
-          <a:lstStyle/>
-          <a:p>
-            <a:pPr marL="0" indent="0">
-              <a:buNone/>
-            </a:pPr>
-            <a:r>
-              <a:rPr lang="en-US" dirty="0" smtClean="0"/>
-              <a:t>() Parentheses:  </a:t>
-            </a:r>
-          </a:p>
-          <a:p>
-            <a:pPr marL="0" indent="0">
-              <a:buNone/>
-            </a:pPr>
-            <a:r>
-              <a:rPr lang="en-US" dirty="0"/>
-              <a:t>	</a:t>
-            </a:r>
-            <a:r>
-              <a:rPr lang="en-US" dirty="0" smtClean="0"/>
-              <a:t>Function Calls</a:t>
-            </a:r>
-          </a:p>
-          <a:p>
-            <a:pPr marL="0" indent="0">
-              <a:buNone/>
-            </a:pPr>
-            <a:r>
-              <a:rPr lang="en-US" dirty="0"/>
-              <a:t>	</a:t>
-            </a:r>
-            <a:r>
-              <a:rPr lang="en-US" dirty="0" smtClean="0"/>
-              <a:t>	Required! </a:t>
-            </a:r>
-            <a:r>
-              <a:rPr lang="en-US" dirty="0"/>
-              <a:t>q</a:t>
-            </a:r>
-            <a:r>
-              <a:rPr lang="en-US" dirty="0" smtClean="0"/>
-              <a:t>uit(),tic(),</a:t>
-            </a:r>
-            <a:r>
-              <a:rPr lang="en-US" dirty="0" err="1" smtClean="0"/>
-              <a:t>toc</a:t>
-            </a:r>
-            <a:r>
-              <a:rPr lang="en-US" dirty="0" smtClean="0"/>
-              <a:t>(),help()</a:t>
-            </a:r>
-          </a:p>
-          <a:p>
-            <a:pPr marL="0" indent="0">
-              <a:buNone/>
-            </a:pPr>
-            <a:r>
-              <a:rPr lang="en-US" dirty="0"/>
-              <a:t>	</a:t>
-            </a:r>
-            <a:r>
-              <a:rPr lang="en-US" dirty="0" smtClean="0"/>
-              <a:t>Output Arguments</a:t>
-            </a:r>
-          </a:p>
-          <a:p>
-            <a:pPr marL="0" indent="0">
-              <a:buNone/>
-            </a:pPr>
-            <a:r>
-              <a:rPr lang="en-US" dirty="0" smtClean="0"/>
-              <a:t>[] Brackets:</a:t>
-            </a:r>
-          </a:p>
-          <a:p>
-            <a:pPr marL="0" indent="0">
-              <a:buNone/>
-            </a:pPr>
-            <a:r>
-              <a:rPr lang="en-US" dirty="0"/>
-              <a:t>	</a:t>
-            </a:r>
-            <a:r>
-              <a:rPr lang="en-US" dirty="0" smtClean="0"/>
-              <a:t>Indexing</a:t>
-            </a:r>
-          </a:p>
-          <a:p>
-            <a:pPr marL="0" indent="0">
-              <a:buNone/>
-            </a:pPr>
-            <a:r>
-              <a:rPr lang="en-US" dirty="0"/>
-              <a:t>	</a:t>
-            </a:r>
-            <a:r>
-              <a:rPr lang="en-US" dirty="0" smtClean="0"/>
-              <a:t>Array Constructors</a:t>
-            </a:r>
-          </a:p>
-          <a:p>
-            <a:pPr marL="0" indent="0">
-              <a:buNone/>
-            </a:pPr>
-            <a:r>
-              <a:rPr lang="en-US" dirty="0"/>
-              <a:t>	</a:t>
-            </a:r>
-            <a:r>
-              <a:rPr lang="en-US" dirty="0" smtClean="0"/>
-              <a:t>	Comprehensions</a:t>
-            </a:r>
-          </a:p>
-          <a:p>
-            <a:pPr marL="0" indent="0">
-              <a:buNone/>
-            </a:pPr>
-            <a:r>
-              <a:rPr lang="en-US" dirty="0" smtClean="0"/>
-              <a:t>{} Braces:</a:t>
-            </a:r>
-          </a:p>
-          <a:p>
-            <a:pPr marL="0" indent="0">
-              <a:buNone/>
-            </a:pPr>
-            <a:r>
-              <a:rPr lang="en-US" dirty="0"/>
-              <a:t>	</a:t>
-            </a:r>
-            <a:r>
-              <a:rPr lang="en-US" dirty="0" smtClean="0"/>
-              <a:t>Any Arrays</a:t>
-            </a:r>
-            <a:endParaRPr lang="en-US" dirty="0"/>
-          </a:p>
-        </p:txBody>
-      </p:sp>
-    </p:spTree>
-    <p:extLst>
-      <p:ext uri="{BB962C8B-B14F-4D97-AF65-F5344CB8AC3E}">
-        <p14:creationId xmlns:p14="http://schemas.microsoft.com/office/powerpoint/2010/main" xmlns="" val="2677821849"/>
-      </p:ext>
-    </p:extLst>
-  </p:cSld>
-  <p:clrMapOvr>
-    <a:masterClrMapping/>
-  </p:clrMapOvr>
-  <p:timing>
-    <p:tnLst>
-      <p:par>
-        <p:cTn id="1" dur="indefinite" restart="never" nodeType="tmRoot"/>
-      </p:par>
-    </p:tnLst>
-  </p:timing>
-</p:sld>
-</file>
-
-<file path=ppt/slides/slide18.xml><?xml version="1.0" encoding="utf-8"?>
-<p:sld xmlns:a="http://schemas.openxmlformats.org/drawingml/2006/main" xmlns:r="http://schemas.openxmlformats.org/officeDocument/2006/relationships" xmlns:p="http://schemas.openxmlformats.org/presentationml/2006/main">
-  <p:cSld>
-    <p:spTree>
-      <p:nvGrpSpPr>
-        <p:cNvPr id="1" name=""/>
-        <p:cNvGrpSpPr/>
-        <p:nvPr/>
-      </p:nvGrpSpPr>
-      <p:grpSpPr>
-        <a:xfrm>
-          <a:off x="0" y="0"/>
-          <a:ext cx="0" cy="0"/>
-          <a:chOff x="0" y="0"/>
-          <a:chExt cx="0" cy="0"/>
-        </a:xfrm>
-      </p:grpSpPr>
-      <p:sp>
-        <p:nvSpPr>
-          <p:cNvPr id="2" name="Title 1"/>
-          <p:cNvSpPr>
-            <a:spLocks noGrp="1"/>
-          </p:cNvSpPr>
-          <p:nvPr>
-            <p:ph type="title"/>
-          </p:nvPr>
-        </p:nvSpPr>
-        <p:spPr/>
-        <p:txBody>
-          <a:bodyPr/>
-          <a:lstStyle/>
-          <a:p>
-            <a:r>
-              <a:rPr lang="en-US" dirty="0" smtClean="0"/>
-              <a:t>Packages</a:t>
-            </a:r>
-            <a:endParaRPr lang="en-US" dirty="0"/>
-          </a:p>
-        </p:txBody>
-      </p:sp>
-      <p:sp>
-        <p:nvSpPr>
-          <p:cNvPr id="3" name="Content Placeholder 2"/>
-          <p:cNvSpPr>
-            <a:spLocks noGrp="1"/>
-          </p:cNvSpPr>
-          <p:nvPr>
-            <p:ph idx="1"/>
-          </p:nvPr>
-        </p:nvSpPr>
-        <p:spPr/>
-        <p:txBody>
-          <a:bodyPr>
-            <a:normAutofit fontScale="92500" lnSpcReduction="10000"/>
-          </a:bodyPr>
-          <a:lstStyle/>
-          <a:p>
-            <a:r>
-              <a:rPr lang="en-US" dirty="0" smtClean="0"/>
-              <a:t>check out all the </a:t>
-            </a:r>
-            <a:r>
-              <a:rPr lang="en-US" dirty="0" smtClean="0"/>
-              <a:t>available packages </a:t>
-            </a:r>
-            <a:r>
-              <a:rPr lang="en-US" dirty="0" smtClean="0"/>
-              <a:t>off of docs.julialang.org</a:t>
-            </a:r>
-          </a:p>
-          <a:p>
-            <a:r>
-              <a:rPr lang="en-US" dirty="0" smtClean="0"/>
-              <a:t>Click, for example, on Calendar and get to the </a:t>
-            </a:r>
-            <a:r>
-              <a:rPr lang="en-US" dirty="0" err="1" smtClean="0"/>
-              <a:t>github</a:t>
-            </a:r>
-            <a:r>
-              <a:rPr lang="en-US" dirty="0" smtClean="0"/>
-              <a:t> project page</a:t>
-            </a:r>
-          </a:p>
-          <a:p>
-            <a:endParaRPr lang="en-US" dirty="0" smtClean="0"/>
-          </a:p>
-          <a:p>
-            <a:pPr marL="0" indent="0">
-              <a:buNone/>
-            </a:pPr>
-            <a:r>
-              <a:rPr lang="en-US" dirty="0" err="1" smtClean="0"/>
-              <a:t>Pkg.add</a:t>
-            </a:r>
-            <a:r>
-              <a:rPr lang="en-US" dirty="0" smtClean="0"/>
-              <a:t>(“Calendar”)   #Only first time</a:t>
-            </a:r>
-          </a:p>
-          <a:p>
-            <a:pPr marL="0" indent="0">
-              <a:buNone/>
-            </a:pPr>
-            <a:r>
-              <a:rPr lang="en-US" dirty="0" smtClean="0"/>
-              <a:t>using Calendar  #Calendar exists now </a:t>
-            </a:r>
-          </a:p>
-          <a:p>
-            <a:pPr marL="0" indent="0">
-              <a:buNone/>
-            </a:pPr>
-            <a:r>
-              <a:rPr lang="en-US" dirty="0" err="1" smtClean="0"/>
-              <a:t>Calendar.now</a:t>
-            </a:r>
-            <a:r>
-              <a:rPr lang="en-US" dirty="0" smtClean="0"/>
-              <a:t>()  </a:t>
-            </a:r>
-          </a:p>
-          <a:p>
-            <a:pPr marL="0" indent="0">
-              <a:buNone/>
-            </a:pPr>
-            <a:r>
-              <a:rPr lang="en-US" dirty="0" smtClean="0"/>
-              <a:t>now()   </a:t>
-            </a:r>
-            <a:endParaRPr lang="en-US" dirty="0"/>
-          </a:p>
-        </p:txBody>
-      </p:sp>
-    </p:spTree>
-    <p:extLst>
-      <p:ext uri="{BB962C8B-B14F-4D97-AF65-F5344CB8AC3E}">
-        <p14:creationId xmlns:p14="http://schemas.microsoft.com/office/powerpoint/2010/main" xmlns="" val="1659040882"/>
-      </p:ext>
-    </p:extLst>
-  </p:cSld>
-  <p:clrMapOvr>
-    <a:masterClrMapping/>
-  </p:clrMapOvr>
-  <p:timing>
-    <p:tnLst>
-      <p:par>
-        <p:cTn id="1" dur="indefinite" restart="never" nodeType="tmRoot"/>
-      </p:par>
-    </p:tnLst>
-  </p:timing>
-</p:sld>
-</file>
-
-<file path=ppt/slides/slide19.xml><?xml version="1.0" encoding="utf-8"?>
-<p:sld xmlns:a="http://schemas.openxmlformats.org/drawingml/2006/main" xmlns:r="http://schemas.openxmlformats.org/officeDocument/2006/relationships" xmlns:p="http://schemas.openxmlformats.org/presentationml/2006/main">
-  <p:cSld>
-    <p:spTree>
-      <p:nvGrpSpPr>
-        <p:cNvPr id="1" name=""/>
-        <p:cNvGrpSpPr/>
-        <p:nvPr/>
-      </p:nvGrpSpPr>
-      <p:grpSpPr>
-        <a:xfrm>
-          <a:off x="0" y="0"/>
-          <a:ext cx="0" cy="0"/>
-          <a:chOff x="0" y="0"/>
-          <a:chExt cx="0" cy="0"/>
-        </a:xfrm>
-      </p:grpSpPr>
-      <p:sp>
-        <p:nvSpPr>
-          <p:cNvPr id="2" name="Title 1"/>
-          <p:cNvSpPr>
-            <a:spLocks noGrp="1"/>
-          </p:cNvSpPr>
-          <p:nvPr>
-            <p:ph type="title"/>
-          </p:nvPr>
-        </p:nvSpPr>
-        <p:spPr/>
-        <p:txBody>
-          <a:bodyPr/>
-          <a:lstStyle/>
-          <a:p>
-            <a:r>
-              <a:rPr lang="en-US" dirty="0" smtClean="0"/>
-              <a:t>Packages (</a:t>
-            </a:r>
-            <a:r>
-              <a:rPr lang="en-US" dirty="0" err="1" smtClean="0"/>
-              <a:t>cont</a:t>
-            </a:r>
-            <a:r>
-              <a:rPr lang="en-US" dirty="0" smtClean="0"/>
-              <a:t>)</a:t>
-            </a:r>
-            <a:endParaRPr lang="en-US" dirty="0"/>
-          </a:p>
-        </p:txBody>
-      </p:sp>
-      <p:sp>
-        <p:nvSpPr>
-          <p:cNvPr id="3" name="Content Placeholder 2"/>
-          <p:cNvSpPr>
-            <a:spLocks noGrp="1"/>
-          </p:cNvSpPr>
-          <p:nvPr>
-            <p:ph idx="1"/>
-          </p:nvPr>
-        </p:nvSpPr>
-        <p:spPr/>
-        <p:txBody>
-          <a:bodyPr>
-            <a:normAutofit fontScale="85000" lnSpcReduction="20000"/>
-          </a:bodyPr>
-          <a:lstStyle/>
-          <a:p>
-            <a:r>
-              <a:rPr lang="en-US" dirty="0" smtClean="0"/>
-              <a:t>now()</a:t>
-            </a:r>
-          </a:p>
-          <a:p>
-            <a:r>
-              <a:rPr lang="en-US" dirty="0" smtClean="0"/>
-              <a:t>Calendar.&lt;tab&gt;</a:t>
-            </a:r>
-          </a:p>
-          <a:p>
-            <a:r>
-              <a:rPr lang="en-US" dirty="0" smtClean="0"/>
-              <a:t>quit() # get out of </a:t>
-            </a:r>
-            <a:r>
-              <a:rPr lang="en-US" dirty="0" err="1" smtClean="0"/>
-              <a:t>julia</a:t>
-            </a:r>
-            <a:r>
-              <a:rPr lang="en-US" dirty="0" smtClean="0"/>
-              <a:t> and back in</a:t>
-            </a:r>
-          </a:p>
-          <a:p>
-            <a:r>
-              <a:rPr lang="en-US" dirty="0" smtClean="0"/>
-              <a:t>now    # find line number in source</a:t>
-            </a:r>
-          </a:p>
-          <a:p>
-            <a:r>
-              <a:rPr lang="en-US" dirty="0" smtClean="0"/>
-              <a:t>#click on “</a:t>
-            </a:r>
-            <a:r>
-              <a:rPr lang="en-US" dirty="0" err="1" smtClean="0"/>
-              <a:t>src</a:t>
-            </a:r>
-            <a:r>
-              <a:rPr lang="en-US" dirty="0" smtClean="0"/>
-              <a:t>”</a:t>
-            </a:r>
-          </a:p>
-          <a:p>
-            <a:r>
-              <a:rPr lang="en-US" dirty="0" err="1" smtClean="0"/>
-              <a:t>typeof</a:t>
-            </a:r>
-            <a:r>
-              <a:rPr lang="en-US" dirty="0" smtClean="0"/>
-              <a:t>(now())</a:t>
-            </a:r>
-          </a:p>
-          <a:p>
-            <a:r>
-              <a:rPr lang="en-US" dirty="0" smtClean="0"/>
-              <a:t>n=now()</a:t>
-            </a:r>
-          </a:p>
-          <a:p>
-            <a:r>
-              <a:rPr lang="en-US" dirty="0" smtClean="0"/>
-              <a:t>n.tz</a:t>
-            </a:r>
-          </a:p>
-          <a:p>
-            <a:r>
-              <a:rPr lang="en-US" dirty="0" err="1" smtClean="0"/>
-              <a:t>n.millis</a:t>
-            </a:r>
-            <a:endParaRPr lang="en-US" dirty="0" smtClean="0"/>
-          </a:p>
-          <a:p>
-            <a:r>
-              <a:rPr lang="en-US" dirty="0"/>
-              <a:t>z=convert(Array, @parallel [ </a:t>
-            </a:r>
-            <a:r>
-              <a:rPr lang="en-US" dirty="0" err="1"/>
-              <a:t>Calendar.now</a:t>
-            </a:r>
-            <a:r>
-              <a:rPr lang="en-US" dirty="0"/>
-              <a:t>().</a:t>
-            </a:r>
-            <a:r>
-              <a:rPr lang="en-US" dirty="0" err="1"/>
-              <a:t>millis</a:t>
-            </a:r>
-            <a:r>
-              <a:rPr lang="en-US" dirty="0"/>
-              <a:t>  for x=1:10]);z-mean(z)</a:t>
-            </a:r>
-          </a:p>
-          <a:p>
-            <a:endParaRPr lang="en-US" dirty="0" smtClean="0"/>
-          </a:p>
-        </p:txBody>
-      </p:sp>
-    </p:spTree>
-    <p:extLst>
-      <p:ext uri="{BB962C8B-B14F-4D97-AF65-F5344CB8AC3E}">
-        <p14:creationId xmlns:p14="http://schemas.microsoft.com/office/powerpoint/2010/main" xmlns="" val="4267242084"/>
-      </p:ext>
-    </p:extLst>
-  </p:cSld>
-  <p:clrMapOvr>
-    <a:masterClrMapping/>
-  </p:clrMapOvr>
-  <p:timing>
-    <p:tnLst>
-      <p:par>
-        <p:cTn id="1" dur="indefinite" restart="never" nodeType="tmRoot"/>
-      </p:par>
-    </p:tnLst>
-  </p:timing>
-</p:sld>
-</file>
-
-<file path=ppt/slides/slide2.xml><?xml version="1.0" encoding="utf-8"?>
-<p:sld xmlns:a="http://schemas.openxmlformats.org/drawingml/2006/main" xmlns:r="http://schemas.openxmlformats.org/officeDocument/2006/relationships" xmlns:p="http://schemas.openxmlformats.org/presentationml/2006/main">
-  <p:cSld>
-    <p:spTree>
-      <p:nvGrpSpPr>
-        <p:cNvPr id="1" name=""/>
-        <p:cNvGrpSpPr/>
-        <p:nvPr/>
-      </p:nvGrpSpPr>
-      <p:grpSpPr>
-        <a:xfrm>
-          <a:off x="0" y="0"/>
-          <a:ext cx="0" cy="0"/>
-          <a:chOff x="0" y="0"/>
-          <a:chExt cx="0" cy="0"/>
-        </a:xfrm>
-      </p:grpSpPr>
-      <p:sp>
-        <p:nvSpPr>
-          <p:cNvPr id="2" name="Title 1"/>
-          <p:cNvSpPr>
-            <a:spLocks noGrp="1"/>
-          </p:cNvSpPr>
-          <p:nvPr>
-            <p:ph type="title"/>
-          </p:nvPr>
-        </p:nvSpPr>
-        <p:spPr>
-          <a:xfrm>
-            <a:off x="457200" y="0"/>
-            <a:ext cx="8229600" cy="1143000"/>
-          </a:xfrm>
-        </p:spPr>
-        <p:txBody>
-          <a:bodyPr/>
-          <a:lstStyle/>
-          <a:p>
-            <a:r>
-              <a:rPr lang="en-US" dirty="0" smtClean="0"/>
-              <a:t>Schedule</a:t>
-            </a:r>
-            <a:endParaRPr lang="en-US" dirty="0"/>
-          </a:p>
-        </p:txBody>
-      </p:sp>
-      <p:pic>
-        <p:nvPicPr>
-          <p:cNvPr id="1026" name="Picture 2" descr="C:\Users\Edelman\Pictures\schedule.jpg"/>
-          <p:cNvPicPr>
-            <a:picLocks noGrp="1" noChangeAspect="1" noChangeArrowheads="1"/>
-          </p:cNvPicPr>
-          <p:nvPr>
-            <p:ph idx="1"/>
-          </p:nvPr>
-        </p:nvPicPr>
-        <p:blipFill>
-          <a:blip r:embed="rId2" cstate="print">
-            <a:extLst>
-              <a:ext uri="{28A0092B-C50C-407E-A947-70E740481C1C}">
-                <a14:useLocalDpi xmlns:a14="http://schemas.microsoft.com/office/drawing/2010/main" xmlns="" val="0"/>
-              </a:ext>
-            </a:extLst>
-          </a:blip>
-          <a:srcRect/>
-          <a:stretch>
-            <a:fillRect/>
-          </a:stretch>
-        </p:blipFill>
-        <p:spPr bwMode="auto">
-          <a:xfrm>
-            <a:off x="838200" y="990600"/>
-            <a:ext cx="7239000" cy="5112544"/>
-          </a:xfrm>
-          <a:prstGeom prst="rect">
-            <a:avLst/>
-          </a:prstGeom>
-          <a:noFill/>
-          <a:extLst>
-            <a:ext uri="{909E8E84-426E-40DD-AFC4-6F175D3DCCD1}">
-              <a14:hiddenFill xmlns:a14="http://schemas.microsoft.com/office/drawing/2010/main" xmlns="">
-                <a:solidFill>
-                  <a:srgbClr val="FFFFFF"/>
-                </a:solidFill>
-              </a14:hiddenFill>
-            </a:ext>
-          </a:extLst>
-        </p:spPr>
-      </p:pic>
-    </p:spTree>
-    <p:extLst>
-      <p:ext uri="{BB962C8B-B14F-4D97-AF65-F5344CB8AC3E}">
-        <p14:creationId xmlns:p14="http://schemas.microsoft.com/office/powerpoint/2010/main" xmlns="" val="2367186083"/>
-      </p:ext>
-    </p:extLst>
-  </p:cSld>
-  <p:clrMapOvr>
-    <a:masterClrMapping/>
-  </p:clrMapOvr>
-  <p:timing>
-    <p:tnLst>
-      <p:par>
-        <p:cTn id="1" dur="indefinite" restart="never" nodeType="tmRoot"/>
-      </p:par>
-    </p:tnLst>
-  </p:timing>
-</p:sld>
-</file>
-
-<file path=ppt/slides/slide20.xml><?xml version="1.0" encoding="utf-8"?>
-<p:sld xmlns:a="http://schemas.openxmlformats.org/drawingml/2006/main" xmlns:r="http://schemas.openxmlformats.org/officeDocument/2006/relationships" xmlns:p="http://schemas.openxmlformats.org/presentationml/2006/main">
-  <p:cSld>
-    <p:spTree>
-      <p:nvGrpSpPr>
-        <p:cNvPr id="1" name=""/>
-        <p:cNvGrpSpPr/>
-        <p:nvPr/>
-      </p:nvGrpSpPr>
-      <p:grpSpPr>
-        <a:xfrm>
-          <a:off x="0" y="0"/>
-          <a:ext cx="0" cy="0"/>
-          <a:chOff x="0" y="0"/>
-          <a:chExt cx="0" cy="0"/>
-        </a:xfrm>
-      </p:grpSpPr>
-      <p:sp>
-        <p:nvSpPr>
-          <p:cNvPr id="2" name="Title 1"/>
-          <p:cNvSpPr>
-            <a:spLocks noGrp="1"/>
-          </p:cNvSpPr>
-          <p:nvPr>
-            <p:ph type="title"/>
-          </p:nvPr>
-        </p:nvSpPr>
-        <p:spPr/>
-        <p:txBody>
-          <a:bodyPr/>
-          <a:lstStyle/>
-          <a:p>
-            <a:r>
-              <a:rPr lang="en-US" dirty="0" smtClean="0"/>
-              <a:t>Interesting Type</a:t>
-            </a:r>
-            <a:endParaRPr lang="en-US" dirty="0"/>
-          </a:p>
-        </p:txBody>
-      </p:sp>
-      <p:sp>
-        <p:nvSpPr>
-          <p:cNvPr id="3" name="Content Placeholder 2"/>
-          <p:cNvSpPr>
-            <a:spLocks noGrp="1"/>
-          </p:cNvSpPr>
-          <p:nvPr>
-            <p:ph idx="1"/>
-          </p:nvPr>
-        </p:nvSpPr>
-        <p:spPr/>
-        <p:txBody>
-          <a:bodyPr>
-            <a:normAutofit fontScale="77500" lnSpcReduction="20000"/>
-          </a:bodyPr>
-          <a:lstStyle/>
-          <a:p>
-            <a:pPr marL="0" indent="0">
-              <a:buNone/>
-            </a:pPr>
-            <a:r>
-              <a:rPr lang="en-US" dirty="0" err="1" smtClean="0"/>
-              <a:t>strang</a:t>
-            </a:r>
-            <a:r>
-              <a:rPr lang="en-US" dirty="0" smtClean="0"/>
-              <a:t>(n)=</a:t>
-            </a:r>
-            <a:r>
-              <a:rPr lang="en-US" dirty="0" err="1" smtClean="0"/>
-              <a:t>SymTridiagonal</a:t>
-            </a:r>
-            <a:r>
-              <a:rPr lang="en-US" dirty="0" smtClean="0"/>
-              <a:t>(2*ones(n),-ones(n-1))</a:t>
-            </a:r>
-          </a:p>
-          <a:p>
-            <a:pPr marL="0" indent="0">
-              <a:buNone/>
-            </a:pPr>
-            <a:r>
-              <a:rPr lang="en-US" dirty="0" smtClean="0"/>
-              <a:t>lit=</a:t>
-            </a:r>
-            <a:r>
-              <a:rPr lang="en-US" dirty="0" err="1" smtClean="0"/>
-              <a:t>strang</a:t>
-            </a:r>
-            <a:r>
-              <a:rPr lang="en-US" dirty="0" smtClean="0"/>
-              <a:t>(500)</a:t>
-            </a:r>
-          </a:p>
-          <a:p>
-            <a:pPr marL="0" indent="0">
-              <a:buNone/>
-            </a:pPr>
-            <a:r>
-              <a:rPr lang="en-US" dirty="0" smtClean="0"/>
-              <a:t>big=full(</a:t>
-            </a:r>
-            <a:r>
-              <a:rPr lang="en-US" dirty="0" err="1" smtClean="0"/>
-              <a:t>strang</a:t>
-            </a:r>
-            <a:r>
-              <a:rPr lang="en-US" dirty="0" smtClean="0"/>
-              <a:t>(500))</a:t>
-            </a:r>
-          </a:p>
-          <a:p>
-            <a:pPr marL="0" indent="0">
-              <a:buNone/>
-            </a:pPr>
-            <a:r>
-              <a:rPr lang="en-US" dirty="0" smtClean="0"/>
-              <a:t>@time </a:t>
-            </a:r>
-            <a:r>
-              <a:rPr lang="en-US" dirty="0" err="1" smtClean="0"/>
-              <a:t>eigvals</a:t>
-            </a:r>
-            <a:r>
-              <a:rPr lang="en-US" dirty="0" smtClean="0"/>
-              <a:t>(lit)</a:t>
-            </a:r>
-          </a:p>
-          <a:p>
-            <a:pPr marL="0" indent="0">
-              <a:buNone/>
-            </a:pPr>
-            <a:r>
-              <a:rPr lang="en-US" dirty="0" smtClean="0"/>
-              <a:t>@time </a:t>
-            </a:r>
-            <a:r>
-              <a:rPr lang="en-US" dirty="0" err="1" smtClean="0"/>
-              <a:t>eigvals</a:t>
-            </a:r>
-            <a:r>
-              <a:rPr lang="en-US" dirty="0" smtClean="0"/>
-              <a:t>(big)</a:t>
-            </a:r>
-          </a:p>
-          <a:p>
-            <a:pPr marL="0" indent="0">
-              <a:buNone/>
-            </a:pPr>
-            <a:r>
-              <a:rPr lang="en-US" dirty="0" err="1" smtClean="0"/>
-              <a:t>big+big</a:t>
-            </a:r>
-            <a:r>
-              <a:rPr lang="en-US" dirty="0" smtClean="0"/>
-              <a:t>;</a:t>
-            </a:r>
-          </a:p>
-          <a:p>
-            <a:pPr marL="0" indent="0">
-              <a:buNone/>
-            </a:pPr>
-            <a:r>
-              <a:rPr lang="en-US" dirty="0" err="1" smtClean="0"/>
-              <a:t>lit+lit</a:t>
-            </a:r>
-            <a:r>
-              <a:rPr lang="en-US" dirty="0" smtClean="0"/>
-              <a:t>;  #watch it break</a:t>
-            </a:r>
-          </a:p>
-          <a:p>
-            <a:pPr marL="0" indent="0">
-              <a:buNone/>
-            </a:pPr>
-            <a:r>
-              <a:rPr lang="en-US" dirty="0"/>
-              <a:t>import Base.+</a:t>
-            </a:r>
-          </a:p>
-          <a:p>
-            <a:pPr marL="0" indent="0">
-              <a:buNone/>
-            </a:pPr>
-            <a:r>
-              <a:rPr lang="en-US" dirty="0" err="1"/>
-              <a:t>xdump</a:t>
-            </a:r>
-            <a:r>
-              <a:rPr lang="en-US" dirty="0"/>
-              <a:t>(lit)</a:t>
-            </a:r>
-          </a:p>
-          <a:p>
-            <a:pPr marL="0" indent="0">
-              <a:buNone/>
-            </a:pPr>
-            <a:r>
-              <a:rPr lang="en-US" dirty="0"/>
-              <a:t>+(a::</a:t>
-            </a:r>
-            <a:r>
-              <a:rPr lang="en-US" dirty="0" err="1"/>
-              <a:t>SymTridiagonal,b</a:t>
-            </a:r>
-            <a:r>
-              <a:rPr lang="en-US" dirty="0"/>
-              <a:t>::</a:t>
-            </a:r>
-            <a:r>
-              <a:rPr lang="en-US" dirty="0" err="1"/>
-              <a:t>SymTridiagonal</a:t>
-            </a:r>
-            <a:r>
-              <a:rPr lang="en-US" dirty="0"/>
-              <a:t>)=</a:t>
-            </a:r>
-            <a:r>
-              <a:rPr lang="en-US" dirty="0" err="1"/>
-              <a:t>SymTridiagonal</a:t>
-            </a:r>
-            <a:r>
-              <a:rPr lang="en-US" dirty="0"/>
-              <a:t>(</a:t>
-            </a:r>
-            <a:r>
-              <a:rPr lang="en-US" dirty="0" err="1"/>
-              <a:t>a.dv+b.dv,a.ev+b.ev</a:t>
-            </a:r>
-            <a:r>
-              <a:rPr lang="en-US" dirty="0"/>
-              <a:t>)</a:t>
-            </a:r>
-          </a:p>
-          <a:p>
-            <a:pPr marL="0" indent="0">
-              <a:buNone/>
-            </a:pPr>
-            <a:r>
-              <a:rPr lang="en-US" dirty="0" err="1"/>
-              <a:t>lit+lit</a:t>
-            </a:r>
-            <a:endParaRPr lang="en-US" dirty="0"/>
-          </a:p>
-          <a:p>
-            <a:pPr marL="0" indent="0">
-              <a:buNone/>
-            </a:pPr>
-            <a:endParaRPr lang="en-US" dirty="0" smtClean="0"/>
-          </a:p>
-          <a:p>
-            <a:pPr marL="0" indent="0">
-              <a:buNone/>
-            </a:pPr>
-            <a:endParaRPr lang="en-US" dirty="0" smtClean="0"/>
-          </a:p>
-          <a:p>
-            <a:endParaRPr lang="en-US" dirty="0"/>
-          </a:p>
-        </p:txBody>
-      </p:sp>
-    </p:spTree>
-    <p:extLst>
-      <p:ext uri="{BB962C8B-B14F-4D97-AF65-F5344CB8AC3E}">
-        <p14:creationId xmlns:p14="http://schemas.microsoft.com/office/powerpoint/2010/main" xmlns="" val="822410986"/>
-      </p:ext>
-    </p:extLst>
-  </p:cSld>
-  <p:clrMapOvr>
-    <a:masterClrMapping/>
-  </p:clrMapOvr>
-  <p:timing>
-    <p:tnLst>
-      <p:par>
-        <p:cTn id="1" dur="indefinite" restart="never" nodeType="tmRoot"/>
-      </p:par>
-    </p:tnLst>
-  </p:timing>
-</p:sld>
-</file>
-
-<file path=ppt/slides/slide21.xml><?xml version="1.0" encoding="utf-8"?>
-<p:sld xmlns:a="http://schemas.openxmlformats.org/drawingml/2006/main" xmlns:r="http://schemas.openxmlformats.org/officeDocument/2006/relationships" xmlns:p="http://schemas.openxmlformats.org/presentationml/2006/main">
-  <p:cSld>
-    <p:spTree>
-      <p:nvGrpSpPr>
-        <p:cNvPr id="1" name=""/>
-        <p:cNvGrpSpPr/>
-        <p:nvPr/>
-      </p:nvGrpSpPr>
-      <p:grpSpPr>
-        <a:xfrm>
-          <a:off x="0" y="0"/>
-          <a:ext cx="0" cy="0"/>
-          <a:chOff x="0" y="0"/>
-          <a:chExt cx="0" cy="0"/>
-        </a:xfrm>
-      </p:grpSpPr>
-      <p:sp>
-        <p:nvSpPr>
-          <p:cNvPr id="2" name="Title 1"/>
-          <p:cNvSpPr>
-            <a:spLocks noGrp="1"/>
-          </p:cNvSpPr>
-          <p:nvPr>
-            <p:ph type="title"/>
-          </p:nvPr>
-        </p:nvSpPr>
-        <p:spPr/>
-        <p:txBody>
-          <a:bodyPr>
-            <a:normAutofit fontScale="90000"/>
-          </a:bodyPr>
-          <a:lstStyle/>
-          <a:p>
-            <a:r>
-              <a:rPr lang="en-US" dirty="0" smtClean="0"/>
-              <a:t>Tasks (“produce”)</a:t>
-            </a:r>
-            <a:br>
-              <a:rPr lang="en-US" dirty="0" smtClean="0"/>
-            </a:br>
-            <a:r>
-              <a:rPr lang="en-US" dirty="0" smtClean="0"/>
-              <a:t>“pause” and “play” later</a:t>
-            </a:r>
-            <a:br>
-              <a:rPr lang="en-US" dirty="0" smtClean="0"/>
-            </a:br>
-            <a:endParaRPr lang="en-US" dirty="0"/>
-          </a:p>
-        </p:txBody>
-      </p:sp>
-      <p:sp>
-        <p:nvSpPr>
-          <p:cNvPr id="3" name="Content Placeholder 2"/>
-          <p:cNvSpPr>
-            <a:spLocks noGrp="1"/>
-          </p:cNvSpPr>
-          <p:nvPr>
-            <p:ph idx="1"/>
-          </p:nvPr>
-        </p:nvSpPr>
-        <p:spPr>
-          <a:xfrm>
-            <a:off x="381000" y="1905000"/>
-            <a:ext cx="8229600" cy="4525963"/>
-          </a:xfrm>
-        </p:spPr>
-        <p:txBody>
-          <a:bodyPr>
-            <a:normAutofit fontScale="77500" lnSpcReduction="20000"/>
-          </a:bodyPr>
-          <a:lstStyle/>
-          <a:p>
-            <a:pPr marL="0" indent="0">
-              <a:buNone/>
-            </a:pPr>
-            <a:r>
-              <a:rPr lang="en-US" dirty="0" smtClean="0"/>
-              <a:t>function </a:t>
-            </a:r>
-            <a:r>
-              <a:rPr lang="en-US" dirty="0" err="1" smtClean="0"/>
-              <a:t>stepbystep</a:t>
-            </a:r>
-            <a:r>
-              <a:rPr lang="en-US" dirty="0" smtClean="0"/>
-              <a:t>()</a:t>
-            </a:r>
-          </a:p>
-          <a:p>
-            <a:pPr marL="0" indent="0">
-              <a:buNone/>
-            </a:pPr>
-            <a:r>
-              <a:rPr lang="en-US" dirty="0" smtClean="0"/>
-              <a:t>for n=1:3</a:t>
-            </a:r>
-          </a:p>
-          <a:p>
-            <a:pPr marL="0" indent="0">
-              <a:buNone/>
-            </a:pPr>
-            <a:r>
-              <a:rPr lang="en-US" dirty="0"/>
-              <a:t> </a:t>
-            </a:r>
-            <a:r>
-              <a:rPr lang="en-US" dirty="0" smtClean="0"/>
-              <a:t>      produce(n^2)</a:t>
-            </a:r>
-          </a:p>
-          <a:p>
-            <a:pPr marL="0" indent="0">
-              <a:buNone/>
-            </a:pPr>
-            <a:r>
-              <a:rPr lang="en-US" dirty="0"/>
-              <a:t> </a:t>
-            </a:r>
-            <a:r>
-              <a:rPr lang="en-US" dirty="0" smtClean="0"/>
-              <a:t> end</a:t>
-            </a:r>
-          </a:p>
-          <a:p>
-            <a:pPr marL="0" indent="0">
-              <a:buNone/>
-            </a:pPr>
-            <a:r>
-              <a:rPr lang="en-US" dirty="0" smtClean="0"/>
-              <a:t>end</a:t>
-            </a:r>
-          </a:p>
-          <a:p>
-            <a:pPr marL="0" indent="0">
-              <a:buNone/>
-            </a:pPr>
-            <a:endParaRPr lang="en-US" dirty="0"/>
-          </a:p>
-          <a:p>
-            <a:pPr marL="0" indent="0">
-              <a:buNone/>
-            </a:pPr>
-            <a:r>
-              <a:rPr lang="en-US" dirty="0" smtClean="0"/>
-              <a:t>p=Task(</a:t>
-            </a:r>
-            <a:r>
-              <a:rPr lang="en-US" dirty="0" err="1" smtClean="0"/>
-              <a:t>stepbystep</a:t>
-            </a:r>
-            <a:r>
-              <a:rPr lang="en-US" dirty="0" smtClean="0"/>
-              <a:t>); </a:t>
-            </a:r>
-          </a:p>
-          <a:p>
-            <a:pPr marL="0" indent="0">
-              <a:buNone/>
-            </a:pPr>
-            <a:r>
-              <a:rPr lang="en-US" dirty="0" smtClean="0"/>
-              <a:t>consume(p)</a:t>
-            </a:r>
-          </a:p>
-          <a:p>
-            <a:pPr marL="0" indent="0">
-              <a:buNone/>
-            </a:pPr>
-            <a:r>
-              <a:rPr lang="en-US" dirty="0" smtClean="0"/>
-              <a:t>consume(p)</a:t>
-            </a:r>
-          </a:p>
-          <a:p>
-            <a:pPr marL="0" indent="0">
-              <a:buNone/>
-            </a:pPr>
-            <a:r>
-              <a:rPr lang="en-US" dirty="0" smtClean="0"/>
-              <a:t>consume(p)</a:t>
-            </a:r>
-          </a:p>
-          <a:p>
-            <a:pPr marL="0" indent="0">
-              <a:buNone/>
-            </a:pPr>
-            <a:r>
-              <a:rPr lang="en-US" dirty="0" smtClean="0"/>
-              <a:t>consume(p)  #What should happen now?</a:t>
-            </a:r>
-            <a:endParaRPr lang="en-US" dirty="0"/>
-          </a:p>
-        </p:txBody>
-      </p:sp>
-    </p:spTree>
-    <p:extLst>
-      <p:ext uri="{BB962C8B-B14F-4D97-AF65-F5344CB8AC3E}">
-        <p14:creationId xmlns:p14="http://schemas.microsoft.com/office/powerpoint/2010/main" xmlns="" val="967860752"/>
-      </p:ext>
-    </p:extLst>
-  </p:cSld>
-  <p:clrMapOvr>
-    <a:masterClrMapping/>
-  </p:clrMapOvr>
-  <p:timing>
-    <p:tnLst>
-      <p:par>
-        <p:cTn id="1" dur="indefinite" restart="never" nodeType="tmRoot"/>
-      </p:par>
-    </p:tnLst>
-  </p:timing>
-</p:sld>
-</file>
-
-<file path=ppt/slides/slide22.xml><?xml version="1.0" encoding="utf-8"?>
-<p:sld xmlns:a="http://schemas.openxmlformats.org/drawingml/2006/main" xmlns:r="http://schemas.openxmlformats.org/officeDocument/2006/relationships" xmlns:p="http://schemas.openxmlformats.org/presentationml/2006/main">
-  <p:cSld>
-    <p:spTree>
-      <p:nvGrpSpPr>
-        <p:cNvPr id="1" name=""/>
-        <p:cNvGrpSpPr/>
-        <p:nvPr/>
-      </p:nvGrpSpPr>
-      <p:grpSpPr>
-        <a:xfrm>
-          <a:off x="0" y="0"/>
-          <a:ext cx="0" cy="0"/>
-          <a:chOff x="0" y="0"/>
-          <a:chExt cx="0" cy="0"/>
-        </a:xfrm>
-      </p:grpSpPr>
-      <p:sp>
-        <p:nvSpPr>
-          <p:cNvPr id="2" name="Title 1"/>
-          <p:cNvSpPr>
-            <a:spLocks noGrp="1"/>
-          </p:cNvSpPr>
-          <p:nvPr>
-            <p:ph type="title"/>
-          </p:nvPr>
-        </p:nvSpPr>
-        <p:spPr/>
-        <p:txBody>
-          <a:bodyPr/>
-          <a:lstStyle/>
-          <a:p>
-            <a:r>
-              <a:rPr lang="en-US" dirty="0" smtClean="0"/>
-              <a:t>Parallelism (more later)</a:t>
-            </a:r>
-            <a:endParaRPr lang="en-US" dirty="0"/>
-          </a:p>
-        </p:txBody>
-      </p:sp>
-      <p:sp>
-        <p:nvSpPr>
-          <p:cNvPr id="3" name="Content Placeholder 2"/>
-          <p:cNvSpPr>
-            <a:spLocks noGrp="1"/>
-          </p:cNvSpPr>
-          <p:nvPr>
-            <p:ph idx="1"/>
-          </p:nvPr>
-        </p:nvSpPr>
-        <p:spPr/>
-        <p:txBody>
-          <a:bodyPr/>
-          <a:lstStyle/>
-          <a:p>
-            <a:r>
-              <a:rPr lang="en-US" dirty="0" err="1" smtClean="0"/>
-              <a:t>julia</a:t>
-            </a:r>
-            <a:r>
-              <a:rPr lang="en-US" dirty="0" smtClean="0"/>
-              <a:t> –p 5  #5 local processes</a:t>
-            </a:r>
-          </a:p>
-          <a:p>
-            <a:r>
-              <a:rPr lang="en-US" dirty="0" err="1" smtClean="0"/>
-              <a:t>julia</a:t>
-            </a:r>
-            <a:r>
-              <a:rPr lang="en-US" dirty="0" smtClean="0"/>
-              <a:t> –</a:t>
-            </a:r>
-            <a:r>
-              <a:rPr lang="en-US" dirty="0" err="1" smtClean="0"/>
-              <a:t>machinefile</a:t>
-            </a:r>
-            <a:r>
-              <a:rPr lang="en-US" dirty="0" smtClean="0"/>
-              <a:t> file #hosts in file</a:t>
-            </a:r>
-          </a:p>
-          <a:p>
-            <a:r>
-              <a:rPr lang="en-US" dirty="0" err="1" smtClean="0"/>
-              <a:t>addprocs_local</a:t>
-            </a:r>
-            <a:r>
-              <a:rPr lang="en-US" dirty="0" smtClean="0"/>
-              <a:t>(5)  #inside a </a:t>
-            </a:r>
-            <a:r>
-              <a:rPr lang="en-US" dirty="0" err="1" smtClean="0"/>
-              <a:t>julia</a:t>
-            </a:r>
-            <a:r>
-              <a:rPr lang="en-US" dirty="0" smtClean="0"/>
-              <a:t> session</a:t>
-            </a:r>
-          </a:p>
-          <a:p>
-            <a:r>
-              <a:rPr lang="en-US" dirty="0" smtClean="0"/>
-              <a:t>@parallel #execute using every processor</a:t>
-            </a:r>
-            <a:endParaRPr lang="en-US" dirty="0"/>
-          </a:p>
-        </p:txBody>
-      </p:sp>
-    </p:spTree>
-    <p:extLst>
-      <p:ext uri="{BB962C8B-B14F-4D97-AF65-F5344CB8AC3E}">
-        <p14:creationId xmlns:p14="http://schemas.microsoft.com/office/powerpoint/2010/main" xmlns="" val="846270293"/>
-      </p:ext>
-    </p:extLst>
-  </p:cSld>
-  <p:clrMapOvr>
-    <a:masterClrMapping/>
-  </p:clrMapOvr>
-  <p:timing>
-    <p:tnLst>
-      <p:par>
-        <p:cTn id="1" dur="indefinite" restart="never" nodeType="tmRoot"/>
-      </p:par>
-    </p:tnLst>
-  </p:timing>
-</p:sld>
-</file>
-
-<file path=ppt/slides/slide23.xml><?xml version="1.0" encoding="utf-8"?>
-<p:sld xmlns:a="http://schemas.openxmlformats.org/drawingml/2006/main" xmlns:r="http://schemas.openxmlformats.org/officeDocument/2006/relationships" xmlns:p="http://schemas.openxmlformats.org/presentationml/2006/main">
-  <p:cSld>
-    <p:spTree>
-      <p:nvGrpSpPr>
-        <p:cNvPr id="1" name=""/>
-        <p:cNvGrpSpPr/>
-        <p:nvPr/>
-      </p:nvGrpSpPr>
-      <p:grpSpPr>
-        <a:xfrm>
-          <a:off x="0" y="0"/>
-          <a:ext cx="0" cy="0"/>
-          <a:chOff x="0" y="0"/>
-          <a:chExt cx="0" cy="0"/>
-        </a:xfrm>
-      </p:grpSpPr>
-      <p:sp>
-        <p:nvSpPr>
-          <p:cNvPr id="2" name="Title 1"/>
-          <p:cNvSpPr>
-            <a:spLocks noGrp="1"/>
-          </p:cNvSpPr>
-          <p:nvPr>
-            <p:ph type="title"/>
-          </p:nvPr>
-        </p:nvSpPr>
-        <p:spPr/>
-        <p:txBody>
-          <a:bodyPr>
-            <a:normAutofit fontScale="90000"/>
-          </a:bodyPr>
-          <a:lstStyle/>
-          <a:p>
-            <a:r>
-              <a:rPr lang="en-US" dirty="0" smtClean="0"/>
-              <a:t>Design Decisions</a:t>
-            </a:r>
-            <a:br>
-              <a:rPr lang="en-US" dirty="0" smtClean="0"/>
-            </a:br>
-            <a:endParaRPr lang="en-US" dirty="0"/>
-          </a:p>
-        </p:txBody>
-      </p:sp>
-      <p:sp>
-        <p:nvSpPr>
-          <p:cNvPr id="3" name="Content Placeholder 2"/>
-          <p:cNvSpPr>
-            <a:spLocks noGrp="1"/>
-          </p:cNvSpPr>
-          <p:nvPr>
-            <p:ph idx="1"/>
-          </p:nvPr>
-        </p:nvSpPr>
-        <p:spPr/>
-        <p:txBody>
-          <a:bodyPr/>
-          <a:lstStyle/>
-          <a:p>
-            <a:r>
-              <a:rPr lang="en-US" dirty="0" smtClean="0"/>
-              <a:t>Return type should not depend on value</a:t>
-            </a:r>
-          </a:p>
-          <a:p>
-            <a:r>
-              <a:rPr lang="en-US" dirty="0" err="1" smtClean="0"/>
-              <a:t>sqrt</a:t>
-            </a:r>
-            <a:r>
-              <a:rPr lang="en-US" dirty="0" smtClean="0"/>
-              <a:t>(-1) #error</a:t>
-            </a:r>
-          </a:p>
-          <a:p>
-            <a:r>
-              <a:rPr lang="en-US" dirty="0" err="1" smtClean="0"/>
-              <a:t>anothersqrt</a:t>
-            </a:r>
-            <a:r>
-              <a:rPr lang="en-US" dirty="0" smtClean="0"/>
-              <a:t>(x) =  x&lt;0 ? </a:t>
-            </a:r>
-            <a:r>
-              <a:rPr lang="en-US" dirty="0" err="1" smtClean="0"/>
-              <a:t>sqrt</a:t>
-            </a:r>
-            <a:r>
-              <a:rPr lang="en-US" dirty="0" smtClean="0"/>
-              <a:t>(complex(x)) : </a:t>
-            </a:r>
-            <a:r>
-              <a:rPr lang="en-US" dirty="0" err="1" smtClean="0"/>
-              <a:t>sqrt</a:t>
-            </a:r>
-            <a:r>
-              <a:rPr lang="en-US" dirty="0" smtClean="0"/>
-              <a:t>(x)</a:t>
-            </a:r>
-          </a:p>
-          <a:p>
-            <a:r>
-              <a:rPr lang="en-US" dirty="0" smtClean="0"/>
-              <a:t>[</a:t>
-            </a:r>
-            <a:r>
-              <a:rPr lang="en-US" dirty="0" err="1" smtClean="0"/>
-              <a:t>anothersqrt</a:t>
-            </a:r>
-            <a:r>
-              <a:rPr lang="en-US" dirty="0" smtClean="0"/>
-              <a:t>(x) for  x=-2:3]</a:t>
-            </a:r>
-          </a:p>
-          <a:p>
-            <a:endParaRPr lang="en-US" dirty="0"/>
-          </a:p>
-        </p:txBody>
-      </p:sp>
-    </p:spTree>
-  </p:cSld>
-  <p:clrMapOvr>
-    <a:masterClrMapping/>
-  </p:clrMapOvr>
-  <p:timing>
-    <p:tnLst>
-      <p:par>
-        <p:cTn id="1" dur="indefinite" restart="never" nodeType="tmRoot"/>
-      </p:par>
-    </p:tnLst>
-  </p:timing>
-</p:sld>
-</file>
-
-<file path=ppt/slides/slide3.xml><?xml version="1.0" encoding="utf-8"?>
-<p:sld xmlns:a="http://schemas.openxmlformats.org/drawingml/2006/main" xmlns:r="http://schemas.openxmlformats.org/officeDocument/2006/relationships" xmlns:p="http://schemas.openxmlformats.org/presentationml/2006/main">
-  <p:cSld>
-    <p:spTree>
-      <p:nvGrpSpPr>
-        <p:cNvPr id="1" name=""/>
-        <p:cNvGrpSpPr/>
-        <p:nvPr/>
-      </p:nvGrpSpPr>
-      <p:grpSpPr>
-        <a:xfrm>
-          <a:off x="0" y="0"/>
-          <a:ext cx="0" cy="0"/>
-          <a:chOff x="0" y="0"/>
-          <a:chExt cx="0" cy="0"/>
-        </a:xfrm>
-      </p:grpSpPr>
-      <p:sp>
-        <p:nvSpPr>
-          <p:cNvPr id="2" name="Title 1"/>
-          <p:cNvSpPr>
-            <a:spLocks noGrp="1"/>
-          </p:cNvSpPr>
-          <p:nvPr>
-            <p:ph type="ctrTitle"/>
-          </p:nvPr>
-        </p:nvSpPr>
-        <p:spPr>
-          <a:xfrm>
-            <a:off x="609600" y="1447800"/>
-            <a:ext cx="7772400" cy="1470025"/>
-          </a:xfrm>
-        </p:spPr>
-        <p:txBody>
-          <a:bodyPr>
-            <a:normAutofit fontScale="90000"/>
-          </a:bodyPr>
-          <a:lstStyle/>
-          <a:p>
-            <a:r>
-              <a:rPr lang="en-US" dirty="0" smtClean="0"/>
-              <a:t>Julia Lightning Round</a:t>
-            </a:r>
-            <a:br>
-              <a:rPr lang="en-US" dirty="0" smtClean="0"/>
-            </a:br>
-            <a:r>
-              <a:rPr lang="en-US" dirty="0" smtClean="0"/>
-              <a:t>MIT IAP Tutorial</a:t>
-            </a:r>
-            <a:br>
-              <a:rPr lang="en-US" dirty="0" smtClean="0"/>
-            </a:br>
-            <a:r>
-              <a:rPr lang="en-US" dirty="0" smtClean="0"/>
-              <a:t>January 15, 2013</a:t>
-            </a:r>
-            <a:endParaRPr lang="en-US" dirty="0"/>
-          </a:p>
-        </p:txBody>
-      </p:sp>
-      <p:sp>
-        <p:nvSpPr>
-          <p:cNvPr id="4" name="TextBox 3"/>
-          <p:cNvSpPr txBox="1"/>
-          <p:nvPr/>
-        </p:nvSpPr>
-        <p:spPr>
-          <a:xfrm>
-            <a:off x="2514600" y="3655874"/>
-            <a:ext cx="1471685" cy="1754326"/>
-          </a:xfrm>
-          <a:prstGeom prst="rect">
-            <a:avLst/>
-          </a:prstGeom>
-          <a:noFill/>
-        </p:spPr>
-        <p:txBody>
-          <a:bodyPr wrap="none" rtlCol="0">
-            <a:spAutoFit/>
-          </a:bodyPr>
-          <a:lstStyle/>
-          <a:p>
-            <a:r>
-              <a:rPr lang="en-US" dirty="0" smtClean="0"/>
-              <a:t>Doug Bates</a:t>
-            </a:r>
-          </a:p>
-          <a:p>
-            <a:r>
-              <a:rPr lang="en-US" dirty="0" smtClean="0"/>
-              <a:t>Jeff </a:t>
-            </a:r>
-            <a:r>
-              <a:rPr lang="en-US" dirty="0" err="1" smtClean="0"/>
-              <a:t>Bezanson</a:t>
-            </a:r>
-            <a:endParaRPr lang="en-US" dirty="0" smtClean="0"/>
-          </a:p>
-          <a:p>
-            <a:r>
-              <a:rPr lang="en-US" dirty="0" err="1" smtClean="0"/>
-              <a:t>Britni</a:t>
-            </a:r>
-            <a:r>
-              <a:rPr lang="en-US" dirty="0" smtClean="0"/>
-              <a:t> Crocker</a:t>
-            </a:r>
-          </a:p>
-          <a:p>
-            <a:r>
-              <a:rPr lang="en-US" dirty="0" smtClean="0"/>
-              <a:t>Iain Dunning</a:t>
-            </a:r>
-          </a:p>
-          <a:p>
-            <a:r>
-              <a:rPr lang="en-US" dirty="0" smtClean="0"/>
-              <a:t>Alan Edelman</a:t>
-            </a:r>
-          </a:p>
-          <a:p>
-            <a:endParaRPr lang="en-US" dirty="0"/>
-          </a:p>
-        </p:txBody>
-      </p:sp>
-      <p:sp>
-        <p:nvSpPr>
-          <p:cNvPr id="6" name="TextBox 5"/>
-          <p:cNvSpPr txBox="1"/>
-          <p:nvPr/>
-        </p:nvSpPr>
-        <p:spPr>
-          <a:xfrm>
-            <a:off x="4648200" y="3581400"/>
-            <a:ext cx="1858907" cy="2031325"/>
-          </a:xfrm>
-          <a:prstGeom prst="rect">
-            <a:avLst/>
-          </a:prstGeom>
-          <a:noFill/>
-        </p:spPr>
-        <p:txBody>
-          <a:bodyPr wrap="none" rtlCol="0">
-            <a:spAutoFit/>
-          </a:bodyPr>
-          <a:lstStyle/>
-          <a:p>
-            <a:r>
-              <a:rPr lang="en-US" dirty="0" smtClean="0"/>
-              <a:t>Keno Fischer</a:t>
-            </a:r>
-          </a:p>
-          <a:p>
-            <a:r>
-              <a:rPr lang="en-US" dirty="0" smtClean="0"/>
-              <a:t>Stefan </a:t>
-            </a:r>
-            <a:r>
-              <a:rPr lang="en-US" dirty="0" err="1" smtClean="0"/>
-              <a:t>Karpinski</a:t>
-            </a:r>
-            <a:endParaRPr lang="en-US" dirty="0" smtClean="0"/>
-          </a:p>
-          <a:p>
-            <a:r>
-              <a:rPr lang="en-US" dirty="0" smtClean="0"/>
-              <a:t>Miles </a:t>
-            </a:r>
-            <a:r>
-              <a:rPr lang="en-US" dirty="0" err="1" smtClean="0"/>
-              <a:t>Lubin</a:t>
-            </a:r>
-            <a:endParaRPr lang="en-US" dirty="0" smtClean="0"/>
-          </a:p>
-          <a:p>
-            <a:r>
-              <a:rPr lang="en-US" dirty="0" smtClean="0"/>
-              <a:t>Jameson Nash</a:t>
-            </a:r>
-          </a:p>
-          <a:p>
-            <a:r>
-              <a:rPr lang="en-US" dirty="0" smtClean="0"/>
-              <a:t>Viral Shah</a:t>
-            </a:r>
-          </a:p>
-          <a:p>
-            <a:r>
-              <a:rPr lang="en-US" dirty="0" smtClean="0"/>
-              <a:t>John Myles White</a:t>
-            </a:r>
-          </a:p>
-          <a:p>
-            <a:endParaRPr lang="en-US" dirty="0"/>
-          </a:p>
-        </p:txBody>
-      </p:sp>
-    </p:spTree>
-  </p:cSld>
-  <p:clrMapOvr>
-    <a:masterClrMapping/>
-  </p:clrMapOvr>
-  <p:timing>
-    <p:tnLst>
-      <p:par>
-        <p:cTn id="1" dur="indefinite" restart="never" nodeType="tmRoot"/>
-      </p:par>
-    </p:tnLst>
-  </p:timing>
-</p:sld>
-</file>
-
-<file path=ppt/slides/slide4.xml><?xml version="1.0" encoding="utf-8"?>
-<p:sld xmlns:a="http://schemas.openxmlformats.org/drawingml/2006/main" xmlns:r="http://schemas.openxmlformats.org/officeDocument/2006/relationships" xmlns:p="http://schemas.openxmlformats.org/presentationml/2006/main">
-  <p:cSld>
-    <p:spTree>
-      <p:nvGrpSpPr>
-        <p:cNvPr id="1" name=""/>
-        <p:cNvGrpSpPr/>
-        <p:nvPr/>
-      </p:nvGrpSpPr>
-      <p:grpSpPr>
-        <a:xfrm>
-          <a:off x="0" y="0"/>
-          <a:ext cx="0" cy="0"/>
-          <a:chOff x="0" y="0"/>
-          <a:chExt cx="0" cy="0"/>
-        </a:xfrm>
-      </p:grpSpPr>
-      <p:sp>
-        <p:nvSpPr>
-          <p:cNvPr id="2" name="Title 1"/>
-          <p:cNvSpPr>
-            <a:spLocks noGrp="1"/>
-          </p:cNvSpPr>
-          <p:nvPr>
-            <p:ph type="title"/>
-          </p:nvPr>
-        </p:nvSpPr>
-        <p:spPr/>
-        <p:txBody>
-          <a:bodyPr/>
-          <a:lstStyle/>
-          <a:p>
-            <a:r>
-              <a:rPr lang="en-US" dirty="0" smtClean="0"/>
-              <a:t>Quitting</a:t>
-            </a:r>
-            <a:endParaRPr lang="en-US" dirty="0"/>
-          </a:p>
-        </p:txBody>
-      </p:sp>
-      <p:sp>
-        <p:nvSpPr>
-          <p:cNvPr id="3" name="Content Placeholder 2"/>
-          <p:cNvSpPr>
-            <a:spLocks noGrp="1"/>
-          </p:cNvSpPr>
-          <p:nvPr>
-            <p:ph idx="1"/>
-          </p:nvPr>
-        </p:nvSpPr>
-        <p:spPr/>
-        <p:txBody>
-          <a:bodyPr>
-            <a:normAutofit/>
-          </a:bodyPr>
-          <a:lstStyle/>
-          <a:p>
-            <a:r>
-              <a:rPr lang="en-US" dirty="0" smtClean="0"/>
-              <a:t>Two ways to quit the interactive session </a:t>
-            </a:r>
-          </a:p>
-          <a:p>
-            <a:pPr lvl="1"/>
-            <a:r>
-              <a:rPr lang="en-US" dirty="0" smtClean="0"/>
-              <a:t>(known as a </a:t>
-            </a:r>
-            <a:r>
-              <a:rPr lang="en-US" dirty="0" err="1" smtClean="0"/>
-              <a:t>REPL</a:t>
-            </a:r>
-            <a:r>
-              <a:rPr lang="en-US" dirty="0" smtClean="0"/>
-              <a:t>: Read-</a:t>
-            </a:r>
-            <a:r>
-              <a:rPr lang="en-US" dirty="0" err="1" smtClean="0"/>
-              <a:t>Eval</a:t>
-            </a:r>
-            <a:r>
-              <a:rPr lang="en-US" dirty="0" smtClean="0"/>
-              <a:t>-Print-Loop)</a:t>
-            </a:r>
-          </a:p>
-          <a:p>
-            <a:r>
-              <a:rPr lang="en-US" dirty="0" smtClean="0"/>
-              <a:t>&lt;</a:t>
-            </a:r>
-            <a:r>
-              <a:rPr lang="en-US" dirty="0" err="1" smtClean="0"/>
-              <a:t>cntl</a:t>
-            </a:r>
-            <a:r>
-              <a:rPr lang="en-US" dirty="0" smtClean="0"/>
-              <a:t>&gt; D</a:t>
-            </a:r>
-          </a:p>
-          <a:p>
-            <a:r>
-              <a:rPr lang="en-US" dirty="0" smtClean="0"/>
-              <a:t>quit()    </a:t>
-            </a:r>
-            <a:r>
-              <a:rPr lang="en-US" dirty="0" smtClean="0">
-                <a:sym typeface="Wingdings" pitchFamily="2" charset="2"/>
-              </a:rPr>
-              <a:t> Need </a:t>
-            </a:r>
-            <a:r>
-              <a:rPr lang="en-US" dirty="0" err="1" smtClean="0">
-                <a:sym typeface="Wingdings" pitchFamily="2" charset="2"/>
-              </a:rPr>
-              <a:t>Parens</a:t>
-            </a:r>
-            <a:r>
-              <a:rPr lang="en-US" dirty="0" smtClean="0">
-                <a:sym typeface="Wingdings" pitchFamily="2" charset="2"/>
-              </a:rPr>
-              <a:t>  </a:t>
-            </a:r>
-            <a:endParaRPr lang="en-US" dirty="0" smtClean="0"/>
-          </a:p>
-          <a:p>
-            <a:endParaRPr lang="en-US" dirty="0"/>
-          </a:p>
-          <a:p>
-            <a:r>
-              <a:rPr lang="en-US" dirty="0" smtClean="0"/>
-              <a:t>Clear the current Command at the prompt:</a:t>
-            </a:r>
-            <a:endParaRPr lang="en-US" dirty="0"/>
-          </a:p>
-          <a:p>
-            <a:r>
-              <a:rPr lang="en-US" dirty="0" smtClean="0"/>
-              <a:t>&lt;</a:t>
-            </a:r>
-            <a:r>
-              <a:rPr lang="en-US" dirty="0" err="1" smtClean="0"/>
-              <a:t>cntl</a:t>
-            </a:r>
-            <a:r>
-              <a:rPr lang="en-US" dirty="0" smtClean="0"/>
-              <a:t>&gt; C</a:t>
-            </a:r>
-            <a:endParaRPr lang="en-US" dirty="0">
-              <a:sym typeface="Wingdings" pitchFamily="2" charset="2"/>
-            </a:endParaRPr>
-          </a:p>
-          <a:p>
-            <a:pPr marL="0" indent="0">
-              <a:buNone/>
-            </a:pPr>
-            <a:endParaRPr lang="en-US" dirty="0"/>
-          </a:p>
-        </p:txBody>
-      </p:sp>
-    </p:spTree>
-  </p:cSld>
-  <p:clrMapOvr>
-    <a:masterClrMapping/>
-  </p:clrMapOvr>
-  <p:timing>
-    <p:tnLst>
-      <p:par>
-        <p:cTn id="1" dur="indefinite" restart="never" nodeType="tmRoot"/>
-      </p:par>
-    </p:tnLst>
-  </p:timing>
-</p:sld>
-</file>
-
-<file path=ppt/slides/slide5.xml><?xml version="1.0" encoding="utf-8"?>
-<p:sld xmlns:a="http://schemas.openxmlformats.org/drawingml/2006/main" xmlns:r="http://schemas.openxmlformats.org/officeDocument/2006/relationships" xmlns:p="http://schemas.openxmlformats.org/presentationml/2006/main">
-  <p:cSld>
-    <p:spTree>
-      <p:nvGrpSpPr>
-        <p:cNvPr id="1" name=""/>
-        <p:cNvGrpSpPr/>
-        <p:nvPr/>
-      </p:nvGrpSpPr>
-      <p:grpSpPr>
-        <a:xfrm>
-          <a:off x="0" y="0"/>
-          <a:ext cx="0" cy="0"/>
-          <a:chOff x="0" y="0"/>
-          <a:chExt cx="0" cy="0"/>
-        </a:xfrm>
-      </p:grpSpPr>
-      <p:sp>
-        <p:nvSpPr>
-          <p:cNvPr id="2" name="Title 1"/>
-          <p:cNvSpPr>
-            <a:spLocks noGrp="1"/>
-          </p:cNvSpPr>
-          <p:nvPr>
-            <p:ph type="title"/>
-          </p:nvPr>
-        </p:nvSpPr>
-        <p:spPr/>
-        <p:txBody>
-          <a:bodyPr/>
-          <a:lstStyle/>
-          <a:p>
-            <a:r>
-              <a:rPr lang="en-US" dirty="0" smtClean="0"/>
-              <a:t>Julia Documentation</a:t>
-            </a:r>
-            <a:endParaRPr lang="en-US" dirty="0"/>
-          </a:p>
-        </p:txBody>
-      </p:sp>
-      <p:sp>
-        <p:nvSpPr>
-          <p:cNvPr id="3" name="Content Placeholder 2"/>
-          <p:cNvSpPr>
-            <a:spLocks noGrp="1"/>
-          </p:cNvSpPr>
-          <p:nvPr>
-            <p:ph idx="1"/>
-          </p:nvPr>
-        </p:nvSpPr>
-        <p:spPr/>
-        <p:txBody>
-          <a:bodyPr>
-            <a:normAutofit lnSpcReduction="10000"/>
-          </a:bodyPr>
-          <a:lstStyle/>
-          <a:p>
-            <a:r>
-              <a:rPr lang="en-US" dirty="0" smtClean="0"/>
-              <a:t>Well written!</a:t>
-            </a:r>
-          </a:p>
-          <a:p>
-            <a:pPr lvl="1"/>
-            <a:r>
-              <a:rPr lang="en-US" dirty="0" smtClean="0"/>
-              <a:t>http</a:t>
-            </a:r>
-            <a:r>
-              <a:rPr lang="en-US" dirty="0"/>
-              <a:t>://docs.julialang.org/en/latest</a:t>
-            </a:r>
-            <a:r>
-              <a:rPr lang="en-US" dirty="0" smtClean="0"/>
-              <a:t>/</a:t>
-            </a:r>
-          </a:p>
-          <a:p>
-            <a:r>
-              <a:rPr lang="en-US" dirty="0" err="1" smtClean="0"/>
-              <a:t>google</a:t>
-            </a:r>
-            <a:r>
-              <a:rPr lang="en-US" dirty="0" smtClean="0"/>
-              <a:t>: </a:t>
-            </a:r>
-            <a:r>
-              <a:rPr lang="en-US" dirty="0" err="1" smtClean="0"/>
-              <a:t>julia</a:t>
-            </a:r>
-            <a:r>
-              <a:rPr lang="en-US" dirty="0" smtClean="0"/>
-              <a:t> documentation</a:t>
-            </a:r>
-          </a:p>
-          <a:p>
-            <a:endParaRPr lang="en-US" dirty="0"/>
-          </a:p>
-          <a:p>
-            <a:r>
-              <a:rPr lang="en-US" dirty="0" smtClean="0"/>
-              <a:t>Much of Julia is written (elegantly!) in Julia – it won’t take you long before you start looking at Julia to learn Julia</a:t>
-            </a:r>
-          </a:p>
-          <a:p>
-            <a:pPr lvl="1"/>
-            <a:r>
-              <a:rPr lang="en-US" dirty="0" smtClean="0"/>
-              <a:t>When you are ready: </a:t>
-            </a:r>
-            <a:r>
-              <a:rPr lang="en-US" dirty="0" err="1" smtClean="0"/>
-              <a:t>google</a:t>
-            </a:r>
-            <a:r>
-              <a:rPr lang="en-US" dirty="0" smtClean="0"/>
-              <a:t> “</a:t>
-            </a:r>
-            <a:r>
-              <a:rPr lang="en-US" dirty="0" err="1" smtClean="0"/>
-              <a:t>julia</a:t>
-            </a:r>
-            <a:r>
-              <a:rPr lang="en-US" dirty="0" smtClean="0"/>
-              <a:t> source” and click on “base” or “examples” and browse around</a:t>
-            </a:r>
-            <a:endParaRPr lang="en-US" dirty="0"/>
-          </a:p>
-        </p:txBody>
-      </p:sp>
-    </p:spTree>
-    <p:extLst>
-      <p:ext uri="{BB962C8B-B14F-4D97-AF65-F5344CB8AC3E}">
-        <p14:creationId xmlns:p14="http://schemas.microsoft.com/office/powerpoint/2010/main" xmlns="" val="3397208508"/>
-      </p:ext>
-    </p:extLst>
-  </p:cSld>
-  <p:clrMapOvr>
-    <a:masterClrMapping/>
-  </p:clrMapOvr>
-  <p:timing>
-    <p:tnLst>
-      <p:par>
-        <p:cTn id="1" dur="indefinite" restart="never" nodeType="tmRoot"/>
-      </p:par>
-    </p:tnLst>
-  </p:timing>
-</p:sld>
-</file>
-
-<file path=ppt/slides/slide6.xml><?xml version="1.0" encoding="utf-8"?>
-<p:sld xmlns:a="http://schemas.openxmlformats.org/drawingml/2006/main" xmlns:r="http://schemas.openxmlformats.org/officeDocument/2006/relationships" xmlns:p="http://schemas.openxmlformats.org/presentationml/2006/main">
-  <p:cSld>
-    <p:spTree>
-      <p:nvGrpSpPr>
-        <p:cNvPr id="1" name=""/>
-        <p:cNvGrpSpPr/>
-        <p:nvPr/>
-      </p:nvGrpSpPr>
-      <p:grpSpPr>
-        <a:xfrm>
-          <a:off x="0" y="0"/>
-          <a:ext cx="0" cy="0"/>
-          <a:chOff x="0" y="0"/>
-          <a:chExt cx="0" cy="0"/>
-        </a:xfrm>
-      </p:grpSpPr>
-      <p:sp>
-        <p:nvSpPr>
-          <p:cNvPr id="2" name="Title 1"/>
-          <p:cNvSpPr>
-            <a:spLocks noGrp="1"/>
-          </p:cNvSpPr>
-          <p:nvPr>
-            <p:ph type="title"/>
-          </p:nvPr>
-        </p:nvSpPr>
-        <p:spPr/>
-        <p:txBody>
-          <a:bodyPr>
-            <a:normAutofit fontScale="90000"/>
-          </a:bodyPr>
-          <a:lstStyle/>
-          <a:p>
-            <a:r>
-              <a:rPr lang="en-US" dirty="0" smtClean="0"/>
-              <a:t>Indexing: 1 based</a:t>
-            </a:r>
-            <a:br>
-              <a:rPr lang="en-US" dirty="0" smtClean="0"/>
-            </a:br>
-            <a:r>
-              <a:rPr lang="en-US" dirty="0"/>
-              <a:t>S</a:t>
-            </a:r>
-            <a:r>
-              <a:rPr lang="en-US" dirty="0" smtClean="0"/>
-              <a:t>quare brackets</a:t>
-            </a:r>
-            <a:endParaRPr lang="en-US" dirty="0"/>
-          </a:p>
-        </p:txBody>
-      </p:sp>
-      <p:sp>
-        <p:nvSpPr>
-          <p:cNvPr id="3" name="Content Placeholder 2"/>
-          <p:cNvSpPr>
-            <a:spLocks noGrp="1"/>
-          </p:cNvSpPr>
-          <p:nvPr>
-            <p:ph idx="1"/>
-          </p:nvPr>
-        </p:nvSpPr>
-        <p:spPr/>
-        <p:txBody>
-          <a:bodyPr>
-            <a:normAutofit/>
-          </a:bodyPr>
-          <a:lstStyle/>
-          <a:p>
-            <a:r>
-              <a:rPr lang="en-US" dirty="0" smtClean="0"/>
-              <a:t>A=rand(5,5)</a:t>
-            </a:r>
-          </a:p>
-          <a:p>
-            <a:r>
-              <a:rPr lang="en-US" dirty="0" smtClean="0"/>
-              <a:t>A[1,1]</a:t>
-            </a:r>
-          </a:p>
-          <a:p>
-            <a:r>
-              <a:rPr lang="en-US" dirty="0" smtClean="0"/>
-              <a:t>rand(5,5)[1,1]</a:t>
-            </a:r>
-          </a:p>
-          <a:p>
-            <a:r>
-              <a:rPr lang="en-US" dirty="0" smtClean="0"/>
-              <a:t>Remember</a:t>
-            </a:r>
-          </a:p>
-          <a:p>
-            <a:pPr lvl="1"/>
-            <a:r>
-              <a:rPr lang="en-US" dirty="0" smtClean="0"/>
-              <a:t> </a:t>
-            </a:r>
-            <a:r>
-              <a:rPr lang="en-US" dirty="0" err="1" smtClean="0"/>
-              <a:t>parens</a:t>
-            </a:r>
-            <a:r>
-              <a:rPr lang="en-US" dirty="0" smtClean="0"/>
-              <a:t> for functions, </a:t>
-            </a:r>
-          </a:p>
-          <a:p>
-            <a:pPr lvl="1"/>
-            <a:r>
-              <a:rPr lang="en-US" dirty="0" smtClean="0"/>
-              <a:t>square brackets for indexing</a:t>
-            </a:r>
-            <a:endParaRPr lang="en-US" dirty="0"/>
-          </a:p>
-          <a:p>
-            <a:endParaRPr lang="en-US" dirty="0"/>
-          </a:p>
-          <a:p>
-            <a:endParaRPr lang="en-US" dirty="0"/>
-          </a:p>
-        </p:txBody>
-      </p:sp>
-    </p:spTree>
-  </p:cSld>
-  <p:clrMapOvr>
-    <a:masterClrMapping/>
-  </p:clrMapOvr>
-  <p:timing>
-    <p:tnLst>
-      <p:par>
-        <p:cTn id="1" dur="indefinite" restart="never" nodeType="tmRoot"/>
-      </p:par>
-    </p:tnLst>
-  </p:timing>
-</p:sld>
-</file>
-
-<file path=ppt/slides/slide7.xml><?xml version="1.0" encoding="utf-8"?>
-<p:sld xmlns:a="http://schemas.openxmlformats.org/drawingml/2006/main" xmlns:r="http://schemas.openxmlformats.org/officeDocument/2006/relationships" xmlns:p="http://schemas.openxmlformats.org/presentationml/2006/main">
-  <p:cSld>
-    <p:spTree>
-      <p:nvGrpSpPr>
-        <p:cNvPr id="1" name=""/>
-        <p:cNvGrpSpPr/>
-        <p:nvPr/>
-      </p:nvGrpSpPr>
-      <p:grpSpPr>
-        <a:xfrm>
-          <a:off x="0" y="0"/>
-          <a:ext cx="0" cy="0"/>
-          <a:chOff x="0" y="0"/>
-          <a:chExt cx="0" cy="0"/>
-        </a:xfrm>
-      </p:grpSpPr>
-      <p:sp>
-        <p:nvSpPr>
-          <p:cNvPr id="5" name="Content Placeholder 2"/>
-          <p:cNvSpPr txBox="1">
-            <a:spLocks/>
-          </p:cNvSpPr>
-          <p:nvPr/>
-        </p:nvSpPr>
-        <p:spPr>
-          <a:xfrm>
-            <a:off x="533400" y="2133600"/>
-            <a:ext cx="8229600" cy="3352800"/>
-          </a:xfrm>
-          <a:prstGeom prst="rect">
-            <a:avLst/>
-          </a:prstGeom>
-        </p:spPr>
-        <p:txBody>
-          <a:bodyPr vert="horz" lIns="91440" tIns="45720" rIns="91440" bIns="45720" rtlCol="0">
-            <a:normAutofit fontScale="92500" lnSpcReduction="20000"/>
-          </a:bodyPr>
-          <a:lstStyle/>
-          <a:p>
-            <a:pPr marL="342900" marR="0" lvl="0" indent="-342900" algn="l" defTabSz="914400" rtl="0" eaLnBrk="1" fontAlgn="auto" latinLnBrk="0" hangingPunct="1">
-              <a:lnSpc>
-                <a:spcPct val="100000"/>
-              </a:lnSpc>
-              <a:spcBef>
-                <a:spcPct val="20000"/>
-              </a:spcBef>
-              <a:spcAft>
-                <a:spcPts val="0"/>
-              </a:spcAft>
-              <a:buClrTx/>
-              <a:buSzTx/>
-              <a:buFont typeface="Arial" pitchFamily="34" charset="0"/>
-              <a:buChar char="•"/>
-              <a:tabLst/>
-              <a:defRPr/>
-            </a:pPr>
-            <a:r>
-              <a:rPr lang="en-US" sz="3200" dirty="0" smtClean="0"/>
-              <a:t>[</a:t>
-            </a:r>
-            <a:r>
-              <a:rPr lang="en-US" sz="3200" noProof="0" dirty="0" err="1" smtClean="0"/>
-              <a:t>i</a:t>
-            </a:r>
-            <a:r>
-              <a:rPr lang="en-US" sz="3200" noProof="0" dirty="0" smtClean="0"/>
-              <a:t> for </a:t>
-            </a:r>
-            <a:r>
-              <a:rPr lang="en-US" sz="3200" noProof="0" dirty="0" err="1" smtClean="0"/>
-              <a:t>i</a:t>
-            </a:r>
-            <a:r>
-              <a:rPr lang="en-US" sz="3200" noProof="0" dirty="0" smtClean="0"/>
-              <a:t>=1:5]</a:t>
-            </a:r>
-          </a:p>
-          <a:p>
-            <a:pPr marL="342900" marR="0" lvl="0" indent="-342900" algn="l" defTabSz="914400" rtl="0" eaLnBrk="1" fontAlgn="auto" latinLnBrk="0" hangingPunct="1">
-              <a:lnSpc>
-                <a:spcPct val="100000"/>
-              </a:lnSpc>
-              <a:spcBef>
-                <a:spcPct val="20000"/>
-              </a:spcBef>
-              <a:spcAft>
-                <a:spcPts val="0"/>
-              </a:spcAft>
-              <a:buClrTx/>
-              <a:buSzTx/>
-              <a:buFont typeface="Arial" pitchFamily="34" charset="0"/>
-              <a:buChar char="•"/>
-              <a:tabLst/>
-              <a:defRPr/>
-            </a:pPr>
-            <a:r>
-              <a:rPr kumimoji="0" lang="en-US" sz="3200" b="0" i="0" u="none" strike="noStrike" kern="1200" cap="none" spc="0" normalizeH="0" baseline="0" dirty="0" smtClean="0">
-                <a:ln>
-                  <a:noFill/>
-                </a:ln>
-                <a:solidFill>
-                  <a:schemeClr val="tx1"/>
-                </a:solidFill>
-                <a:effectLst/>
-                <a:uLnTx/>
-                <a:uFillTx/>
-                <a:latin typeface="+mn-lt"/>
-                <a:ea typeface="+mn-ea"/>
-                <a:cs typeface="+mn-cs"/>
-              </a:rPr>
-              <a:t>[trace(rand(</a:t>
-            </a:r>
-            <a:r>
-              <a:rPr kumimoji="0" lang="en-US" sz="3200" b="0" i="0" u="none" strike="noStrike" kern="1200" cap="none" spc="0" normalizeH="0" baseline="0" dirty="0" err="1" smtClean="0">
-                <a:ln>
-                  <a:noFill/>
-                </a:ln>
-                <a:solidFill>
-                  <a:schemeClr val="tx1"/>
-                </a:solidFill>
-                <a:effectLst/>
-                <a:uLnTx/>
-                <a:uFillTx/>
-                <a:latin typeface="+mn-lt"/>
-                <a:ea typeface="+mn-ea"/>
-                <a:cs typeface="+mn-cs"/>
-              </a:rPr>
-              <a:t>n,n</a:t>
-            </a:r>
-            <a:r>
-              <a:rPr kumimoji="0" lang="en-US" sz="3200" b="0" i="0" u="none" strike="noStrike" kern="1200" cap="none" spc="0" normalizeH="0" baseline="0" dirty="0" smtClean="0">
-                <a:ln>
-                  <a:noFill/>
-                </a:ln>
-                <a:solidFill>
-                  <a:schemeClr val="tx1"/>
-                </a:solidFill>
-                <a:effectLst/>
-                <a:uLnTx/>
-                <a:uFillTx/>
-                <a:latin typeface="+mn-lt"/>
-                <a:ea typeface="+mn-ea"/>
-                <a:cs typeface="+mn-cs"/>
-              </a:rPr>
-              <a:t>)) for </a:t>
-            </a:r>
-            <a:r>
-              <a:rPr lang="en-US" sz="3200" dirty="0" smtClean="0"/>
-              <a:t>n</a:t>
-            </a:r>
-            <a:r>
-              <a:rPr kumimoji="0" lang="en-US" sz="3200" b="0" i="0" u="none" strike="noStrike" kern="1200" cap="none" spc="0" normalizeH="0" baseline="0" dirty="0" smtClean="0">
-                <a:ln>
-                  <a:noFill/>
-                </a:ln>
-                <a:solidFill>
-                  <a:schemeClr val="tx1"/>
-                </a:solidFill>
-                <a:effectLst/>
-                <a:uLnTx/>
-                <a:uFillTx/>
-                <a:latin typeface="+mn-lt"/>
-                <a:ea typeface="+mn-ea"/>
-                <a:cs typeface="+mn-cs"/>
-              </a:rPr>
-              <a:t>=1:5]</a:t>
-            </a:r>
-          </a:p>
-          <a:p>
-            <a:pPr marL="342900" marR="0" lvl="0" indent="-342900" algn="l" defTabSz="914400" rtl="0" eaLnBrk="1" fontAlgn="auto" latinLnBrk="0" hangingPunct="1">
-              <a:lnSpc>
-                <a:spcPct val="100000"/>
-              </a:lnSpc>
-              <a:spcBef>
-                <a:spcPct val="20000"/>
-              </a:spcBef>
-              <a:spcAft>
-                <a:spcPts val="0"/>
-              </a:spcAft>
-              <a:buClrTx/>
-              <a:buSzTx/>
-              <a:buFont typeface="Arial" pitchFamily="34" charset="0"/>
-              <a:buChar char="•"/>
-              <a:tabLst/>
-              <a:defRPr/>
-            </a:pPr>
-            <a:r>
-              <a:rPr lang="en-US" sz="3200" dirty="0" smtClean="0"/>
-              <a:t>x=rand(10); [ x[</a:t>
-            </a:r>
-            <a:r>
-              <a:rPr lang="en-US" sz="3200" dirty="0" err="1" smtClean="0"/>
-              <a:t>i</a:t>
-            </a:r>
-            <a:r>
-              <a:rPr lang="en-US" sz="3200" dirty="0" smtClean="0"/>
-              <a:t>]+x[i+1] for </a:t>
-            </a:r>
-            <a:r>
-              <a:rPr lang="en-US" sz="3200" dirty="0" err="1" smtClean="0"/>
-              <a:t>i</a:t>
-            </a:r>
-            <a:r>
-              <a:rPr lang="en-US" sz="3200" dirty="0" smtClean="0"/>
-              <a:t>=1:9 ]</a:t>
-            </a:r>
-            <a:endParaRPr kumimoji="0" lang="en-US" sz="3200" b="0" i="0" u="none" strike="noStrike" kern="1200" cap="none" spc="0" normalizeH="0" baseline="0" dirty="0" smtClean="0">
-              <a:ln>
-                <a:noFill/>
-              </a:ln>
-              <a:solidFill>
-                <a:schemeClr val="tx1"/>
-              </a:solidFill>
-              <a:effectLst/>
-              <a:uLnTx/>
-              <a:uFillTx/>
-              <a:latin typeface="+mn-lt"/>
-              <a:ea typeface="+mn-ea"/>
-              <a:cs typeface="+mn-cs"/>
-            </a:endParaRPr>
-          </a:p>
-          <a:p>
-            <a:pPr marL="342900" marR="0" lvl="0" indent="-342900" algn="l" defTabSz="914400" rtl="0" eaLnBrk="1" fontAlgn="auto" latinLnBrk="0" hangingPunct="1">
-              <a:lnSpc>
-                <a:spcPct val="100000"/>
-              </a:lnSpc>
-              <a:spcBef>
-                <a:spcPct val="20000"/>
-              </a:spcBef>
-              <a:spcAft>
-                <a:spcPts val="0"/>
-              </a:spcAft>
-              <a:buClrTx/>
-              <a:buSzTx/>
-              <a:buFont typeface="Arial" pitchFamily="34" charset="0"/>
-              <a:buChar char="•"/>
-              <a:tabLst/>
-              <a:defRPr/>
-            </a:pPr>
-            <a:r>
-              <a:rPr lang="en-US" sz="3200" noProof="0" dirty="0" smtClean="0"/>
-              <a:t>{eye(n) for </a:t>
-            </a:r>
-            <a:r>
-              <a:rPr lang="en-US" sz="3200" dirty="0" err="1" smtClean="0"/>
-              <a:t>n</a:t>
-            </a:r>
-            <a:r>
-              <a:rPr lang="en-US" sz="3200" noProof="0" dirty="0" smtClean="0"/>
-              <a:t>=1:5}   </a:t>
-            </a:r>
-          </a:p>
-          <a:p>
-            <a:pPr marL="342900" marR="0" lvl="0" indent="-342900" algn="l" defTabSz="914400" rtl="0" eaLnBrk="1" fontAlgn="auto" latinLnBrk="0" hangingPunct="1">
-              <a:lnSpc>
-                <a:spcPct val="100000"/>
-              </a:lnSpc>
-              <a:spcBef>
-                <a:spcPct val="20000"/>
-              </a:spcBef>
-              <a:spcAft>
-                <a:spcPts val="0"/>
-              </a:spcAft>
-              <a:buClrTx/>
-              <a:buSzTx/>
-              <a:buFont typeface="Arial" pitchFamily="34" charset="0"/>
-              <a:buChar char="•"/>
-              <a:tabLst/>
-              <a:defRPr/>
-            </a:pPr>
-            <a:r>
-              <a:rPr kumimoji="0" lang="en-US" sz="3200" b="0" i="0" u="none" strike="noStrike" kern="1200" cap="none" spc="0" normalizeH="0" baseline="0" dirty="0" smtClean="0">
-                <a:ln>
-                  <a:noFill/>
-                </a:ln>
-                <a:solidFill>
-                  <a:schemeClr val="tx1"/>
-                </a:solidFill>
-                <a:effectLst/>
-                <a:uLnTx/>
-                <a:uFillTx/>
-                <a:latin typeface="+mn-lt"/>
-                <a:ea typeface="+mn-ea"/>
-                <a:cs typeface="+mn-cs"/>
-              </a:rPr>
-              <a:t>[</a:t>
-            </a:r>
-            <a:r>
-              <a:rPr kumimoji="0" lang="en-US" sz="3200" b="0" i="0" u="none" strike="noStrike" kern="1200" cap="none" spc="0" normalizeH="0" baseline="0" dirty="0" err="1" smtClean="0">
-                <a:ln>
-                  <a:noFill/>
-                </a:ln>
-                <a:solidFill>
-                  <a:schemeClr val="tx1"/>
-                </a:solidFill>
-                <a:effectLst/>
-                <a:uLnTx/>
-                <a:uFillTx/>
-                <a:latin typeface="+mn-lt"/>
-                <a:ea typeface="+mn-ea"/>
-                <a:cs typeface="+mn-cs"/>
-              </a:rPr>
-              <a:t>i+j</a:t>
-            </a:r>
-            <a:r>
-              <a:rPr kumimoji="0" lang="en-US" sz="3200" b="0" i="0" u="none" strike="noStrike" kern="1200" cap="none" spc="0" normalizeH="0" dirty="0" smtClean="0">
-                <a:ln>
-                  <a:noFill/>
-                </a:ln>
-                <a:solidFill>
-                  <a:schemeClr val="tx1"/>
-                </a:solidFill>
-                <a:effectLst/>
-                <a:uLnTx/>
-                <a:uFillTx/>
-                <a:latin typeface="+mn-lt"/>
-                <a:ea typeface="+mn-ea"/>
-                <a:cs typeface="+mn-cs"/>
-              </a:rPr>
-              <a:t> for </a:t>
-            </a:r>
-            <a:r>
-              <a:rPr kumimoji="0" lang="en-US" sz="3200" b="0" i="0" u="none" strike="noStrike" kern="1200" cap="none" spc="0" normalizeH="0" dirty="0" err="1" smtClean="0">
-                <a:ln>
-                  <a:noFill/>
-                </a:ln>
-                <a:solidFill>
-                  <a:schemeClr val="tx1"/>
-                </a:solidFill>
-                <a:effectLst/>
-                <a:uLnTx/>
-                <a:uFillTx/>
-                <a:latin typeface="+mn-lt"/>
-                <a:ea typeface="+mn-ea"/>
-                <a:cs typeface="+mn-cs"/>
-              </a:rPr>
-              <a:t>i</a:t>
-            </a:r>
-            <a:r>
-              <a:rPr kumimoji="0" lang="en-US" sz="3200" b="0" i="0" u="none" strike="noStrike" kern="1200" cap="none" spc="0" normalizeH="0" dirty="0" smtClean="0">
-                <a:ln>
-                  <a:noFill/>
-                </a:ln>
-                <a:solidFill>
-                  <a:schemeClr val="tx1"/>
-                </a:solidFill>
-                <a:effectLst/>
-                <a:uLnTx/>
-                <a:uFillTx/>
-                <a:latin typeface="+mn-lt"/>
-                <a:ea typeface="+mn-ea"/>
-                <a:cs typeface="+mn-cs"/>
-              </a:rPr>
-              <a:t>=1:5, j=1:5]</a:t>
-            </a:r>
-          </a:p>
-          <a:p>
-            <a:pPr marL="342900" marR="0" lvl="0" indent="-342900" algn="l" defTabSz="914400" rtl="0" eaLnBrk="1" fontAlgn="auto" latinLnBrk="0" hangingPunct="1">
-              <a:lnSpc>
-                <a:spcPct val="100000"/>
-              </a:lnSpc>
-              <a:spcBef>
-                <a:spcPct val="20000"/>
-              </a:spcBef>
-              <a:spcAft>
-                <a:spcPts val="0"/>
-              </a:spcAft>
-              <a:buClrTx/>
-              <a:buSzTx/>
-              <a:buFont typeface="Arial" pitchFamily="34" charset="0"/>
-              <a:buChar char="•"/>
-              <a:tabLst/>
-              <a:defRPr/>
-            </a:pPr>
-            <a:endParaRPr lang="en-US" sz="3200" baseline="0" noProof="0" dirty="0" smtClean="0"/>
-          </a:p>
-          <a:p>
-            <a:pPr marL="800100" lvl="1" indent="-342900">
-              <a:spcBef>
-                <a:spcPct val="20000"/>
-              </a:spcBef>
-              <a:buFont typeface="Arial" pitchFamily="34" charset="0"/>
-              <a:buChar char="•"/>
-              <a:defRPr/>
-            </a:pPr>
-            <a:r>
-              <a:rPr kumimoji="0" lang="en-US" sz="3200" b="0" i="0" u="none" strike="noStrike" kern="1200" cap="none" spc="0" normalizeH="0" dirty="0" smtClean="0">
-                <a:ln>
-                  <a:noFill/>
-                </a:ln>
-                <a:solidFill>
-                  <a:schemeClr val="tx1"/>
-                </a:solidFill>
-                <a:effectLst/>
-                <a:uLnTx/>
-                <a:uFillTx/>
-                <a:latin typeface="+mn-lt"/>
-                <a:ea typeface="+mn-ea"/>
-                <a:cs typeface="+mn-cs"/>
-              </a:rPr>
-              <a:t>Vision: automatic parallelism</a:t>
-            </a:r>
-            <a:endParaRPr kumimoji="0" lang="en-US" sz="3200" b="0" i="0" u="none" strike="noStrike" kern="1200" cap="none" spc="0" normalizeH="0" baseline="0" noProof="0" dirty="0" smtClean="0">
-              <a:ln>
-                <a:noFill/>
-              </a:ln>
-              <a:solidFill>
-                <a:schemeClr val="tx1"/>
-              </a:solidFill>
-              <a:effectLst/>
-              <a:uLnTx/>
-              <a:uFillTx/>
-              <a:latin typeface="+mn-lt"/>
-              <a:ea typeface="+mn-ea"/>
-              <a:cs typeface="+mn-cs"/>
-            </a:endParaRPr>
-          </a:p>
-        </p:txBody>
-      </p:sp>
-      <p:sp>
-        <p:nvSpPr>
-          <p:cNvPr id="7" name="Title 6"/>
-          <p:cNvSpPr>
-            <a:spLocks noGrp="1"/>
-          </p:cNvSpPr>
-          <p:nvPr>
-            <p:ph type="title"/>
-          </p:nvPr>
-        </p:nvSpPr>
-        <p:spPr/>
-        <p:txBody>
-          <a:bodyPr>
-            <a:normAutofit fontScale="90000"/>
-          </a:bodyPr>
-          <a:lstStyle/>
-          <a:p>
-            <a:r>
-              <a:rPr lang="en-US" dirty="0" smtClean="0"/>
-              <a:t>Comprehensions</a:t>
-            </a:r>
-            <a:br>
-              <a:rPr lang="en-US" dirty="0" smtClean="0"/>
-            </a:br>
-            <a:r>
-              <a:rPr lang="en-US" dirty="0" smtClean="0"/>
-              <a:t>(elegant “array constructors”)</a:t>
-            </a:r>
-            <a:endParaRPr lang="en-US" dirty="0"/>
-          </a:p>
-        </p:txBody>
-      </p:sp>
-    </p:spTree>
-  </p:cSld>
-  <p:clrMapOvr>
-    <a:masterClrMapping/>
-  </p:clrMapOvr>
-  <p:timing>
-    <p:tnLst>
-      <p:par>
-        <p:cTn id="1" dur="indefinite" restart="never" nodeType="tmRoot"/>
-      </p:par>
-    </p:tnLst>
-  </p:timing>
-</p:sld>
-</file>
-
-<file path=ppt/slides/slide8.xml><?xml version="1.0" encoding="utf-8"?>
-<p:sld xmlns:a="http://schemas.openxmlformats.org/drawingml/2006/main" xmlns:r="http://schemas.openxmlformats.org/officeDocument/2006/relationships" xmlns:p="http://schemas.openxmlformats.org/presentationml/2006/main">
-  <p:cSld>
-    <p:spTree>
-      <p:nvGrpSpPr>
-        <p:cNvPr id="1" name=""/>
-        <p:cNvGrpSpPr/>
-        <p:nvPr/>
-      </p:nvGrpSpPr>
-      <p:grpSpPr>
-        <a:xfrm>
-          <a:off x="0" y="0"/>
-          <a:ext cx="0" cy="0"/>
-          <a:chOff x="0" y="0"/>
-          <a:chExt cx="0" cy="0"/>
-        </a:xfrm>
-      </p:grpSpPr>
-      <p:sp>
-        <p:nvSpPr>
-          <p:cNvPr id="2" name="Title 1"/>
-          <p:cNvSpPr>
-            <a:spLocks noGrp="1"/>
-          </p:cNvSpPr>
-          <p:nvPr>
-            <p:ph type="title"/>
-          </p:nvPr>
-        </p:nvSpPr>
-        <p:spPr/>
-        <p:txBody>
-          <a:bodyPr>
-            <a:normAutofit fontScale="90000"/>
-          </a:bodyPr>
-          <a:lstStyle/>
-          <a:p>
-            <a:r>
-              <a:rPr lang="en-US" dirty="0" smtClean="0"/>
-              <a:t>Parentheses </a:t>
-            </a:r>
-            <a:br>
-              <a:rPr lang="en-US" dirty="0" smtClean="0"/>
-            </a:br>
-            <a:r>
-              <a:rPr lang="en-US" dirty="0" smtClean="0"/>
-              <a:t>also used for multiple outputs</a:t>
-            </a:r>
-            <a:endParaRPr lang="en-US" dirty="0"/>
-          </a:p>
-        </p:txBody>
-      </p:sp>
-      <p:sp>
-        <p:nvSpPr>
-          <p:cNvPr id="3" name="Content Placeholder 2"/>
-          <p:cNvSpPr>
-            <a:spLocks noGrp="1"/>
-          </p:cNvSpPr>
-          <p:nvPr>
-            <p:ph idx="1"/>
-          </p:nvPr>
-        </p:nvSpPr>
-        <p:spPr/>
-        <p:txBody>
-          <a:bodyPr>
-            <a:normAutofit lnSpcReduction="10000"/>
-          </a:bodyPr>
-          <a:lstStyle/>
-          <a:p>
-            <a:r>
-              <a:rPr lang="en-US" dirty="0" smtClean="0"/>
-              <a:t>A=rand(5,6);</a:t>
-            </a:r>
-          </a:p>
-          <a:p>
-            <a:endParaRPr lang="en-US" dirty="0" smtClean="0"/>
-          </a:p>
-          <a:p>
-            <a:r>
-              <a:rPr lang="en-US" dirty="0" err="1" smtClean="0"/>
-              <a:t>svd</a:t>
-            </a:r>
-            <a:r>
-              <a:rPr lang="en-US" dirty="0" smtClean="0"/>
-              <a:t>(A)</a:t>
-            </a:r>
-          </a:p>
-          <a:p>
-            <a:r>
-              <a:rPr lang="en-US" dirty="0" smtClean="0"/>
-              <a:t>(</a:t>
-            </a:r>
-            <a:r>
-              <a:rPr lang="en-US" dirty="0" err="1" smtClean="0"/>
-              <a:t>u,s,v</a:t>
-            </a:r>
-            <a:r>
-              <a:rPr lang="en-US" dirty="0" smtClean="0"/>
-              <a:t>)=</a:t>
-            </a:r>
-            <a:r>
-              <a:rPr lang="en-US" dirty="0" err="1" smtClean="0"/>
-              <a:t>ans</a:t>
-            </a:r>
-            <a:endParaRPr lang="en-US" dirty="0" smtClean="0"/>
-          </a:p>
-          <a:p>
-            <a:pPr lvl="1"/>
-            <a:r>
-              <a:rPr lang="en-US" dirty="0" smtClean="0"/>
-              <a:t>Notice that s is a vector</a:t>
-            </a:r>
-          </a:p>
-          <a:p>
-            <a:r>
-              <a:rPr lang="en-US" dirty="0" smtClean="0"/>
-              <a:t>type&lt;tab&gt; #tab completion</a:t>
-            </a:r>
-          </a:p>
-          <a:p>
-            <a:r>
-              <a:rPr lang="en-US" dirty="0" err="1" smtClean="0"/>
-              <a:t>ndims</a:t>
-            </a:r>
-            <a:r>
-              <a:rPr lang="en-US" dirty="0" smtClean="0"/>
-              <a:t>(u), </a:t>
-            </a:r>
-            <a:r>
-              <a:rPr lang="en-US" dirty="0" err="1" smtClean="0"/>
-              <a:t>typeof</a:t>
-            </a:r>
-            <a:r>
-              <a:rPr lang="en-US" dirty="0" smtClean="0"/>
-              <a:t>(u)</a:t>
-            </a:r>
-          </a:p>
-          <a:p>
-            <a:r>
-              <a:rPr lang="en-US" dirty="0" err="1" smtClean="0"/>
-              <a:t>ndims</a:t>
-            </a:r>
-            <a:r>
-              <a:rPr lang="en-US" dirty="0" smtClean="0"/>
-              <a:t>(s), </a:t>
-            </a:r>
-            <a:r>
-              <a:rPr lang="en-US" dirty="0" err="1" smtClean="0"/>
-              <a:t>typeof</a:t>
-            </a:r>
-            <a:r>
-              <a:rPr lang="en-US" dirty="0" smtClean="0"/>
-              <a:t>(s)</a:t>
-            </a:r>
-            <a:endParaRPr lang="en-US" dirty="0"/>
-          </a:p>
-        </p:txBody>
-      </p:sp>
-    </p:spTree>
-  </p:cSld>
-  <p:clrMapOvr>
-    <a:masterClrMapping/>
-  </p:clrMapOvr>
-  <p:timing>
-    <p:tnLst>
-      <p:par>
-        <p:cTn id="1" dur="indefinite" restart="never" nodeType="tmRoot"/>
-      </p:par>
-    </p:tnLst>
-  </p:timing>
-</p:sld>
-</file>
-
-<file path=ppt/slides/slide9.xml><?xml version="1.0" encoding="utf-8"?>
-<p:sld xmlns:a="http://schemas.openxmlformats.org/drawingml/2006/main" xmlns:r="http://schemas.openxmlformats.org/officeDocument/2006/relationships" xmlns:p="http://schemas.openxmlformats.org/presentationml/2006/main">
-  <p:cSld>
-    <p:spTree>
-      <p:nvGrpSpPr>
-        <p:cNvPr id="1" name=""/>
-        <p:cNvGrpSpPr/>
-        <p:nvPr/>
-      </p:nvGrpSpPr>
-      <p:grpSpPr>
-        <a:xfrm>
-          <a:off x="0" y="0"/>
-          <a:ext cx="0" cy="0"/>
-          <a:chOff x="0" y="0"/>
-          <a:chExt cx="0" cy="0"/>
-        </a:xfrm>
-      </p:grpSpPr>
-      <p:sp>
-        <p:nvSpPr>
-          <p:cNvPr id="2" name="Title 1"/>
-          <p:cNvSpPr>
-            <a:spLocks noGrp="1"/>
-          </p:cNvSpPr>
-          <p:nvPr>
-            <p:ph type="title"/>
-          </p:nvPr>
-        </p:nvSpPr>
-        <p:spPr/>
-        <p:txBody>
-          <a:bodyPr/>
-          <a:lstStyle/>
-          <a:p>
-            <a:r>
-              <a:rPr lang="en-US" dirty="0" smtClean="0"/>
-              <a:t>Ternary Operator</a:t>
-            </a:r>
-            <a:endParaRPr lang="en-US" dirty="0"/>
-          </a:p>
-        </p:txBody>
-      </p:sp>
-      <p:sp>
-        <p:nvSpPr>
-          <p:cNvPr id="3" name="Content Placeholder 2"/>
-          <p:cNvSpPr>
-            <a:spLocks noGrp="1"/>
-          </p:cNvSpPr>
-          <p:nvPr>
-            <p:ph idx="1"/>
-          </p:nvPr>
-        </p:nvSpPr>
-        <p:spPr>
-          <a:xfrm>
-            <a:off x="457200" y="1600200"/>
-            <a:ext cx="8229600" cy="1676399"/>
-          </a:xfrm>
-        </p:spPr>
-        <p:txBody>
-          <a:bodyPr>
-            <a:normAutofit lnSpcReduction="10000"/>
-          </a:bodyPr>
-          <a:lstStyle/>
-          <a:p>
-            <a:r>
-              <a:rPr lang="en-US" dirty="0" err="1" smtClean="0"/>
-              <a:t>si</a:t>
-            </a:r>
-            <a:r>
-              <a:rPr lang="en-US" dirty="0" smtClean="0"/>
-              <a:t>(x</a:t>
-            </a:r>
-            <a:r>
-              <a:rPr lang="en-US" dirty="0" smtClean="0"/>
-              <a:t>) = (x&gt;0) ? 1 : -1</a:t>
-            </a:r>
-          </a:p>
-          <a:p>
-            <a:r>
-              <a:rPr lang="en-US" dirty="0" err="1" smtClean="0"/>
-              <a:t>si</a:t>
-            </a:r>
-            <a:r>
-              <a:rPr lang="en-US" dirty="0" smtClean="0"/>
-              <a:t>(x</a:t>
-            </a:r>
-            <a:r>
-              <a:rPr lang="en-US" dirty="0" smtClean="0"/>
-              <a:t>) = (x&gt;0) ? 1 :  ((x&lt;0) ? -1:  0)  # Chained</a:t>
-            </a:r>
-          </a:p>
-          <a:p>
-            <a:pPr marL="457200" lvl="1" indent="0">
-              <a:buNone/>
-            </a:pPr>
-            <a:r>
-              <a:rPr lang="en-US" dirty="0" smtClean="0"/>
-              <a:t>“sign”  (Comment: “#”)</a:t>
-            </a:r>
-          </a:p>
-          <a:p>
-            <a:endParaRPr lang="en-US" dirty="0"/>
-          </a:p>
-        </p:txBody>
-      </p:sp>
-    </p:spTree>
   </p:cSld>
   <p:clrMapOvr>
     <a:masterClrMapping/>
